--- a/YCBS255_19-04-23_ass4_VincentRoy.pptx
+++ b/YCBS255_19-04-23_ass4_VincentRoy.pptx
@@ -19,6 +19,9 @@
     <p:sldId id="269" r:id="rId13"/>
     <p:sldId id="270" r:id="rId14"/>
     <p:sldId id="271" r:id="rId15"/>
+    <p:sldId id="276" r:id="rId16"/>
+    <p:sldId id="275" r:id="rId17"/>
+    <p:sldId id="277" r:id="rId18"/>
   </p:sldIdLst>
   <p:sldSz cx="9144000" cy="6858000" type="screen4x3"/>
   <p:notesSz cx="6858000" cy="9144000"/>
@@ -117,6 +120,11 @@
       </a:defRPr>
     </a:lvl9pPr>
   </p:defaultTextStyle>
+  <p:extLst>
+    <p:ext uri="{EFAFB233-063F-42B5-8137-9DF3F51BA10A}">
+      <p15:sldGuideLst xmlns:p15="http://schemas.microsoft.com/office/powerpoint/2012/main"/>
+    </p:ext>
+  </p:extLst>
 </p:presentation>
 </file>
 
@@ -3407,7 +3415,7 @@
           <a:p>
             <a:fld id="{B2EBD413-EE2D-6B4D-9070-8C218F8C9B93}" type="datetimeFigureOut">
               <a:rPr lang="en-CA" smtClean="0"/>
-              <a:t>2019-04-19</a:t>
+              <a:t>2019-04-21</a:t>
             </a:fld>
             <a:endParaRPr lang="en-CA"/>
           </a:p>
@@ -3577,7 +3585,7 @@
           <a:p>
             <a:fld id="{B2EBD413-EE2D-6B4D-9070-8C218F8C9B93}" type="datetimeFigureOut">
               <a:rPr lang="en-CA" smtClean="0"/>
-              <a:t>2019-04-19</a:t>
+              <a:t>2019-04-21</a:t>
             </a:fld>
             <a:endParaRPr lang="en-CA"/>
           </a:p>
@@ -3757,7 +3765,7 @@
           <a:p>
             <a:fld id="{B2EBD413-EE2D-6B4D-9070-8C218F8C9B93}" type="datetimeFigureOut">
               <a:rPr lang="en-CA" smtClean="0"/>
-              <a:t>2019-04-19</a:t>
+              <a:t>2019-04-21</a:t>
             </a:fld>
             <a:endParaRPr lang="en-CA"/>
           </a:p>
@@ -3927,7 +3935,7 @@
           <a:p>
             <a:fld id="{B2EBD413-EE2D-6B4D-9070-8C218F8C9B93}" type="datetimeFigureOut">
               <a:rPr lang="en-CA" smtClean="0"/>
-              <a:t>2019-04-19</a:t>
+              <a:t>2019-04-21</a:t>
             </a:fld>
             <a:endParaRPr lang="en-CA"/>
           </a:p>
@@ -4171,7 +4179,7 @@
           <a:p>
             <a:fld id="{B2EBD413-EE2D-6B4D-9070-8C218F8C9B93}" type="datetimeFigureOut">
               <a:rPr lang="en-CA" smtClean="0"/>
-              <a:t>2019-04-19</a:t>
+              <a:t>2019-04-21</a:t>
             </a:fld>
             <a:endParaRPr lang="en-CA"/>
           </a:p>
@@ -4403,7 +4411,7 @@
           <a:p>
             <a:fld id="{B2EBD413-EE2D-6B4D-9070-8C218F8C9B93}" type="datetimeFigureOut">
               <a:rPr lang="en-CA" smtClean="0"/>
-              <a:t>2019-04-19</a:t>
+              <a:t>2019-04-21</a:t>
             </a:fld>
             <a:endParaRPr lang="en-CA"/>
           </a:p>
@@ -4770,7 +4778,7 @@
           <a:p>
             <a:fld id="{B2EBD413-EE2D-6B4D-9070-8C218F8C9B93}" type="datetimeFigureOut">
               <a:rPr lang="en-CA" smtClean="0"/>
-              <a:t>2019-04-19</a:t>
+              <a:t>2019-04-21</a:t>
             </a:fld>
             <a:endParaRPr lang="en-CA"/>
           </a:p>
@@ -4888,7 +4896,7 @@
           <a:p>
             <a:fld id="{B2EBD413-EE2D-6B4D-9070-8C218F8C9B93}" type="datetimeFigureOut">
               <a:rPr lang="en-CA" smtClean="0"/>
-              <a:t>2019-04-19</a:t>
+              <a:t>2019-04-21</a:t>
             </a:fld>
             <a:endParaRPr lang="en-CA"/>
           </a:p>
@@ -4983,7 +4991,7 @@
           <a:p>
             <a:fld id="{B2EBD413-EE2D-6B4D-9070-8C218F8C9B93}" type="datetimeFigureOut">
               <a:rPr lang="en-CA" smtClean="0"/>
-              <a:t>2019-04-19</a:t>
+              <a:t>2019-04-21</a:t>
             </a:fld>
             <a:endParaRPr lang="en-CA"/>
           </a:p>
@@ -5260,7 +5268,7 @@
           <a:p>
             <a:fld id="{B2EBD413-EE2D-6B4D-9070-8C218F8C9B93}" type="datetimeFigureOut">
               <a:rPr lang="en-CA" smtClean="0"/>
-              <a:t>2019-04-19</a:t>
+              <a:t>2019-04-21</a:t>
             </a:fld>
             <a:endParaRPr lang="en-CA"/>
           </a:p>
@@ -5517,7 +5525,7 @@
           <a:p>
             <a:fld id="{B2EBD413-EE2D-6B4D-9070-8C218F8C9B93}" type="datetimeFigureOut">
               <a:rPr lang="en-CA" smtClean="0"/>
-              <a:t>2019-04-19</a:t>
+              <a:t>2019-04-21</a:t>
             </a:fld>
             <a:endParaRPr lang="en-CA"/>
           </a:p>
@@ -5730,7 +5738,7 @@
           <a:p>
             <a:fld id="{B2EBD413-EE2D-6B4D-9070-8C218F8C9B93}" type="datetimeFigureOut">
               <a:rPr lang="en-CA" smtClean="0"/>
-              <a:t>2019-04-19</a:t>
+              <a:t>2019-04-21</a:t>
             </a:fld>
             <a:endParaRPr lang="en-CA"/>
           </a:p>
@@ -6215,15 +6223,15 @@
         </p:nvSpPr>
         <p:spPr>
           <a:xfrm>
-            <a:off x="5059971" y="1783959"/>
-            <a:ext cx="3483937" cy="2889114"/>
+            <a:off x="5059971" y="1783958"/>
+            <a:ext cx="3483937" cy="4267925"/>
           </a:xfrm>
           <a:prstGeom prst="rect">
             <a:avLst/>
           </a:prstGeom>
         </p:spPr>
         <p:txBody>
-          <a:bodyPr vert="horz" lIns="91440" tIns="45720" rIns="91440" bIns="45720" rtlCol="0" anchor="b">
+          <a:bodyPr vert="horz" lIns="91440" tIns="45720" rIns="91440" bIns="45720" rtlCol="0" anchor="t">
             <a:normAutofit/>
           </a:bodyPr>
           <a:lstStyle/>
@@ -6239,7 +6247,7 @@
                 <a:spcPts val="600"/>
               </a:spcAft>
             </a:pPr>
-            <a:endParaRPr lang="en-US" sz="2400" kern="1200">
+            <a:endParaRPr lang="en-US" sz="2400" kern="1200" dirty="0">
               <a:solidFill>
                 <a:schemeClr val="bg1"/>
               </a:solidFill>
@@ -6261,7 +6269,7 @@
               </a:spcAft>
             </a:pPr>
             <a:r>
-              <a:rPr lang="en-US" sz="2400" b="1" kern="1200">
+              <a:rPr lang="en-US" sz="2800" b="1" kern="1200" dirty="0">
                 <a:solidFill>
                   <a:schemeClr val="bg1"/>
                 </a:solidFill>
@@ -6284,7 +6292,7 @@
                 <a:spcPts val="600"/>
               </a:spcAft>
             </a:pPr>
-            <a:endParaRPr lang="en-US" sz="2400" b="1" kern="1200">
+            <a:endParaRPr lang="en-US" sz="2400" b="1" kern="1200" dirty="0">
               <a:solidFill>
                 <a:schemeClr val="bg1"/>
               </a:solidFill>
@@ -6306,7 +6314,7 @@
               </a:spcAft>
             </a:pPr>
             <a:r>
-              <a:rPr lang="en-US" sz="2400" b="1" kern="1200">
+              <a:rPr lang="en-US" sz="2400" b="1" kern="1200" dirty="0">
                 <a:solidFill>
                   <a:schemeClr val="bg1"/>
                 </a:solidFill>
@@ -6329,7 +6337,7 @@
                 <a:spcPts val="600"/>
               </a:spcAft>
             </a:pPr>
-            <a:endParaRPr lang="en-US" sz="2400" b="1" kern="1200">
+            <a:endParaRPr lang="en-US" sz="2400" b="1" kern="1200" dirty="0">
               <a:solidFill>
                 <a:schemeClr val="bg1"/>
               </a:solidFill>
@@ -6351,7 +6359,7 @@
               </a:spcAft>
             </a:pPr>
             <a:r>
-              <a:rPr lang="en-US" sz="2400" b="1" kern="1200">
+              <a:rPr lang="en-US" sz="2400" b="1" kern="1200" dirty="0">
                 <a:solidFill>
                   <a:schemeClr val="bg1"/>
                 </a:solidFill>
@@ -6359,7 +6367,52 @@
                 <a:ea typeface="+mj-ea"/>
                 <a:cs typeface="+mj-cs"/>
               </a:rPr>
-              <a:t>Insurance risk management </a:t>
+              <a:t>Insurance risk management</a:t>
+            </a:r>
+          </a:p>
+          <a:p>
+            <a:pPr defTabSz="914400">
+              <a:lnSpc>
+                <a:spcPct val="90000"/>
+              </a:lnSpc>
+              <a:spcBef>
+                <a:spcPct val="0"/>
+              </a:spcBef>
+              <a:spcAft>
+                <a:spcPts val="600"/>
+              </a:spcAft>
+            </a:pPr>
+            <a:endParaRPr lang="en-US" sz="2400" b="1" dirty="0">
+              <a:solidFill>
+                <a:schemeClr val="bg1"/>
+              </a:solidFill>
+              <a:latin typeface="+mj-lt"/>
+              <a:ea typeface="+mj-ea"/>
+              <a:cs typeface="+mj-cs"/>
+            </a:endParaRPr>
+          </a:p>
+          <a:p>
+            <a:pPr defTabSz="914400">
+              <a:lnSpc>
+                <a:spcPct val="90000"/>
+              </a:lnSpc>
+              <a:spcBef>
+                <a:spcPct val="0"/>
+              </a:spcBef>
+              <a:spcAft>
+                <a:spcPts val="600"/>
+              </a:spcAft>
+            </a:pPr>
+            <a:r>
+              <a:rPr lang="en-US" b="1" kern="1200" dirty="0">
+                <a:solidFill>
+                  <a:schemeClr val="bg1"/>
+                </a:solidFill>
+                <a:latin typeface="+mj-lt"/>
+                <a:ea typeface="+mj-ea"/>
+                <a:cs typeface="+mj-cs"/>
+              </a:rPr>
+              <a:t>Vincent Roy </a:t>
             </a:r>
           </a:p>
         </p:txBody>
@@ -6773,414 +6826,477 @@
           <a:chExt cx="0" cy="0"/>
         </a:xfrm>
       </p:grpSpPr>
-      <p:sp>
-        <p:nvSpPr>
-          <p:cNvPr id="9" name="Rounded Rectangle 8">
+      <p:grpSp>
+        <p:nvGrpSpPr>
+          <p:cNvPr id="5" name="Group 4">
             <a:extLst>
               <a:ext uri="{FF2B5EF4-FFF2-40B4-BE49-F238E27FC236}">
-                <a16:creationId xmlns:a16="http://schemas.microsoft.com/office/drawing/2014/main" id="{8F888959-1064-DA48-8B6A-770F7E054955}"/>
+                <a16:creationId xmlns:a16="http://schemas.microsoft.com/office/drawing/2014/main" id="{112CCAFF-B896-8F4D-B3B6-80766F21BBAC}"/>
               </a:ext>
             </a:extLst>
           </p:cNvPr>
-          <p:cNvSpPr/>
+          <p:cNvGrpSpPr/>
           <p:nvPr/>
-        </p:nvSpPr>
-        <p:spPr>
-          <a:xfrm>
-            <a:off x="711200" y="3100389"/>
-            <a:ext cx="5861050" cy="1801811"/>
-          </a:xfrm>
-          <a:prstGeom prst="roundRect">
-            <a:avLst/>
-          </a:prstGeom>
-          <a:solidFill>
-            <a:schemeClr val="accent1">
-              <a:lumMod val="20000"/>
-              <a:lumOff val="80000"/>
-            </a:schemeClr>
-          </a:solidFill>
-          <a:ln w="57150"/>
-        </p:spPr>
-        <p:style>
-          <a:lnRef idx="2">
-            <a:schemeClr val="accent1">
-              <a:shade val="50000"/>
-            </a:schemeClr>
-          </a:lnRef>
-          <a:fillRef idx="1">
-            <a:schemeClr val="accent1"/>
-          </a:fillRef>
-          <a:effectRef idx="0">
-            <a:schemeClr val="accent1"/>
-          </a:effectRef>
-          <a:fontRef idx="minor">
-            <a:schemeClr val="lt1"/>
-          </a:fontRef>
-        </p:style>
-        <p:txBody>
-          <a:bodyPr rtlCol="0" anchor="ctr"/>
-          <a:lstStyle/>
-          <a:p>
-            <a:pPr algn="ctr"/>
-            <a:r>
-              <a:rPr lang="en-CA" dirty="0"/>
-              <a:t>cv</a:t>
-            </a:r>
-          </a:p>
-        </p:txBody>
-      </p:sp>
-      <p:sp>
-        <p:nvSpPr>
-          <p:cNvPr id="13" name="Rounded Rectangle 12">
-            <a:extLst>
-              <a:ext uri="{FF2B5EF4-FFF2-40B4-BE49-F238E27FC236}">
-                <a16:creationId xmlns:a16="http://schemas.microsoft.com/office/drawing/2014/main" id="{CA3D2F68-E14D-2543-BCB2-B47007549497}"/>
-              </a:ext>
-            </a:extLst>
-          </p:cNvPr>
-          <p:cNvSpPr/>
-          <p:nvPr/>
-        </p:nvSpPr>
-        <p:spPr>
-          <a:xfrm>
-            <a:off x="711200" y="5005389"/>
-            <a:ext cx="5861050" cy="1801811"/>
-          </a:xfrm>
-          <a:prstGeom prst="roundRect">
-            <a:avLst/>
-          </a:prstGeom>
-          <a:solidFill>
-            <a:schemeClr val="accent1">
-              <a:lumMod val="20000"/>
-              <a:lumOff val="80000"/>
-            </a:schemeClr>
-          </a:solidFill>
-          <a:ln w="57150"/>
-        </p:spPr>
-        <p:style>
-          <a:lnRef idx="2">
-            <a:schemeClr val="accent1">
-              <a:shade val="50000"/>
-            </a:schemeClr>
-          </a:lnRef>
-          <a:fillRef idx="1">
-            <a:schemeClr val="accent1"/>
-          </a:fillRef>
-          <a:effectRef idx="0">
-            <a:schemeClr val="accent1"/>
-          </a:effectRef>
-          <a:fontRef idx="minor">
-            <a:schemeClr val="lt1"/>
-          </a:fontRef>
-        </p:style>
-        <p:txBody>
-          <a:bodyPr rtlCol="0" anchor="ctr"/>
-          <a:lstStyle/>
-          <a:p>
-            <a:pPr algn="ctr"/>
-            <a:r>
-              <a:rPr lang="en-CA" dirty="0"/>
-              <a:t>cv</a:t>
-            </a:r>
-          </a:p>
-        </p:txBody>
-      </p:sp>
-      <p:sp>
-        <p:nvSpPr>
-          <p:cNvPr id="14" name="Rounded Rectangle 13">
-            <a:extLst>
-              <a:ext uri="{FF2B5EF4-FFF2-40B4-BE49-F238E27FC236}">
-                <a16:creationId xmlns:a16="http://schemas.microsoft.com/office/drawing/2014/main" id="{08D5FAE7-CE8F-C14C-84CE-418135AEA63E}"/>
-              </a:ext>
-            </a:extLst>
-          </p:cNvPr>
-          <p:cNvSpPr/>
-          <p:nvPr/>
-        </p:nvSpPr>
-        <p:spPr>
+        </p:nvGrpSpPr>
+        <p:grpSpPr>
           <a:xfrm>
             <a:off x="711200" y="1119189"/>
             <a:ext cx="5861050" cy="1801811"/>
+            <a:chOff x="711200" y="1119189"/>
+            <a:chExt cx="5861050" cy="1801811"/>
           </a:xfrm>
-          <a:prstGeom prst="roundRect">
-            <a:avLst/>
-          </a:prstGeom>
-          <a:solidFill>
-            <a:schemeClr val="accent1">
-              <a:lumMod val="20000"/>
-              <a:lumOff val="80000"/>
-            </a:schemeClr>
-          </a:solidFill>
-          <a:ln w="57150"/>
-        </p:spPr>
-        <p:style>
-          <a:lnRef idx="2">
-            <a:schemeClr val="accent1">
-              <a:shade val="50000"/>
-            </a:schemeClr>
-          </a:lnRef>
-          <a:fillRef idx="1">
-            <a:schemeClr val="accent1"/>
-          </a:fillRef>
-          <a:effectRef idx="0">
-            <a:schemeClr val="accent1"/>
-          </a:effectRef>
-          <a:fontRef idx="minor">
-            <a:schemeClr val="lt1"/>
-          </a:fontRef>
-        </p:style>
-        <p:txBody>
-          <a:bodyPr rtlCol="0" anchor="ctr"/>
-          <a:lstStyle/>
-          <a:p>
-            <a:pPr algn="ctr"/>
-            <a:r>
-              <a:rPr lang="en-CA" dirty="0"/>
-              <a:t>cv</a:t>
-            </a:r>
-          </a:p>
-        </p:txBody>
-      </p:sp>
-      <p:pic>
-        <p:nvPicPr>
-          <p:cNvPr id="15" name="Picture 6">
+        </p:grpSpPr>
+        <p:sp>
+          <p:nvSpPr>
+            <p:cNvPr id="14" name="Rounded Rectangle 13">
+              <a:extLst>
+                <a:ext uri="{FF2B5EF4-FFF2-40B4-BE49-F238E27FC236}">
+                  <a16:creationId xmlns:a16="http://schemas.microsoft.com/office/drawing/2014/main" id="{08D5FAE7-CE8F-C14C-84CE-418135AEA63E}"/>
+                </a:ext>
+              </a:extLst>
+            </p:cNvPr>
+            <p:cNvSpPr/>
+            <p:nvPr/>
+          </p:nvSpPr>
+          <p:spPr>
+            <a:xfrm>
+              <a:off x="711200" y="1119189"/>
+              <a:ext cx="5861050" cy="1801811"/>
+            </a:xfrm>
+            <a:prstGeom prst="roundRect">
+              <a:avLst/>
+            </a:prstGeom>
+            <a:solidFill>
+              <a:schemeClr val="accent1">
+                <a:lumMod val="20000"/>
+                <a:lumOff val="80000"/>
+              </a:schemeClr>
+            </a:solidFill>
+            <a:ln w="57150"/>
+          </p:spPr>
+          <p:style>
+            <a:lnRef idx="2">
+              <a:schemeClr val="accent1">
+                <a:shade val="50000"/>
+              </a:schemeClr>
+            </a:lnRef>
+            <a:fillRef idx="1">
+              <a:schemeClr val="accent1"/>
+            </a:fillRef>
+            <a:effectRef idx="0">
+              <a:schemeClr val="accent1"/>
+            </a:effectRef>
+            <a:fontRef idx="minor">
+              <a:schemeClr val="lt1"/>
+            </a:fontRef>
+          </p:style>
+          <p:txBody>
+            <a:bodyPr rtlCol="0" anchor="ctr"/>
+            <a:lstStyle/>
+            <a:p>
+              <a:pPr algn="ctr"/>
+              <a:r>
+                <a:rPr lang="en-CA" dirty="0"/>
+                <a:t>cv</a:t>
+              </a:r>
+            </a:p>
+          </p:txBody>
+        </p:sp>
+        <p:pic>
+          <p:nvPicPr>
+            <p:cNvPr id="15" name="Picture 6">
+              <a:extLst>
+                <a:ext uri="{FF2B5EF4-FFF2-40B4-BE49-F238E27FC236}">
+                  <a16:creationId xmlns:a16="http://schemas.microsoft.com/office/drawing/2014/main" id="{CA710A65-8E22-4945-A737-1C2C8144DD9F}"/>
+                </a:ext>
+              </a:extLst>
+            </p:cNvPr>
+            <p:cNvPicPr>
+              <a:picLocks noChangeAspect="1" noChangeArrowheads="1"/>
+            </p:cNvPicPr>
+            <p:nvPr/>
+          </p:nvPicPr>
+          <p:blipFill rotWithShape="1">
+            <a:blip r:embed="rId2">
+              <a:extLst>
+                <a:ext uri="{28A0092B-C50C-407E-A947-70E740481C1C}">
+                  <a14:useLocalDpi xmlns:a14="http://schemas.microsoft.com/office/drawing/2010/main" val="0"/>
+                </a:ext>
+              </a:extLst>
+            </a:blip>
+            <a:srcRect t="46408" b="1"/>
+            <a:stretch/>
+          </p:blipFill>
+          <p:spPr bwMode="auto">
+            <a:xfrm>
+              <a:off x="1733550" y="1181100"/>
+              <a:ext cx="4552950" cy="1640076"/>
+            </a:xfrm>
+            <a:prstGeom prst="rect">
+              <a:avLst/>
+            </a:prstGeom>
+            <a:noFill/>
+            <a:extLst>
+              <a:ext uri="{909E8E84-426E-40DD-AFC4-6F175D3DCCD1}">
+                <a14:hiddenFill xmlns:a14="http://schemas.microsoft.com/office/drawing/2010/main">
+                  <a:solidFill>
+                    <a:srgbClr val="FFFFFF"/>
+                  </a:solidFill>
+                </a14:hiddenFill>
+              </a:ext>
+            </a:extLst>
+          </p:spPr>
+        </p:pic>
+        <p:sp>
+          <p:nvSpPr>
+            <p:cNvPr id="18" name="TextBox 17">
+              <a:extLst>
+                <a:ext uri="{FF2B5EF4-FFF2-40B4-BE49-F238E27FC236}">
+                  <a16:creationId xmlns:a16="http://schemas.microsoft.com/office/drawing/2014/main" id="{A3D9B259-7CCA-5943-9EA4-EFAD99E3E61C}"/>
+                </a:ext>
+              </a:extLst>
+            </p:cNvPr>
+            <p:cNvSpPr txBox="1"/>
+            <p:nvPr/>
+          </p:nvSpPr>
+          <p:spPr>
+            <a:xfrm>
+              <a:off x="1041400" y="1168400"/>
+              <a:ext cx="2142446" cy="369332"/>
+            </a:xfrm>
+            <a:prstGeom prst="rect">
+              <a:avLst/>
+            </a:prstGeom>
+            <a:noFill/>
+          </p:spPr>
+          <p:txBody>
+            <a:bodyPr wrap="none" rtlCol="0">
+              <a:spAutoFit/>
+            </a:bodyPr>
+            <a:lstStyle/>
+            <a:p>
+              <a:r>
+                <a:rPr lang="en-CA" dirty="0"/>
+                <a:t>THAL2 – Fixed defect</a:t>
+              </a:r>
+            </a:p>
+          </p:txBody>
+        </p:sp>
+      </p:grpSp>
+      <p:grpSp>
+        <p:nvGrpSpPr>
+          <p:cNvPr id="6" name="Group 5">
             <a:extLst>
               <a:ext uri="{FF2B5EF4-FFF2-40B4-BE49-F238E27FC236}">
-                <a16:creationId xmlns:a16="http://schemas.microsoft.com/office/drawing/2014/main" id="{CA710A65-8E22-4945-A737-1C2C8144DD9F}"/>
+                <a16:creationId xmlns:a16="http://schemas.microsoft.com/office/drawing/2014/main" id="{DBDE5A7A-1574-9647-9C8F-218E05CC6426}"/>
               </a:ext>
             </a:extLst>
           </p:cNvPr>
-          <p:cNvPicPr>
-            <a:picLocks noChangeAspect="1" noChangeArrowheads="1"/>
-          </p:cNvPicPr>
+          <p:cNvGrpSpPr/>
           <p:nvPr/>
-        </p:nvPicPr>
-        <p:blipFill rotWithShape="1">
-          <a:blip r:embed="rId2">
+        </p:nvGrpSpPr>
+        <p:grpSpPr>
+          <a:xfrm>
+            <a:off x="711200" y="3097024"/>
+            <a:ext cx="5861050" cy="1805176"/>
+            <a:chOff x="711200" y="3097024"/>
+            <a:chExt cx="5861050" cy="1805176"/>
+          </a:xfrm>
+        </p:grpSpPr>
+        <p:sp>
+          <p:nvSpPr>
+            <p:cNvPr id="9" name="Rounded Rectangle 8">
+              <a:extLst>
+                <a:ext uri="{FF2B5EF4-FFF2-40B4-BE49-F238E27FC236}">
+                  <a16:creationId xmlns:a16="http://schemas.microsoft.com/office/drawing/2014/main" id="{8F888959-1064-DA48-8B6A-770F7E054955}"/>
+                </a:ext>
+              </a:extLst>
+            </p:cNvPr>
+            <p:cNvSpPr/>
+            <p:nvPr/>
+          </p:nvSpPr>
+          <p:spPr>
+            <a:xfrm>
+              <a:off x="711200" y="3100389"/>
+              <a:ext cx="5861050" cy="1801811"/>
+            </a:xfrm>
+            <a:prstGeom prst="roundRect">
+              <a:avLst/>
+            </a:prstGeom>
+            <a:solidFill>
+              <a:schemeClr val="accent1">
+                <a:lumMod val="20000"/>
+                <a:lumOff val="80000"/>
+              </a:schemeClr>
+            </a:solidFill>
+            <a:ln w="57150"/>
+          </p:spPr>
+          <p:style>
+            <a:lnRef idx="2">
+              <a:schemeClr val="accent1">
+                <a:shade val="50000"/>
+              </a:schemeClr>
+            </a:lnRef>
+            <a:fillRef idx="1">
+              <a:schemeClr val="accent1"/>
+            </a:fillRef>
+            <a:effectRef idx="0">
+              <a:schemeClr val="accent1"/>
+            </a:effectRef>
+            <a:fontRef idx="minor">
+              <a:schemeClr val="lt1"/>
+            </a:fontRef>
+          </p:style>
+          <p:txBody>
+            <a:bodyPr rtlCol="0" anchor="ctr"/>
+            <a:lstStyle/>
+            <a:p>
+              <a:pPr algn="ctr"/>
+              <a:r>
+                <a:rPr lang="en-CA" dirty="0"/>
+                <a:t>cv</a:t>
+              </a:r>
+            </a:p>
+          </p:txBody>
+        </p:sp>
+        <p:pic>
+          <p:nvPicPr>
+            <p:cNvPr id="16" name="Picture 8">
+              <a:extLst>
+                <a:ext uri="{FF2B5EF4-FFF2-40B4-BE49-F238E27FC236}">
+                  <a16:creationId xmlns:a16="http://schemas.microsoft.com/office/drawing/2014/main" id="{846D3FDD-E6DD-0F4D-9221-62280C9BF03C}"/>
+                </a:ext>
+              </a:extLst>
+            </p:cNvPr>
+            <p:cNvPicPr>
+              <a:picLocks noChangeAspect="1" noChangeArrowheads="1"/>
+            </p:cNvPicPr>
+            <p:nvPr/>
+          </p:nvPicPr>
+          <p:blipFill rotWithShape="1">
+            <a:blip r:embed="rId3">
+              <a:extLst>
+                <a:ext uri="{28A0092B-C50C-407E-A947-70E740481C1C}">
+                  <a14:useLocalDpi xmlns:a14="http://schemas.microsoft.com/office/drawing/2010/main" val="0"/>
+                </a:ext>
+              </a:extLst>
+            </a:blip>
+            <a:srcRect t="45565"/>
+            <a:stretch/>
+          </p:blipFill>
+          <p:spPr bwMode="auto">
+            <a:xfrm>
+              <a:off x="1733550" y="3097024"/>
+              <a:ext cx="4552950" cy="1620000"/>
+            </a:xfrm>
+            <a:prstGeom prst="rect">
+              <a:avLst/>
+            </a:prstGeom>
+            <a:noFill/>
             <a:extLst>
-              <a:ext uri="{28A0092B-C50C-407E-A947-70E740481C1C}">
-                <a14:useLocalDpi xmlns:a14="http://schemas.microsoft.com/office/drawing/2010/main" val="0"/>
+              <a:ext uri="{909E8E84-426E-40DD-AFC4-6F175D3DCCD1}">
+                <a14:hiddenFill xmlns:a14="http://schemas.microsoft.com/office/drawing/2010/main">
+                  <a:solidFill>
+                    <a:srgbClr val="FFFFFF"/>
+                  </a:solidFill>
+                </a14:hiddenFill>
               </a:ext>
             </a:extLst>
-          </a:blip>
-          <a:srcRect t="46408" b="1"/>
-          <a:stretch/>
-        </p:blipFill>
-        <p:spPr bwMode="auto">
-          <a:xfrm>
-            <a:off x="1733550" y="1181100"/>
-            <a:ext cx="4552950" cy="1640076"/>
-          </a:xfrm>
-          <a:prstGeom prst="rect">
-            <a:avLst/>
-          </a:prstGeom>
-          <a:noFill/>
-          <a:extLst>
-            <a:ext uri="{909E8E84-426E-40DD-AFC4-6F175D3DCCD1}">
-              <a14:hiddenFill xmlns:a14="http://schemas.microsoft.com/office/drawing/2010/main">
-                <a:solidFill>
-                  <a:srgbClr val="FFFFFF"/>
-                </a:solidFill>
-              </a14:hiddenFill>
-            </a:ext>
-          </a:extLst>
-        </p:spPr>
-      </p:pic>
-      <p:pic>
-        <p:nvPicPr>
-          <p:cNvPr id="16" name="Picture 8">
+          </p:spPr>
+        </p:pic>
+        <p:sp>
+          <p:nvSpPr>
+            <p:cNvPr id="19" name="TextBox 18">
+              <a:extLst>
+                <a:ext uri="{FF2B5EF4-FFF2-40B4-BE49-F238E27FC236}">
+                  <a16:creationId xmlns:a16="http://schemas.microsoft.com/office/drawing/2014/main" id="{70BD77C9-8C47-464D-BFEF-9B732C0142E5}"/>
+                </a:ext>
+              </a:extLst>
+            </p:cNvPr>
+            <p:cNvSpPr txBox="1"/>
+            <p:nvPr/>
+          </p:nvSpPr>
+          <p:spPr>
+            <a:xfrm>
+              <a:off x="1041400" y="3098800"/>
+              <a:ext cx="2103140" cy="369332"/>
+            </a:xfrm>
+            <a:prstGeom prst="rect">
+              <a:avLst/>
+            </a:prstGeom>
+            <a:noFill/>
+          </p:spPr>
+          <p:txBody>
+            <a:bodyPr wrap="none" rtlCol="0">
+              <a:spAutoFit/>
+            </a:bodyPr>
+            <a:lstStyle/>
+            <a:p>
+              <a:r>
+                <a:rPr lang="en-CA" dirty="0"/>
+                <a:t>CPO - typical angina </a:t>
+              </a:r>
+            </a:p>
+          </p:txBody>
+        </p:sp>
+      </p:grpSp>
+      <p:grpSp>
+        <p:nvGrpSpPr>
+          <p:cNvPr id="7" name="Group 6">
             <a:extLst>
               <a:ext uri="{FF2B5EF4-FFF2-40B4-BE49-F238E27FC236}">
-                <a16:creationId xmlns:a16="http://schemas.microsoft.com/office/drawing/2014/main" id="{846D3FDD-E6DD-0F4D-9221-62280C9BF03C}"/>
+                <a16:creationId xmlns:a16="http://schemas.microsoft.com/office/drawing/2014/main" id="{345C1C67-2783-F748-9A75-66C5B4DF8BBD}"/>
               </a:ext>
             </a:extLst>
           </p:cNvPr>
-          <p:cNvPicPr>
-            <a:picLocks noChangeAspect="1" noChangeArrowheads="1"/>
-          </p:cNvPicPr>
+          <p:cNvGrpSpPr/>
           <p:nvPr/>
-        </p:nvPicPr>
-        <p:blipFill rotWithShape="1">
-          <a:blip r:embed="rId3">
+        </p:nvGrpSpPr>
+        <p:grpSpPr>
+          <a:xfrm>
+            <a:off x="711200" y="4996700"/>
+            <a:ext cx="5861050" cy="1810500"/>
+            <a:chOff x="711200" y="4996700"/>
+            <a:chExt cx="5861050" cy="1810500"/>
+          </a:xfrm>
+        </p:grpSpPr>
+        <p:sp>
+          <p:nvSpPr>
+            <p:cNvPr id="13" name="Rounded Rectangle 12">
+              <a:extLst>
+                <a:ext uri="{FF2B5EF4-FFF2-40B4-BE49-F238E27FC236}">
+                  <a16:creationId xmlns:a16="http://schemas.microsoft.com/office/drawing/2014/main" id="{CA3D2F68-E14D-2543-BCB2-B47007549497}"/>
+                </a:ext>
+              </a:extLst>
+            </p:cNvPr>
+            <p:cNvSpPr/>
+            <p:nvPr/>
+          </p:nvSpPr>
+          <p:spPr>
+            <a:xfrm>
+              <a:off x="711200" y="5005389"/>
+              <a:ext cx="5861050" cy="1801811"/>
+            </a:xfrm>
+            <a:prstGeom prst="roundRect">
+              <a:avLst/>
+            </a:prstGeom>
+            <a:solidFill>
+              <a:schemeClr val="accent1">
+                <a:lumMod val="20000"/>
+                <a:lumOff val="80000"/>
+              </a:schemeClr>
+            </a:solidFill>
+            <a:ln w="57150"/>
+          </p:spPr>
+          <p:style>
+            <a:lnRef idx="2">
+              <a:schemeClr val="accent1">
+                <a:shade val="50000"/>
+              </a:schemeClr>
+            </a:lnRef>
+            <a:fillRef idx="1">
+              <a:schemeClr val="accent1"/>
+            </a:fillRef>
+            <a:effectRef idx="0">
+              <a:schemeClr val="accent1"/>
+            </a:effectRef>
+            <a:fontRef idx="minor">
+              <a:schemeClr val="lt1"/>
+            </a:fontRef>
+          </p:style>
+          <p:txBody>
+            <a:bodyPr rtlCol="0" anchor="ctr"/>
+            <a:lstStyle/>
+            <a:p>
+              <a:pPr algn="ctr"/>
+              <a:r>
+                <a:rPr lang="en-CA" dirty="0"/>
+                <a:t>cv</a:t>
+              </a:r>
+            </a:p>
+          </p:txBody>
+        </p:sp>
+        <p:pic>
+          <p:nvPicPr>
+            <p:cNvPr id="17" name="Picture 10">
+              <a:extLst>
+                <a:ext uri="{FF2B5EF4-FFF2-40B4-BE49-F238E27FC236}">
+                  <a16:creationId xmlns:a16="http://schemas.microsoft.com/office/drawing/2014/main" id="{0EF10736-8065-2749-9C32-FAA16FC36498}"/>
+                </a:ext>
+              </a:extLst>
+            </p:cNvPr>
+            <p:cNvPicPr>
+              <a:picLocks noChangeAspect="1" noChangeArrowheads="1"/>
+            </p:cNvPicPr>
+            <p:nvPr/>
+          </p:nvPicPr>
+          <p:blipFill rotWithShape="1">
+            <a:blip r:embed="rId4">
+              <a:extLst>
+                <a:ext uri="{28A0092B-C50C-407E-A947-70E740481C1C}">
+                  <a14:useLocalDpi xmlns:a14="http://schemas.microsoft.com/office/drawing/2010/main" val="0"/>
+                </a:ext>
+              </a:extLst>
+            </a:blip>
+            <a:srcRect t="44386"/>
+            <a:stretch/>
+          </p:blipFill>
+          <p:spPr bwMode="auto">
+            <a:xfrm>
+              <a:off x="1733550" y="4996700"/>
+              <a:ext cx="4552950" cy="1620000"/>
+            </a:xfrm>
+            <a:prstGeom prst="rect">
+              <a:avLst/>
+            </a:prstGeom>
+            <a:noFill/>
             <a:extLst>
-              <a:ext uri="{28A0092B-C50C-407E-A947-70E740481C1C}">
-                <a14:useLocalDpi xmlns:a14="http://schemas.microsoft.com/office/drawing/2010/main" val="0"/>
+              <a:ext uri="{909E8E84-426E-40DD-AFC4-6F175D3DCCD1}">
+                <a14:hiddenFill xmlns:a14="http://schemas.microsoft.com/office/drawing/2010/main">
+                  <a:solidFill>
+                    <a:srgbClr val="FFFFFF"/>
+                  </a:solidFill>
+                </a14:hiddenFill>
               </a:ext>
             </a:extLst>
-          </a:blip>
-          <a:srcRect t="45565"/>
-          <a:stretch/>
-        </p:blipFill>
-        <p:spPr bwMode="auto">
-          <a:xfrm>
-            <a:off x="1733550" y="3097024"/>
-            <a:ext cx="4552950" cy="1620000"/>
-          </a:xfrm>
-          <a:prstGeom prst="rect">
-            <a:avLst/>
-          </a:prstGeom>
-          <a:noFill/>
-          <a:extLst>
-            <a:ext uri="{909E8E84-426E-40DD-AFC4-6F175D3DCCD1}">
-              <a14:hiddenFill xmlns:a14="http://schemas.microsoft.com/office/drawing/2010/main">
-                <a:solidFill>
-                  <a:srgbClr val="FFFFFF"/>
-                </a:solidFill>
-              </a14:hiddenFill>
-            </a:ext>
-          </a:extLst>
-        </p:spPr>
-      </p:pic>
-      <p:pic>
-        <p:nvPicPr>
-          <p:cNvPr id="17" name="Picture 10">
-            <a:extLst>
-              <a:ext uri="{FF2B5EF4-FFF2-40B4-BE49-F238E27FC236}">
-                <a16:creationId xmlns:a16="http://schemas.microsoft.com/office/drawing/2014/main" id="{0EF10736-8065-2749-9C32-FAA16FC36498}"/>
-              </a:ext>
-            </a:extLst>
-          </p:cNvPr>
-          <p:cNvPicPr>
-            <a:picLocks noChangeAspect="1" noChangeArrowheads="1"/>
-          </p:cNvPicPr>
-          <p:nvPr/>
-        </p:nvPicPr>
-        <p:blipFill rotWithShape="1">
-          <a:blip r:embed="rId4">
-            <a:extLst>
-              <a:ext uri="{28A0092B-C50C-407E-A947-70E740481C1C}">
-                <a14:useLocalDpi xmlns:a14="http://schemas.microsoft.com/office/drawing/2010/main" val="0"/>
-              </a:ext>
-            </a:extLst>
-          </a:blip>
-          <a:srcRect t="44386"/>
-          <a:stretch/>
-        </p:blipFill>
-        <p:spPr bwMode="auto">
-          <a:xfrm>
-            <a:off x="1733550" y="4996700"/>
-            <a:ext cx="4552950" cy="1620000"/>
-          </a:xfrm>
-          <a:prstGeom prst="rect">
-            <a:avLst/>
-          </a:prstGeom>
-          <a:noFill/>
-          <a:extLst>
-            <a:ext uri="{909E8E84-426E-40DD-AFC4-6F175D3DCCD1}">
-              <a14:hiddenFill xmlns:a14="http://schemas.microsoft.com/office/drawing/2010/main">
-                <a:solidFill>
-                  <a:srgbClr val="FFFFFF"/>
-                </a:solidFill>
-              </a14:hiddenFill>
-            </a:ext>
-          </a:extLst>
-        </p:spPr>
-      </p:pic>
-      <p:sp>
-        <p:nvSpPr>
-          <p:cNvPr id="18" name="TextBox 17">
-            <a:extLst>
-              <a:ext uri="{FF2B5EF4-FFF2-40B4-BE49-F238E27FC236}">
-                <a16:creationId xmlns:a16="http://schemas.microsoft.com/office/drawing/2014/main" id="{A3D9B259-7CCA-5943-9EA4-EFAD99E3E61C}"/>
-              </a:ext>
-            </a:extLst>
-          </p:cNvPr>
-          <p:cNvSpPr txBox="1"/>
-          <p:nvPr/>
-        </p:nvSpPr>
-        <p:spPr>
-          <a:xfrm>
-            <a:off x="1041400" y="1168400"/>
-            <a:ext cx="788999" cy="369332"/>
-          </a:xfrm>
-          <a:prstGeom prst="rect">
-            <a:avLst/>
-          </a:prstGeom>
-          <a:noFill/>
-        </p:spPr>
-        <p:txBody>
-          <a:bodyPr wrap="none" rtlCol="0">
-            <a:spAutoFit/>
-          </a:bodyPr>
-          <a:lstStyle/>
-          <a:p>
-            <a:r>
-              <a:rPr lang="en-CA" dirty="0"/>
-              <a:t>THAL1</a:t>
-            </a:r>
-          </a:p>
-        </p:txBody>
-      </p:sp>
-      <p:sp>
-        <p:nvSpPr>
-          <p:cNvPr id="19" name="TextBox 18">
-            <a:extLst>
-              <a:ext uri="{FF2B5EF4-FFF2-40B4-BE49-F238E27FC236}">
-                <a16:creationId xmlns:a16="http://schemas.microsoft.com/office/drawing/2014/main" id="{70BD77C9-8C47-464D-BFEF-9B732C0142E5}"/>
-              </a:ext>
-            </a:extLst>
-          </p:cNvPr>
-          <p:cNvSpPr txBox="1"/>
-          <p:nvPr/>
-        </p:nvSpPr>
-        <p:spPr>
-          <a:xfrm>
-            <a:off x="1041400" y="3098800"/>
-            <a:ext cx="579005" cy="369332"/>
-          </a:xfrm>
-          <a:prstGeom prst="rect">
-            <a:avLst/>
-          </a:prstGeom>
-          <a:noFill/>
-        </p:spPr>
-        <p:txBody>
-          <a:bodyPr wrap="none" rtlCol="0">
-            <a:spAutoFit/>
-          </a:bodyPr>
-          <a:lstStyle/>
-          <a:p>
-            <a:r>
-              <a:rPr lang="en-CA" dirty="0"/>
-              <a:t>CPO</a:t>
-            </a:r>
-          </a:p>
-        </p:txBody>
-      </p:sp>
-      <p:sp>
-        <p:nvSpPr>
-          <p:cNvPr id="20" name="TextBox 19">
-            <a:extLst>
-              <a:ext uri="{FF2B5EF4-FFF2-40B4-BE49-F238E27FC236}">
-                <a16:creationId xmlns:a16="http://schemas.microsoft.com/office/drawing/2014/main" id="{E027DED0-CDFA-B84D-8B06-C4C92DC532FA}"/>
-              </a:ext>
-            </a:extLst>
-          </p:cNvPr>
-          <p:cNvSpPr txBox="1"/>
-          <p:nvPr/>
-        </p:nvSpPr>
-        <p:spPr>
-          <a:xfrm>
-            <a:off x="1041400" y="5029200"/>
-            <a:ext cx="788999" cy="369332"/>
-          </a:xfrm>
-          <a:prstGeom prst="rect">
-            <a:avLst/>
-          </a:prstGeom>
-          <a:noFill/>
-        </p:spPr>
-        <p:txBody>
-          <a:bodyPr wrap="none" rtlCol="0">
-            <a:spAutoFit/>
-          </a:bodyPr>
-          <a:lstStyle/>
-          <a:p>
-            <a:r>
-              <a:rPr lang="en-CA" dirty="0"/>
-              <a:t>THAL2</a:t>
-            </a:r>
-          </a:p>
-        </p:txBody>
-      </p:sp>
+          </p:spPr>
+        </p:pic>
+        <p:sp>
+          <p:nvSpPr>
+            <p:cNvPr id="20" name="TextBox 19">
+              <a:extLst>
+                <a:ext uri="{FF2B5EF4-FFF2-40B4-BE49-F238E27FC236}">
+                  <a16:creationId xmlns:a16="http://schemas.microsoft.com/office/drawing/2014/main" id="{E027DED0-CDFA-B84D-8B06-C4C92DC532FA}"/>
+                </a:ext>
+              </a:extLst>
+            </p:cNvPr>
+            <p:cNvSpPr txBox="1"/>
+            <p:nvPr/>
+          </p:nvSpPr>
+          <p:spPr>
+            <a:xfrm>
+              <a:off x="1041400" y="5029200"/>
+              <a:ext cx="2614818" cy="369332"/>
+            </a:xfrm>
+            <a:prstGeom prst="rect">
+              <a:avLst/>
+            </a:prstGeom>
+            <a:noFill/>
+          </p:spPr>
+          <p:txBody>
+            <a:bodyPr wrap="none" rtlCol="0">
+              <a:spAutoFit/>
+            </a:bodyPr>
+            <a:lstStyle/>
+            <a:p>
+              <a:r>
+                <a:rPr lang="en-CA" dirty="0"/>
+                <a:t>THAL3 – Reversible defect</a:t>
+              </a:r>
+            </a:p>
+          </p:txBody>
+        </p:sp>
+      </p:grpSp>
       <p:sp>
         <p:nvSpPr>
           <p:cNvPr id="2" name="Title 1">
@@ -7394,6 +7510,162 @@
           </a:extLst>
         </p:spPr>
       </p:pic>
+      <p:sp>
+        <p:nvSpPr>
+          <p:cNvPr id="3" name="Rectangle 2">
+            <a:extLst>
+              <a:ext uri="{FF2B5EF4-FFF2-40B4-BE49-F238E27FC236}">
+                <a16:creationId xmlns:a16="http://schemas.microsoft.com/office/drawing/2014/main" id="{F808B3D9-7789-6C4C-B801-7C900C638FC5}"/>
+              </a:ext>
+            </a:extLst>
+          </p:cNvPr>
+          <p:cNvSpPr/>
+          <p:nvPr/>
+        </p:nvSpPr>
+        <p:spPr>
+          <a:xfrm>
+            <a:off x="3248526" y="1188356"/>
+            <a:ext cx="2981902" cy="1632820"/>
+          </a:xfrm>
+          <a:prstGeom prst="rect">
+            <a:avLst/>
+          </a:prstGeom>
+          <a:noFill/>
+          <a:ln w="38100">
+            <a:solidFill>
+              <a:srgbClr val="FF0000"/>
+            </a:solidFill>
+          </a:ln>
+        </p:spPr>
+        <p:style>
+          <a:lnRef idx="2">
+            <a:schemeClr val="accent1">
+              <a:shade val="50000"/>
+            </a:schemeClr>
+          </a:lnRef>
+          <a:fillRef idx="1">
+            <a:schemeClr val="accent1"/>
+          </a:fillRef>
+          <a:effectRef idx="0">
+            <a:schemeClr val="accent1"/>
+          </a:effectRef>
+          <a:fontRef idx="minor">
+            <a:schemeClr val="lt1"/>
+          </a:fontRef>
+        </p:style>
+        <p:txBody>
+          <a:bodyPr rtlCol="0" anchor="ctr"/>
+          <a:lstStyle/>
+          <a:p>
+            <a:pPr algn="ctr"/>
+            <a:endParaRPr lang="en-CA"/>
+          </a:p>
+        </p:txBody>
+      </p:sp>
+      <p:sp>
+        <p:nvSpPr>
+          <p:cNvPr id="21" name="Rectangle 20">
+            <a:extLst>
+              <a:ext uri="{FF2B5EF4-FFF2-40B4-BE49-F238E27FC236}">
+                <a16:creationId xmlns:a16="http://schemas.microsoft.com/office/drawing/2014/main" id="{A368A7A6-F774-AD4F-B0C3-88532E7DE8DE}"/>
+              </a:ext>
+            </a:extLst>
+          </p:cNvPr>
+          <p:cNvSpPr/>
+          <p:nvPr/>
+        </p:nvSpPr>
+        <p:spPr>
+          <a:xfrm>
+            <a:off x="3256544" y="3109399"/>
+            <a:ext cx="2981902" cy="1632820"/>
+          </a:xfrm>
+          <a:prstGeom prst="rect">
+            <a:avLst/>
+          </a:prstGeom>
+          <a:noFill/>
+          <a:ln w="38100">
+            <a:solidFill>
+              <a:srgbClr val="FF0000"/>
+            </a:solidFill>
+          </a:ln>
+        </p:spPr>
+        <p:style>
+          <a:lnRef idx="2">
+            <a:schemeClr val="accent1">
+              <a:shade val="50000"/>
+            </a:schemeClr>
+          </a:lnRef>
+          <a:fillRef idx="1">
+            <a:schemeClr val="accent1"/>
+          </a:fillRef>
+          <a:effectRef idx="0">
+            <a:schemeClr val="accent1"/>
+          </a:effectRef>
+          <a:fontRef idx="minor">
+            <a:schemeClr val="lt1"/>
+          </a:fontRef>
+        </p:style>
+        <p:txBody>
+          <a:bodyPr rtlCol="0" anchor="ctr"/>
+          <a:lstStyle/>
+          <a:p>
+            <a:pPr algn="ctr"/>
+            <a:endParaRPr lang="en-CA"/>
+          </a:p>
+        </p:txBody>
+      </p:sp>
+      <p:sp>
+        <p:nvSpPr>
+          <p:cNvPr id="22" name="Rectangle 21">
+            <a:extLst>
+              <a:ext uri="{FF2B5EF4-FFF2-40B4-BE49-F238E27FC236}">
+                <a16:creationId xmlns:a16="http://schemas.microsoft.com/office/drawing/2014/main" id="{52C6EA99-42C2-4E4F-9439-748332EED387}"/>
+              </a:ext>
+            </a:extLst>
+          </p:cNvPr>
+          <p:cNvSpPr/>
+          <p:nvPr/>
+        </p:nvSpPr>
+        <p:spPr>
+          <a:xfrm>
+            <a:off x="3276595" y="5006378"/>
+            <a:ext cx="2981902" cy="1632820"/>
+          </a:xfrm>
+          <a:prstGeom prst="rect">
+            <a:avLst/>
+          </a:prstGeom>
+          <a:noFill/>
+          <a:ln w="38100">
+            <a:solidFill>
+              <a:srgbClr val="FF0000"/>
+            </a:solidFill>
+          </a:ln>
+        </p:spPr>
+        <p:style>
+          <a:lnRef idx="2">
+            <a:schemeClr val="accent1">
+              <a:shade val="50000"/>
+            </a:schemeClr>
+          </a:lnRef>
+          <a:fillRef idx="1">
+            <a:schemeClr val="accent1"/>
+          </a:fillRef>
+          <a:effectRef idx="0">
+            <a:schemeClr val="accent1"/>
+          </a:effectRef>
+          <a:fontRef idx="minor">
+            <a:schemeClr val="lt1"/>
+          </a:fontRef>
+        </p:style>
+        <p:txBody>
+          <a:bodyPr rtlCol="0" anchor="ctr"/>
+          <a:lstStyle/>
+          <a:p>
+            <a:pPr algn="ctr"/>
+            <a:endParaRPr lang="en-CA"/>
+          </a:p>
+        </p:txBody>
+      </p:sp>
     </p:spTree>
     <p:extLst>
       <p:ext uri="{BB962C8B-B14F-4D97-AF65-F5344CB8AC3E}">
@@ -7404,6 +7676,311 @@
   <p:clrMapOvr>
     <a:masterClrMapping/>
   </p:clrMapOvr>
+  <p:timing>
+    <p:tnLst>
+      <p:par>
+        <p:cTn id="1" dur="indefinite" restart="never" nodeType="tmRoot">
+          <p:childTnLst>
+            <p:seq concurrent="1" nextAc="seek">
+              <p:cTn id="2" dur="indefinite" nodeType="mainSeq">
+                <p:childTnLst>
+                  <p:par>
+                    <p:cTn id="3" fill="hold">
+                      <p:stCondLst>
+                        <p:cond delay="indefinite"/>
+                      </p:stCondLst>
+                      <p:childTnLst>
+                        <p:par>
+                          <p:cTn id="4" fill="hold">
+                            <p:stCondLst>
+                              <p:cond delay="0"/>
+                            </p:stCondLst>
+                            <p:childTnLst>
+                              <p:par>
+                                <p:cTn id="5" presetID="1" presetClass="entr" presetSubtype="0" fill="hold" nodeType="clickEffect">
+                                  <p:stCondLst>
+                                    <p:cond delay="0"/>
+                                  </p:stCondLst>
+                                  <p:childTnLst>
+                                    <p:set>
+                                      <p:cBhvr>
+                                        <p:cTn id="6" dur="1" fill="hold">
+                                          <p:stCondLst>
+                                            <p:cond delay="0"/>
+                                          </p:stCondLst>
+                                        </p:cTn>
+                                        <p:tgtEl>
+                                          <p:spTgt spid="5"/>
+                                        </p:tgtEl>
+                                        <p:attrNameLst>
+                                          <p:attrName>style.visibility</p:attrName>
+                                        </p:attrNameLst>
+                                      </p:cBhvr>
+                                      <p:to>
+                                        <p:strVal val="visible"/>
+                                      </p:to>
+                                    </p:set>
+                                  </p:childTnLst>
+                                </p:cTn>
+                              </p:par>
+                            </p:childTnLst>
+                          </p:cTn>
+                        </p:par>
+                      </p:childTnLst>
+                    </p:cTn>
+                  </p:par>
+                  <p:par>
+                    <p:cTn id="7" fill="hold">
+                      <p:stCondLst>
+                        <p:cond delay="indefinite"/>
+                      </p:stCondLst>
+                      <p:childTnLst>
+                        <p:par>
+                          <p:cTn id="8" fill="hold">
+                            <p:stCondLst>
+                              <p:cond delay="0"/>
+                            </p:stCondLst>
+                            <p:childTnLst>
+                              <p:par>
+                                <p:cTn id="9" presetID="1" presetClass="entr" presetSubtype="0" fill="hold" grpId="0" nodeType="clickEffect">
+                                  <p:stCondLst>
+                                    <p:cond delay="0"/>
+                                  </p:stCondLst>
+                                  <p:childTnLst>
+                                    <p:set>
+                                      <p:cBhvr>
+                                        <p:cTn id="10" dur="1" fill="hold">
+                                          <p:stCondLst>
+                                            <p:cond delay="0"/>
+                                          </p:stCondLst>
+                                        </p:cTn>
+                                        <p:tgtEl>
+                                          <p:spTgt spid="3"/>
+                                        </p:tgtEl>
+                                        <p:attrNameLst>
+                                          <p:attrName>style.visibility</p:attrName>
+                                        </p:attrNameLst>
+                                      </p:cBhvr>
+                                      <p:to>
+                                        <p:strVal val="visible"/>
+                                      </p:to>
+                                    </p:set>
+                                  </p:childTnLst>
+                                </p:cTn>
+                              </p:par>
+                            </p:childTnLst>
+                          </p:cTn>
+                        </p:par>
+                      </p:childTnLst>
+                    </p:cTn>
+                  </p:par>
+                  <p:par>
+                    <p:cTn id="11" fill="hold">
+                      <p:stCondLst>
+                        <p:cond delay="indefinite"/>
+                      </p:stCondLst>
+                      <p:childTnLst>
+                        <p:par>
+                          <p:cTn id="12" fill="hold">
+                            <p:stCondLst>
+                              <p:cond delay="0"/>
+                            </p:stCondLst>
+                            <p:childTnLst>
+                              <p:par>
+                                <p:cTn id="13" presetID="1" presetClass="entr" presetSubtype="0" fill="hold" nodeType="clickEffect">
+                                  <p:stCondLst>
+                                    <p:cond delay="0"/>
+                                  </p:stCondLst>
+                                  <p:childTnLst>
+                                    <p:set>
+                                      <p:cBhvr>
+                                        <p:cTn id="14" dur="1" fill="hold">
+                                          <p:stCondLst>
+                                            <p:cond delay="0"/>
+                                          </p:stCondLst>
+                                        </p:cTn>
+                                        <p:tgtEl>
+                                          <p:spTgt spid="6"/>
+                                        </p:tgtEl>
+                                        <p:attrNameLst>
+                                          <p:attrName>style.visibility</p:attrName>
+                                        </p:attrNameLst>
+                                      </p:cBhvr>
+                                      <p:to>
+                                        <p:strVal val="visible"/>
+                                      </p:to>
+                                    </p:set>
+                                  </p:childTnLst>
+                                </p:cTn>
+                              </p:par>
+                            </p:childTnLst>
+                          </p:cTn>
+                        </p:par>
+                      </p:childTnLst>
+                    </p:cTn>
+                  </p:par>
+                  <p:par>
+                    <p:cTn id="15" fill="hold">
+                      <p:stCondLst>
+                        <p:cond delay="indefinite"/>
+                      </p:stCondLst>
+                      <p:childTnLst>
+                        <p:par>
+                          <p:cTn id="16" fill="hold">
+                            <p:stCondLst>
+                              <p:cond delay="0"/>
+                            </p:stCondLst>
+                            <p:childTnLst>
+                              <p:par>
+                                <p:cTn id="17" presetID="1" presetClass="entr" presetSubtype="0" fill="hold" grpId="0" nodeType="clickEffect">
+                                  <p:stCondLst>
+                                    <p:cond delay="0"/>
+                                  </p:stCondLst>
+                                  <p:childTnLst>
+                                    <p:set>
+                                      <p:cBhvr>
+                                        <p:cTn id="18" dur="1" fill="hold">
+                                          <p:stCondLst>
+                                            <p:cond delay="0"/>
+                                          </p:stCondLst>
+                                        </p:cTn>
+                                        <p:tgtEl>
+                                          <p:spTgt spid="21"/>
+                                        </p:tgtEl>
+                                        <p:attrNameLst>
+                                          <p:attrName>style.visibility</p:attrName>
+                                        </p:attrNameLst>
+                                      </p:cBhvr>
+                                      <p:to>
+                                        <p:strVal val="visible"/>
+                                      </p:to>
+                                    </p:set>
+                                  </p:childTnLst>
+                                </p:cTn>
+                              </p:par>
+                            </p:childTnLst>
+                          </p:cTn>
+                        </p:par>
+                      </p:childTnLst>
+                    </p:cTn>
+                  </p:par>
+                  <p:par>
+                    <p:cTn id="19" fill="hold">
+                      <p:stCondLst>
+                        <p:cond delay="indefinite"/>
+                      </p:stCondLst>
+                      <p:childTnLst>
+                        <p:par>
+                          <p:cTn id="20" fill="hold">
+                            <p:stCondLst>
+                              <p:cond delay="0"/>
+                            </p:stCondLst>
+                            <p:childTnLst>
+                              <p:par>
+                                <p:cTn id="21" presetID="1" presetClass="entr" presetSubtype="0" fill="hold" nodeType="clickEffect">
+                                  <p:stCondLst>
+                                    <p:cond delay="0"/>
+                                  </p:stCondLst>
+                                  <p:childTnLst>
+                                    <p:set>
+                                      <p:cBhvr>
+                                        <p:cTn id="22" dur="1" fill="hold">
+                                          <p:stCondLst>
+                                            <p:cond delay="0"/>
+                                          </p:stCondLst>
+                                        </p:cTn>
+                                        <p:tgtEl>
+                                          <p:spTgt spid="7"/>
+                                        </p:tgtEl>
+                                        <p:attrNameLst>
+                                          <p:attrName>style.visibility</p:attrName>
+                                        </p:attrNameLst>
+                                      </p:cBhvr>
+                                      <p:to>
+                                        <p:strVal val="visible"/>
+                                      </p:to>
+                                    </p:set>
+                                  </p:childTnLst>
+                                </p:cTn>
+                              </p:par>
+                            </p:childTnLst>
+                          </p:cTn>
+                        </p:par>
+                      </p:childTnLst>
+                    </p:cTn>
+                  </p:par>
+                  <p:par>
+                    <p:cTn id="23" fill="hold">
+                      <p:stCondLst>
+                        <p:cond delay="indefinite"/>
+                      </p:stCondLst>
+                      <p:childTnLst>
+                        <p:par>
+                          <p:cTn id="24" fill="hold">
+                            <p:stCondLst>
+                              <p:cond delay="0"/>
+                            </p:stCondLst>
+                            <p:childTnLst>
+                              <p:par>
+                                <p:cTn id="25" presetID="1" presetClass="entr" presetSubtype="0" fill="hold" grpId="0" nodeType="clickEffect">
+                                  <p:stCondLst>
+                                    <p:cond delay="0"/>
+                                  </p:stCondLst>
+                                  <p:childTnLst>
+                                    <p:set>
+                                      <p:cBhvr>
+                                        <p:cTn id="26" dur="1" fill="hold">
+                                          <p:stCondLst>
+                                            <p:cond delay="0"/>
+                                          </p:stCondLst>
+                                        </p:cTn>
+                                        <p:tgtEl>
+                                          <p:spTgt spid="22"/>
+                                        </p:tgtEl>
+                                        <p:attrNameLst>
+                                          <p:attrName>style.visibility</p:attrName>
+                                        </p:attrNameLst>
+                                      </p:cBhvr>
+                                      <p:to>
+                                        <p:strVal val="visible"/>
+                                      </p:to>
+                                    </p:set>
+                                  </p:childTnLst>
+                                </p:cTn>
+                              </p:par>
+                            </p:childTnLst>
+                          </p:cTn>
+                        </p:par>
+                      </p:childTnLst>
+                    </p:cTn>
+                  </p:par>
+                </p:childTnLst>
+              </p:cTn>
+              <p:prevCondLst>
+                <p:cond evt="onPrev" delay="0">
+                  <p:tgtEl>
+                    <p:sldTgt/>
+                  </p:tgtEl>
+                </p:cond>
+              </p:prevCondLst>
+              <p:nextCondLst>
+                <p:cond evt="onNext" delay="0">
+                  <p:tgtEl>
+                    <p:sldTgt/>
+                  </p:tgtEl>
+                </p:cond>
+              </p:nextCondLst>
+            </p:seq>
+          </p:childTnLst>
+        </p:cTn>
+      </p:par>
+    </p:tnLst>
+    <p:bldLst>
+      <p:bldP spid="3" grpId="0" animBg="1"/>
+      <p:bldP spid="21" grpId="0" animBg="1"/>
+      <p:bldP spid="22" grpId="0" animBg="1"/>
+    </p:bldLst>
+  </p:timing>
 </p:sld>
 </file>
 
@@ -7489,7 +8066,7 @@
         </p:nvSpPr>
         <p:spPr>
           <a:xfrm>
-            <a:off x="852321" y="1910443"/>
+            <a:off x="852321" y="1585587"/>
             <a:ext cx="5594007" cy="3788227"/>
           </a:xfrm>
         </p:spPr>
@@ -7521,7 +8098,33 @@
           <a:p>
             <a:r>
               <a:rPr lang="en-CA" sz="2400" dirty="0"/>
-              <a:t>These models are suited for classification </a:t>
+              <a:t>These models are suited for classification</a:t>
+            </a:r>
+          </a:p>
+          <a:p>
+            <a:r>
+              <a:rPr lang="en-CA" sz="2400" dirty="0" err="1"/>
+              <a:t>Nocoverage</a:t>
+            </a:r>
+            <a:r>
+              <a:rPr lang="en-CA" sz="2400" dirty="0"/>
+              <a:t> is interested in high </a:t>
+            </a:r>
+            <a:r>
+              <a:rPr lang="en-CA" sz="2400" b="1" dirty="0"/>
+              <a:t>recall</a:t>
+            </a:r>
+            <a:r>
+              <a:rPr lang="en-CA" sz="2400" dirty="0"/>
+              <a:t> as it relates to a </a:t>
+            </a:r>
+            <a:r>
+              <a:rPr lang="en-CA" sz="2400" b="1" dirty="0"/>
+              <a:t>low</a:t>
+            </a:r>
+            <a:r>
+              <a:rPr lang="en-CA" sz="2400" dirty="0"/>
+              <a:t> false negative rate. </a:t>
             </a:r>
           </a:p>
         </p:txBody>
@@ -7729,7 +8332,7 @@
         </p:blipFill>
         <p:spPr bwMode="auto">
           <a:xfrm>
-            <a:off x="3946011" y="4686300"/>
+            <a:off x="3946011" y="4770524"/>
             <a:ext cx="2004920" cy="2004920"/>
           </a:xfrm>
           <a:prstGeom prst="rect">
@@ -7774,7 +8377,7 @@
         </p:blipFill>
         <p:spPr bwMode="auto">
           <a:xfrm>
-            <a:off x="953350" y="4737100"/>
+            <a:off x="953350" y="4821324"/>
             <a:ext cx="2415902" cy="1816100"/>
           </a:xfrm>
           <a:prstGeom prst="rect">
@@ -7802,6 +8405,299 @@
   <p:clrMapOvr>
     <a:masterClrMapping/>
   </p:clrMapOvr>
+  <p:timing>
+    <p:tnLst>
+      <p:par>
+        <p:cTn id="1" dur="indefinite" restart="never" nodeType="tmRoot">
+          <p:childTnLst>
+            <p:seq concurrent="1" nextAc="seek">
+              <p:cTn id="2" dur="indefinite" nodeType="mainSeq">
+                <p:childTnLst>
+                  <p:par>
+                    <p:cTn id="3" fill="hold">
+                      <p:stCondLst>
+                        <p:cond delay="indefinite"/>
+                      </p:stCondLst>
+                      <p:childTnLst>
+                        <p:par>
+                          <p:cTn id="4" fill="hold">
+                            <p:stCondLst>
+                              <p:cond delay="0"/>
+                            </p:stCondLst>
+                            <p:childTnLst>
+                              <p:par>
+                                <p:cTn id="5" presetID="1" presetClass="entr" presetSubtype="0" fill="hold" nodeType="clickEffect">
+                                  <p:stCondLst>
+                                    <p:cond delay="0"/>
+                                  </p:stCondLst>
+                                  <p:childTnLst>
+                                    <p:set>
+                                      <p:cBhvr>
+                                        <p:cTn id="6" dur="1" fill="hold">
+                                          <p:stCondLst>
+                                            <p:cond delay="0"/>
+                                          </p:stCondLst>
+                                        </p:cTn>
+                                        <p:tgtEl>
+                                          <p:spTgt spid="3">
+                                            <p:txEl>
+                                              <p:pRg st="0" end="0"/>
+                                            </p:txEl>
+                                          </p:spTgt>
+                                        </p:tgtEl>
+                                        <p:attrNameLst>
+                                          <p:attrName>style.visibility</p:attrName>
+                                        </p:attrNameLst>
+                                      </p:cBhvr>
+                                      <p:to>
+                                        <p:strVal val="visible"/>
+                                      </p:to>
+                                    </p:set>
+                                  </p:childTnLst>
+                                </p:cTn>
+                              </p:par>
+                              <p:par>
+                                <p:cTn id="7" presetID="1" presetClass="entr" presetSubtype="0" fill="hold" nodeType="withEffect">
+                                  <p:stCondLst>
+                                    <p:cond delay="0"/>
+                                  </p:stCondLst>
+                                  <p:childTnLst>
+                                    <p:set>
+                                      <p:cBhvr>
+                                        <p:cTn id="8" dur="1" fill="hold">
+                                          <p:stCondLst>
+                                            <p:cond delay="0"/>
+                                          </p:stCondLst>
+                                        </p:cTn>
+                                        <p:tgtEl>
+                                          <p:spTgt spid="3">
+                                            <p:txEl>
+                                              <p:pRg st="1" end="1"/>
+                                            </p:txEl>
+                                          </p:spTgt>
+                                        </p:tgtEl>
+                                        <p:attrNameLst>
+                                          <p:attrName>style.visibility</p:attrName>
+                                        </p:attrNameLst>
+                                      </p:cBhvr>
+                                      <p:to>
+                                        <p:strVal val="visible"/>
+                                      </p:to>
+                                    </p:set>
+                                  </p:childTnLst>
+                                </p:cTn>
+                              </p:par>
+                              <p:par>
+                                <p:cTn id="9" presetID="1" presetClass="entr" presetSubtype="0" fill="hold" nodeType="withEffect">
+                                  <p:stCondLst>
+                                    <p:cond delay="0"/>
+                                  </p:stCondLst>
+                                  <p:childTnLst>
+                                    <p:set>
+                                      <p:cBhvr>
+                                        <p:cTn id="10" dur="1" fill="hold">
+                                          <p:stCondLst>
+                                            <p:cond delay="0"/>
+                                          </p:stCondLst>
+                                        </p:cTn>
+                                        <p:tgtEl>
+                                          <p:spTgt spid="3">
+                                            <p:txEl>
+                                              <p:pRg st="2" end="2"/>
+                                            </p:txEl>
+                                          </p:spTgt>
+                                        </p:tgtEl>
+                                        <p:attrNameLst>
+                                          <p:attrName>style.visibility</p:attrName>
+                                        </p:attrNameLst>
+                                      </p:cBhvr>
+                                      <p:to>
+                                        <p:strVal val="visible"/>
+                                      </p:to>
+                                    </p:set>
+                                  </p:childTnLst>
+                                </p:cTn>
+                              </p:par>
+                              <p:par>
+                                <p:cTn id="11" presetID="1" presetClass="entr" presetSubtype="0" fill="hold" nodeType="withEffect">
+                                  <p:stCondLst>
+                                    <p:cond delay="0"/>
+                                  </p:stCondLst>
+                                  <p:childTnLst>
+                                    <p:set>
+                                      <p:cBhvr>
+                                        <p:cTn id="12" dur="1" fill="hold">
+                                          <p:stCondLst>
+                                            <p:cond delay="0"/>
+                                          </p:stCondLst>
+                                        </p:cTn>
+                                        <p:tgtEl>
+                                          <p:spTgt spid="11274"/>
+                                        </p:tgtEl>
+                                        <p:attrNameLst>
+                                          <p:attrName>style.visibility</p:attrName>
+                                        </p:attrNameLst>
+                                      </p:cBhvr>
+                                      <p:to>
+                                        <p:strVal val="visible"/>
+                                      </p:to>
+                                    </p:set>
+                                  </p:childTnLst>
+                                </p:cTn>
+                              </p:par>
+                              <p:par>
+                                <p:cTn id="13" presetID="1" presetClass="entr" presetSubtype="0" fill="hold" nodeType="withEffect">
+                                  <p:stCondLst>
+                                    <p:cond delay="0"/>
+                                  </p:stCondLst>
+                                  <p:childTnLst>
+                                    <p:set>
+                                      <p:cBhvr>
+                                        <p:cTn id="14" dur="1" fill="hold">
+                                          <p:stCondLst>
+                                            <p:cond delay="0"/>
+                                          </p:stCondLst>
+                                        </p:cTn>
+                                        <p:tgtEl>
+                                          <p:spTgt spid="11272"/>
+                                        </p:tgtEl>
+                                        <p:attrNameLst>
+                                          <p:attrName>style.visibility</p:attrName>
+                                        </p:attrNameLst>
+                                      </p:cBhvr>
+                                      <p:to>
+                                        <p:strVal val="visible"/>
+                                      </p:to>
+                                    </p:set>
+                                  </p:childTnLst>
+                                </p:cTn>
+                              </p:par>
+                            </p:childTnLst>
+                          </p:cTn>
+                        </p:par>
+                      </p:childTnLst>
+                    </p:cTn>
+                  </p:par>
+                  <p:par>
+                    <p:cTn id="15" fill="hold">
+                      <p:stCondLst>
+                        <p:cond delay="indefinite"/>
+                      </p:stCondLst>
+                      <p:childTnLst>
+                        <p:par>
+                          <p:cTn id="16" fill="hold">
+                            <p:stCondLst>
+                              <p:cond delay="0"/>
+                            </p:stCondLst>
+                            <p:childTnLst>
+                              <p:par>
+                                <p:cTn id="17" presetID="1" presetClass="entr" presetSubtype="0" fill="hold" nodeType="clickEffect">
+                                  <p:stCondLst>
+                                    <p:cond delay="0"/>
+                                  </p:stCondLst>
+                                  <p:childTnLst>
+                                    <p:set>
+                                      <p:cBhvr>
+                                        <p:cTn id="18" dur="1" fill="hold">
+                                          <p:stCondLst>
+                                            <p:cond delay="0"/>
+                                          </p:stCondLst>
+                                        </p:cTn>
+                                        <p:tgtEl>
+                                          <p:spTgt spid="3">
+                                            <p:txEl>
+                                              <p:pRg st="3" end="3"/>
+                                            </p:txEl>
+                                          </p:spTgt>
+                                        </p:tgtEl>
+                                        <p:attrNameLst>
+                                          <p:attrName>style.visibility</p:attrName>
+                                        </p:attrNameLst>
+                                      </p:cBhvr>
+                                      <p:to>
+                                        <p:strVal val="visible"/>
+                                      </p:to>
+                                    </p:set>
+                                  </p:childTnLst>
+                                </p:cTn>
+                              </p:par>
+                            </p:childTnLst>
+                          </p:cTn>
+                        </p:par>
+                      </p:childTnLst>
+                    </p:cTn>
+                  </p:par>
+                  <p:par>
+                    <p:cTn id="19" fill="hold">
+                      <p:stCondLst>
+                        <p:cond delay="indefinite"/>
+                      </p:stCondLst>
+                      <p:childTnLst>
+                        <p:par>
+                          <p:cTn id="20" fill="hold">
+                            <p:stCondLst>
+                              <p:cond delay="0"/>
+                            </p:stCondLst>
+                            <p:childTnLst>
+                              <p:par>
+                                <p:cTn id="21" presetID="1" presetClass="entr" presetSubtype="0" fill="hold" nodeType="clickEffect">
+                                  <p:stCondLst>
+                                    <p:cond delay="0"/>
+                                  </p:stCondLst>
+                                  <p:childTnLst>
+                                    <p:set>
+                                      <p:cBhvr>
+                                        <p:cTn id="22" dur="1" fill="hold">
+                                          <p:stCondLst>
+                                            <p:cond delay="0"/>
+                                          </p:stCondLst>
+                                        </p:cTn>
+                                        <p:tgtEl>
+                                          <p:spTgt spid="3">
+                                            <p:txEl>
+                                              <p:pRg st="4" end="4"/>
+                                            </p:txEl>
+                                          </p:spTgt>
+                                        </p:tgtEl>
+                                        <p:attrNameLst>
+                                          <p:attrName>style.visibility</p:attrName>
+                                        </p:attrNameLst>
+                                      </p:cBhvr>
+                                      <p:to>
+                                        <p:strVal val="visible"/>
+                                      </p:to>
+                                    </p:set>
+                                  </p:childTnLst>
+                                </p:cTn>
+                              </p:par>
+                            </p:childTnLst>
+                          </p:cTn>
+                        </p:par>
+                      </p:childTnLst>
+                    </p:cTn>
+                  </p:par>
+                </p:childTnLst>
+              </p:cTn>
+              <p:prevCondLst>
+                <p:cond evt="onPrev" delay="0">
+                  <p:tgtEl>
+                    <p:sldTgt/>
+                  </p:tgtEl>
+                </p:cond>
+              </p:prevCondLst>
+              <p:nextCondLst>
+                <p:cond evt="onNext" delay="0">
+                  <p:tgtEl>
+                    <p:sldTgt/>
+                  </p:tgtEl>
+                </p:cond>
+              </p:nextCondLst>
+            </p:seq>
+          </p:childTnLst>
+        </p:cTn>
+      </p:par>
+    </p:tnLst>
+  </p:timing>
 </p:sld>
 </file>
 
@@ -7888,7 +8784,7 @@
         <p:spPr>
           <a:xfrm>
             <a:off x="852321" y="1834243"/>
-            <a:ext cx="5033221" cy="3788227"/>
+            <a:ext cx="5442413" cy="3788227"/>
           </a:xfrm>
         </p:spPr>
         <p:txBody>
@@ -7899,13 +8795,13 @@
           <a:p>
             <a:r>
               <a:rPr lang="en-CA" sz="2100" dirty="0"/>
-              <a:t>Logistic model was created with 10 fold cross-validation and  l1 norm regularization to eliminate unnecessary parameters </a:t>
+              <a:t>Logistic model was created with 10 fold cross-validation and  l1 norm regularization to eliminate unnecessary parameters.</a:t>
             </a:r>
           </a:p>
           <a:p>
             <a:r>
               <a:rPr lang="en-CA" sz="2100" dirty="0"/>
-              <a:t>Optimized regularization parameter without compromising model accuracy </a:t>
+              <a:t>Optimized regularization parameter without compromising model recall.</a:t>
             </a:r>
           </a:p>
           <a:p>
@@ -8087,12 +8983,59 @@
           </a:extLst>
         </p:spPr>
       </p:pic>
+      <p:sp>
+        <p:nvSpPr>
+          <p:cNvPr id="4" name="TextBox 3">
+            <a:extLst>
+              <a:ext uri="{FF2B5EF4-FFF2-40B4-BE49-F238E27FC236}">
+                <a16:creationId xmlns:a16="http://schemas.microsoft.com/office/drawing/2014/main" id="{42DFDFF2-54A2-A04F-8825-527E38578C3E}"/>
+              </a:ext>
+            </a:extLst>
+          </p:cNvPr>
+          <p:cNvSpPr txBox="1"/>
+          <p:nvPr/>
+        </p:nvSpPr>
+        <p:spPr>
+          <a:xfrm>
+            <a:off x="4711700" y="4724400"/>
+            <a:ext cx="1714508" cy="923330"/>
+          </a:xfrm>
+          <a:prstGeom prst="rect">
+            <a:avLst/>
+          </a:prstGeom>
+          <a:noFill/>
+        </p:spPr>
+        <p:txBody>
+          <a:bodyPr wrap="none" rtlCol="0">
+            <a:spAutoFit/>
+          </a:bodyPr>
+          <a:lstStyle/>
+          <a:p>
+            <a:r>
+              <a:rPr lang="en-CA" dirty="0"/>
+              <a:t>Reg value = 0.05</a:t>
+            </a:r>
+          </a:p>
+          <a:p>
+            <a:r>
+              <a:rPr lang="en-CA" dirty="0"/>
+              <a:t>Recall = 0.86</a:t>
+            </a:r>
+          </a:p>
+          <a:p>
+            <a:r>
+              <a:rPr lang="en-CA" dirty="0"/>
+              <a:t>Accuracy = 0.85</a:t>
+            </a:r>
+          </a:p>
+        </p:txBody>
+      </p:sp>
       <p:pic>
         <p:nvPicPr>
-          <p:cNvPr id="13314" name="Picture 2">
+          <p:cNvPr id="2050" name="Picture 2">
             <a:extLst>
               <a:ext uri="{FF2B5EF4-FFF2-40B4-BE49-F238E27FC236}">
-                <a16:creationId xmlns:a16="http://schemas.microsoft.com/office/drawing/2014/main" id="{2FCE3757-C6BF-CA49-B862-5E3DFA922D5C}"/>
+                <a16:creationId xmlns:a16="http://schemas.microsoft.com/office/drawing/2014/main" id="{752F506E-5B33-914D-893D-2D84B6E16C34}"/>
               </a:ext>
             </a:extLst>
           </p:cNvPr>
@@ -8116,25 +9059,13 @@
         </p:blipFill>
         <p:spPr bwMode="auto">
           <a:xfrm>
-            <a:off x="1050159" y="4165600"/>
-            <a:ext cx="3371665" cy="2374900"/>
+            <a:off x="1007238" y="4008594"/>
+            <a:ext cx="3430395" cy="2416268"/>
           </a:xfrm>
           <a:prstGeom prst="rect">
             <a:avLst/>
           </a:prstGeom>
           <a:noFill/>
-          <a:ln w="38100">
-            <a:solidFill>
-              <a:schemeClr val="accent1"/>
-            </a:solidFill>
-          </a:ln>
-          <a:scene3d>
-            <a:camera prst="orthographicFront"/>
-            <a:lightRig rig="threePt" dir="t"/>
-          </a:scene3d>
-          <a:sp3d>
-            <a:bevelT w="152400" h="50800" prst="softRound"/>
-          </a:sp3d>
           <a:extLst>
             <a:ext uri="{909E8E84-426E-40DD-AFC4-6F175D3DCCD1}">
               <a14:hiddenFill xmlns:a14="http://schemas.microsoft.com/office/drawing/2010/main">
@@ -8146,47 +9077,47 @@
           </a:extLst>
         </p:spPr>
       </p:pic>
-      <p:sp>
-        <p:nvSpPr>
-          <p:cNvPr id="4" name="TextBox 3">
+      <p:cxnSp>
+        <p:nvCxnSpPr>
+          <p:cNvPr id="6" name="Straight Connector 5">
             <a:extLst>
               <a:ext uri="{FF2B5EF4-FFF2-40B4-BE49-F238E27FC236}">
-                <a16:creationId xmlns:a16="http://schemas.microsoft.com/office/drawing/2014/main" id="{42DFDFF2-54A2-A04F-8825-527E38578C3E}"/>
+                <a16:creationId xmlns:a16="http://schemas.microsoft.com/office/drawing/2014/main" id="{CAFF6255-2CA5-8B4F-A03A-908ABE876C44}"/>
               </a:ext>
             </a:extLst>
           </p:cNvPr>
-          <p:cNvSpPr txBox="1"/>
+          <p:cNvCxnSpPr/>
           <p:nvPr/>
-        </p:nvSpPr>
+        </p:nvCxnSpPr>
         <p:spPr>
           <a:xfrm>
-            <a:off x="4711700" y="4724400"/>
-            <a:ext cx="1714508" cy="646331"/>
+            <a:off x="1768642" y="4008594"/>
+            <a:ext cx="0" cy="2235795"/>
           </a:xfrm>
-          <a:prstGeom prst="rect">
+          <a:prstGeom prst="line">
             <a:avLst/>
           </a:prstGeom>
-          <a:noFill/>
+          <a:ln w="57150">
+            <a:solidFill>
+              <a:srgbClr val="FF0000"/>
+            </a:solidFill>
+          </a:ln>
         </p:spPr>
-        <p:txBody>
-          <a:bodyPr wrap="none" rtlCol="0">
-            <a:spAutoFit/>
-          </a:bodyPr>
-          <a:lstStyle/>
-          <a:p>
-            <a:r>
-              <a:rPr lang="en-CA" dirty="0"/>
-              <a:t>Reg value = 0.05</a:t>
-            </a:r>
-          </a:p>
-          <a:p>
-            <a:r>
-              <a:rPr lang="en-CA" dirty="0"/>
-              <a:t>Accuracy = 0.92</a:t>
-            </a:r>
-          </a:p>
-        </p:txBody>
-      </p:sp>
+        <p:style>
+          <a:lnRef idx="1">
+            <a:schemeClr val="accent1"/>
+          </a:lnRef>
+          <a:fillRef idx="0">
+            <a:schemeClr val="accent1"/>
+          </a:fillRef>
+          <a:effectRef idx="0">
+            <a:schemeClr val="accent1"/>
+          </a:effectRef>
+          <a:fontRef idx="minor">
+            <a:schemeClr val="tx1"/>
+          </a:fontRef>
+        </p:style>
+      </p:cxnSp>
     </p:spTree>
     <p:extLst>
       <p:ext uri="{BB962C8B-B14F-4D97-AF65-F5344CB8AC3E}">
@@ -8197,6 +9128,254 @@
   <p:clrMapOvr>
     <a:masterClrMapping/>
   </p:clrMapOvr>
+  <p:timing>
+    <p:tnLst>
+      <p:par>
+        <p:cTn id="1" dur="indefinite" restart="never" nodeType="tmRoot">
+          <p:childTnLst>
+            <p:seq concurrent="1" nextAc="seek">
+              <p:cTn id="2" dur="indefinite" nodeType="mainSeq">
+                <p:childTnLst>
+                  <p:par>
+                    <p:cTn id="3" fill="hold">
+                      <p:stCondLst>
+                        <p:cond delay="indefinite"/>
+                      </p:stCondLst>
+                      <p:childTnLst>
+                        <p:par>
+                          <p:cTn id="4" fill="hold">
+                            <p:stCondLst>
+                              <p:cond delay="0"/>
+                            </p:stCondLst>
+                            <p:childTnLst>
+                              <p:par>
+                                <p:cTn id="5" presetID="1" presetClass="entr" presetSubtype="0" fill="hold" nodeType="clickEffect">
+                                  <p:stCondLst>
+                                    <p:cond delay="0"/>
+                                  </p:stCondLst>
+                                  <p:childTnLst>
+                                    <p:set>
+                                      <p:cBhvr>
+                                        <p:cTn id="6" dur="1" fill="hold">
+                                          <p:stCondLst>
+                                            <p:cond delay="0"/>
+                                          </p:stCondLst>
+                                        </p:cTn>
+                                        <p:tgtEl>
+                                          <p:spTgt spid="3">
+                                            <p:txEl>
+                                              <p:pRg st="0" end="0"/>
+                                            </p:txEl>
+                                          </p:spTgt>
+                                        </p:tgtEl>
+                                        <p:attrNameLst>
+                                          <p:attrName>style.visibility</p:attrName>
+                                        </p:attrNameLst>
+                                      </p:cBhvr>
+                                      <p:to>
+                                        <p:strVal val="visible"/>
+                                      </p:to>
+                                    </p:set>
+                                  </p:childTnLst>
+                                </p:cTn>
+                              </p:par>
+                            </p:childTnLst>
+                          </p:cTn>
+                        </p:par>
+                      </p:childTnLst>
+                    </p:cTn>
+                  </p:par>
+                  <p:par>
+                    <p:cTn id="7" fill="hold">
+                      <p:stCondLst>
+                        <p:cond delay="indefinite"/>
+                      </p:stCondLst>
+                      <p:childTnLst>
+                        <p:par>
+                          <p:cTn id="8" fill="hold">
+                            <p:stCondLst>
+                              <p:cond delay="0"/>
+                            </p:stCondLst>
+                            <p:childTnLst>
+                              <p:par>
+                                <p:cTn id="9" presetID="1" presetClass="entr" presetSubtype="0" fill="hold" nodeType="clickEffect">
+                                  <p:stCondLst>
+                                    <p:cond delay="0"/>
+                                  </p:stCondLst>
+                                  <p:childTnLst>
+                                    <p:set>
+                                      <p:cBhvr>
+                                        <p:cTn id="10" dur="1" fill="hold">
+                                          <p:stCondLst>
+                                            <p:cond delay="0"/>
+                                          </p:stCondLst>
+                                        </p:cTn>
+                                        <p:tgtEl>
+                                          <p:spTgt spid="3">
+                                            <p:txEl>
+                                              <p:pRg st="1" end="1"/>
+                                            </p:txEl>
+                                          </p:spTgt>
+                                        </p:tgtEl>
+                                        <p:attrNameLst>
+                                          <p:attrName>style.visibility</p:attrName>
+                                        </p:attrNameLst>
+                                      </p:cBhvr>
+                                      <p:to>
+                                        <p:strVal val="visible"/>
+                                      </p:to>
+                                    </p:set>
+                                  </p:childTnLst>
+                                </p:cTn>
+                              </p:par>
+                            </p:childTnLst>
+                          </p:cTn>
+                        </p:par>
+                      </p:childTnLst>
+                    </p:cTn>
+                  </p:par>
+                  <p:par>
+                    <p:cTn id="11" fill="hold">
+                      <p:stCondLst>
+                        <p:cond delay="indefinite"/>
+                      </p:stCondLst>
+                      <p:childTnLst>
+                        <p:par>
+                          <p:cTn id="12" fill="hold">
+                            <p:stCondLst>
+                              <p:cond delay="0"/>
+                            </p:stCondLst>
+                            <p:childTnLst>
+                              <p:par>
+                                <p:cTn id="13" presetID="1" presetClass="entr" presetSubtype="0" fill="hold" nodeType="clickEffect">
+                                  <p:stCondLst>
+                                    <p:cond delay="0"/>
+                                  </p:stCondLst>
+                                  <p:childTnLst>
+                                    <p:set>
+                                      <p:cBhvr>
+                                        <p:cTn id="14" dur="1" fill="hold">
+                                          <p:stCondLst>
+                                            <p:cond delay="0"/>
+                                          </p:stCondLst>
+                                        </p:cTn>
+                                        <p:tgtEl>
+                                          <p:spTgt spid="2050"/>
+                                        </p:tgtEl>
+                                        <p:attrNameLst>
+                                          <p:attrName>style.visibility</p:attrName>
+                                        </p:attrNameLst>
+                                      </p:cBhvr>
+                                      <p:to>
+                                        <p:strVal val="visible"/>
+                                      </p:to>
+                                    </p:set>
+                                  </p:childTnLst>
+                                </p:cTn>
+                              </p:par>
+                            </p:childTnLst>
+                          </p:cTn>
+                        </p:par>
+                      </p:childTnLst>
+                    </p:cTn>
+                  </p:par>
+                  <p:par>
+                    <p:cTn id="15" fill="hold">
+                      <p:stCondLst>
+                        <p:cond delay="indefinite"/>
+                      </p:stCondLst>
+                      <p:childTnLst>
+                        <p:par>
+                          <p:cTn id="16" fill="hold">
+                            <p:stCondLst>
+                              <p:cond delay="0"/>
+                            </p:stCondLst>
+                            <p:childTnLst>
+                              <p:par>
+                                <p:cTn id="17" presetID="1" presetClass="entr" presetSubtype="0" fill="hold" nodeType="clickEffect">
+                                  <p:stCondLst>
+                                    <p:cond delay="0"/>
+                                  </p:stCondLst>
+                                  <p:childTnLst>
+                                    <p:set>
+                                      <p:cBhvr>
+                                        <p:cTn id="18" dur="1" fill="hold">
+                                          <p:stCondLst>
+                                            <p:cond delay="0"/>
+                                          </p:stCondLst>
+                                        </p:cTn>
+                                        <p:tgtEl>
+                                          <p:spTgt spid="6"/>
+                                        </p:tgtEl>
+                                        <p:attrNameLst>
+                                          <p:attrName>style.visibility</p:attrName>
+                                        </p:attrNameLst>
+                                      </p:cBhvr>
+                                      <p:to>
+                                        <p:strVal val="visible"/>
+                                      </p:to>
+                                    </p:set>
+                                  </p:childTnLst>
+                                </p:cTn>
+                              </p:par>
+                              <p:par>
+                                <p:cTn id="19" presetID="1" presetClass="entr" presetSubtype="0" fill="hold" grpId="0" nodeType="withEffect">
+                                  <p:stCondLst>
+                                    <p:cond delay="0"/>
+                                  </p:stCondLst>
+                                  <p:childTnLst>
+                                    <p:set>
+                                      <p:cBhvr>
+                                        <p:cTn id="20" dur="1" fill="hold">
+                                          <p:stCondLst>
+                                            <p:cond delay="0"/>
+                                          </p:stCondLst>
+                                        </p:cTn>
+                                        <p:tgtEl>
+                                          <p:spTgt spid="4"/>
+                                        </p:tgtEl>
+                                        <p:attrNameLst>
+                                          <p:attrName>style.visibility</p:attrName>
+                                        </p:attrNameLst>
+                                      </p:cBhvr>
+                                      <p:to>
+                                        <p:strVal val="visible"/>
+                                      </p:to>
+                                    </p:set>
+                                  </p:childTnLst>
+                                </p:cTn>
+                              </p:par>
+                            </p:childTnLst>
+                          </p:cTn>
+                        </p:par>
+                      </p:childTnLst>
+                    </p:cTn>
+                  </p:par>
+                </p:childTnLst>
+              </p:cTn>
+              <p:prevCondLst>
+                <p:cond evt="onPrev" delay="0">
+                  <p:tgtEl>
+                    <p:sldTgt/>
+                  </p:tgtEl>
+                </p:cond>
+              </p:prevCondLst>
+              <p:nextCondLst>
+                <p:cond evt="onNext" delay="0">
+                  <p:tgtEl>
+                    <p:sldTgt/>
+                  </p:tgtEl>
+                </p:cond>
+              </p:nextCondLst>
+            </p:seq>
+          </p:childTnLst>
+        </p:cTn>
+      </p:par>
+    </p:tnLst>
+    <p:bldLst>
+      <p:bldP spid="4" grpId="0"/>
+    </p:bldLst>
+  </p:timing>
 </p:sld>
 </file>
 
@@ -8227,10 +9406,10 @@
       </p:grpSpPr>
       <p:pic>
         <p:nvPicPr>
-          <p:cNvPr id="14340" name="Picture 4">
+          <p:cNvPr id="4100" name="Picture 4">
             <a:extLst>
               <a:ext uri="{FF2B5EF4-FFF2-40B4-BE49-F238E27FC236}">
-                <a16:creationId xmlns:a16="http://schemas.microsoft.com/office/drawing/2014/main" id="{D73B5607-EDE3-2F4A-9BC9-A98514120C3C}"/>
+                <a16:creationId xmlns:a16="http://schemas.microsoft.com/office/drawing/2014/main" id="{1A01FEBC-286C-9C43-BF95-32E882BFAC62}"/>
               </a:ext>
             </a:extLst>
           </p:cNvPr>
@@ -8254,8 +9433,55 @@
         </p:blipFill>
         <p:spPr bwMode="auto">
           <a:xfrm>
-            <a:off x="2679699" y="3540400"/>
-            <a:ext cx="4219351" cy="2786364"/>
+            <a:off x="2357040" y="3290277"/>
+            <a:ext cx="4608541" cy="3043377"/>
+          </a:xfrm>
+          <a:prstGeom prst="rect">
+            <a:avLst/>
+          </a:prstGeom>
+          <a:noFill/>
+          <a:extLst>
+            <a:ext uri="{909E8E84-426E-40DD-AFC4-6F175D3DCCD1}">
+              <a14:hiddenFill xmlns:a14="http://schemas.microsoft.com/office/drawing/2010/main">
+                <a:solidFill>
+                  <a:srgbClr val="FFFFFF"/>
+                </a:solidFill>
+              </a14:hiddenFill>
+            </a:ext>
+          </a:extLst>
+        </p:spPr>
+      </p:pic>
+      <p:pic>
+        <p:nvPicPr>
+          <p:cNvPr id="4098" name="Picture 2">
+            <a:extLst>
+              <a:ext uri="{FF2B5EF4-FFF2-40B4-BE49-F238E27FC236}">
+                <a16:creationId xmlns:a16="http://schemas.microsoft.com/office/drawing/2014/main" id="{FA49EFBA-5864-754F-AB51-3D26194A4633}"/>
+              </a:ext>
+            </a:extLst>
+          </p:cNvPr>
+          <p:cNvPicPr>
+            <a:picLocks noChangeAspect="1" noChangeArrowheads="1"/>
+          </p:cNvPicPr>
+          <p:nvPr/>
+        </p:nvPicPr>
+        <p:blipFill>
+          <a:blip r:embed="rId3">
+            <a:extLst>
+              <a:ext uri="{28A0092B-C50C-407E-A947-70E740481C1C}">
+                <a14:useLocalDpi xmlns:a14="http://schemas.microsoft.com/office/drawing/2010/main" val="0"/>
+              </a:ext>
+            </a:extLst>
+          </a:blip>
+          <a:srcRect/>
+          <a:stretch>
+            <a:fillRect/>
+          </a:stretch>
+        </p:blipFill>
+        <p:spPr bwMode="auto">
+          <a:xfrm>
+            <a:off x="601662" y="3289714"/>
+            <a:ext cx="1612254" cy="3153528"/>
           </a:xfrm>
           <a:prstGeom prst="rect">
             <a:avLst/>
@@ -8291,7 +9517,7 @@
         <p:spPr>
           <a:xfrm>
             <a:off x="852321" y="1834243"/>
-            <a:ext cx="5033221" cy="3788227"/>
+            <a:ext cx="5856230" cy="3788227"/>
           </a:xfrm>
         </p:spPr>
         <p:txBody>
@@ -8435,99 +9661,6 @@
           </a:p>
         </p:txBody>
       </p:sp>
-      <p:pic>
-        <p:nvPicPr>
-          <p:cNvPr id="11266" name="Picture 2" descr="Image result for modeling icon png">
-            <a:extLst>
-              <a:ext uri="{FF2B5EF4-FFF2-40B4-BE49-F238E27FC236}">
-                <a16:creationId xmlns:a16="http://schemas.microsoft.com/office/drawing/2014/main" id="{F13617F9-C345-C64E-A0DA-B77581685B45}"/>
-              </a:ext>
-            </a:extLst>
-          </p:cNvPr>
-          <p:cNvPicPr>
-            <a:picLocks noChangeAspect="1" noChangeArrowheads="1"/>
-          </p:cNvPicPr>
-          <p:nvPr/>
-        </p:nvPicPr>
-        <p:blipFill>
-          <a:blip r:embed="rId3">
-            <a:extLst>
-              <a:ext uri="{28A0092B-C50C-407E-A947-70E740481C1C}">
-                <a14:useLocalDpi xmlns:a14="http://schemas.microsoft.com/office/drawing/2010/main" val="0"/>
-              </a:ext>
-            </a:extLst>
-          </a:blip>
-          <a:stretch>
-            <a:fillRect/>
-          </a:stretch>
-        </p:blipFill>
-        <p:spPr bwMode="auto">
-          <a:xfrm>
-            <a:off x="6624964" y="2865141"/>
-            <a:ext cx="1143455" cy="1143455"/>
-          </a:xfrm>
-          <a:prstGeom prst="rect">
-            <a:avLst/>
-          </a:prstGeom>
-          <a:noFill/>
-          <a:extLst>
-            <a:ext uri="{909E8E84-426E-40DD-AFC4-6F175D3DCCD1}">
-              <a14:hiddenFill xmlns:a14="http://schemas.microsoft.com/office/drawing/2010/main">
-                <a:solidFill>
-                  <a:srgbClr val="FFFFFF"/>
-                </a:solidFill>
-              </a14:hiddenFill>
-            </a:ext>
-          </a:extLst>
-        </p:spPr>
-      </p:pic>
-      <p:pic>
-        <p:nvPicPr>
-          <p:cNvPr id="14338" name="Picture 2">
-            <a:extLst>
-              <a:ext uri="{FF2B5EF4-FFF2-40B4-BE49-F238E27FC236}">
-                <a16:creationId xmlns:a16="http://schemas.microsoft.com/office/drawing/2014/main" id="{3302F94E-EA25-6E48-A462-E24B6650CD83}"/>
-              </a:ext>
-            </a:extLst>
-          </p:cNvPr>
-          <p:cNvPicPr>
-            <a:picLocks noChangeAspect="1" noChangeArrowheads="1"/>
-          </p:cNvPicPr>
-          <p:nvPr/>
-        </p:nvPicPr>
-        <p:blipFill>
-          <a:blip r:embed="rId4">
-            <a:extLst>
-              <a:ext uri="{28A0092B-C50C-407E-A947-70E740481C1C}">
-                <a14:useLocalDpi xmlns:a14="http://schemas.microsoft.com/office/drawing/2010/main" val="0"/>
-              </a:ext>
-            </a:extLst>
-          </a:blip>
-          <a:srcRect/>
-          <a:stretch>
-            <a:fillRect/>
-          </a:stretch>
-        </p:blipFill>
-        <p:spPr bwMode="auto">
-          <a:xfrm>
-            <a:off x="691281" y="3314700"/>
-            <a:ext cx="1561065" cy="3194022"/>
-          </a:xfrm>
-          <a:prstGeom prst="rect">
-            <a:avLst/>
-          </a:prstGeom>
-          <a:noFill/>
-          <a:extLst>
-            <a:ext uri="{909E8E84-426E-40DD-AFC4-6F175D3DCCD1}">
-              <a14:hiddenFill xmlns:a14="http://schemas.microsoft.com/office/drawing/2010/main">
-                <a:solidFill>
-                  <a:srgbClr val="FFFFFF"/>
-                </a:solidFill>
-              </a14:hiddenFill>
-            </a:ext>
-          </a:extLst>
-        </p:spPr>
-      </p:pic>
       <p:sp>
         <p:nvSpPr>
           <p:cNvPr id="11" name="Rounded Rectangle 10">
@@ -8638,6 +9771,65 @@
           </a:p>
         </p:txBody>
       </p:sp>
+      <p:sp>
+        <p:nvSpPr>
+          <p:cNvPr id="10" name="Rectangle 9" descr="Head with Gears">
+            <a:extLst>
+              <a:ext uri="{FF2B5EF4-FFF2-40B4-BE49-F238E27FC236}">
+                <a16:creationId xmlns:a16="http://schemas.microsoft.com/office/drawing/2014/main" id="{66636C50-6B50-AA4F-8DCE-0496A856BF22}"/>
+              </a:ext>
+            </a:extLst>
+          </p:cNvPr>
+          <p:cNvSpPr/>
+          <p:nvPr/>
+        </p:nvSpPr>
+        <p:spPr>
+          <a:xfrm>
+            <a:off x="6570597" y="2827422"/>
+            <a:ext cx="1261959" cy="1183741"/>
+          </a:xfrm>
+          <a:prstGeom prst="rect">
+            <a:avLst/>
+          </a:prstGeom>
+          <a:blipFill>
+            <a:blip r:embed="rId4">
+              <a:extLst>
+                <a:ext uri="{28A0092B-C50C-407E-A947-70E740481C1C}">
+                  <a14:useLocalDpi xmlns:a14="http://schemas.microsoft.com/office/drawing/2010/main" val="0"/>
+                </a:ext>
+                <a:ext uri="{96DAC541-7B7A-43D3-8B79-37D633B846F1}">
+                  <asvg:svgBlip xmlns:asvg="http://schemas.microsoft.com/office/drawing/2016/SVG/main" r:embed="rId5"/>
+                </a:ext>
+              </a:extLst>
+            </a:blip>
+            <a:stretch>
+              <a:fillRect/>
+            </a:stretch>
+          </a:blipFill>
+          <a:ln>
+            <a:noFill/>
+          </a:ln>
+        </p:spPr>
+        <p:style>
+          <a:lnRef idx="2">
+            <a:scrgbClr r="0" g="0" b="0"/>
+          </a:lnRef>
+          <a:fillRef idx="1">
+            <a:scrgbClr r="0" g="0" b="0"/>
+          </a:fillRef>
+          <a:effectRef idx="0">
+            <a:schemeClr val="accent5">
+              <a:hueOff val="-6758543"/>
+              <a:satOff val="-17419"/>
+              <a:lumOff val="-11765"/>
+              <a:alphaOff val="0"/>
+            </a:schemeClr>
+          </a:effectRef>
+          <a:fontRef idx="minor">
+            <a:schemeClr val="lt1"/>
+          </a:fontRef>
+        </p:style>
+      </p:sp>
     </p:spTree>
     <p:extLst>
       <p:ext uri="{BB962C8B-B14F-4D97-AF65-F5344CB8AC3E}">
@@ -8648,6 +9840,205 @@
   <p:clrMapOvr>
     <a:masterClrMapping/>
   </p:clrMapOvr>
+  <p:timing>
+    <p:tnLst>
+      <p:par>
+        <p:cTn id="1" dur="indefinite" restart="never" nodeType="tmRoot">
+          <p:childTnLst>
+            <p:seq concurrent="1" nextAc="seek">
+              <p:cTn id="2" dur="indefinite" nodeType="mainSeq">
+                <p:childTnLst>
+                  <p:par>
+                    <p:cTn id="3" fill="hold">
+                      <p:stCondLst>
+                        <p:cond delay="indefinite"/>
+                      </p:stCondLst>
+                      <p:childTnLst>
+                        <p:par>
+                          <p:cTn id="4" fill="hold">
+                            <p:stCondLst>
+                              <p:cond delay="0"/>
+                            </p:stCondLst>
+                            <p:childTnLst>
+                              <p:par>
+                                <p:cTn id="5" presetID="1" presetClass="entr" presetSubtype="0" fill="hold" nodeType="clickEffect">
+                                  <p:stCondLst>
+                                    <p:cond delay="0"/>
+                                  </p:stCondLst>
+                                  <p:childTnLst>
+                                    <p:set>
+                                      <p:cBhvr>
+                                        <p:cTn id="6" dur="1" fill="hold">
+                                          <p:stCondLst>
+                                            <p:cond delay="0"/>
+                                          </p:stCondLst>
+                                        </p:cTn>
+                                        <p:tgtEl>
+                                          <p:spTgt spid="3">
+                                            <p:txEl>
+                                              <p:pRg st="0" end="0"/>
+                                            </p:txEl>
+                                          </p:spTgt>
+                                        </p:tgtEl>
+                                        <p:attrNameLst>
+                                          <p:attrName>style.visibility</p:attrName>
+                                        </p:attrNameLst>
+                                      </p:cBhvr>
+                                      <p:to>
+                                        <p:strVal val="visible"/>
+                                      </p:to>
+                                    </p:set>
+                                  </p:childTnLst>
+                                </p:cTn>
+                              </p:par>
+                            </p:childTnLst>
+                          </p:cTn>
+                        </p:par>
+                      </p:childTnLst>
+                    </p:cTn>
+                  </p:par>
+                  <p:par>
+                    <p:cTn id="7" fill="hold">
+                      <p:stCondLst>
+                        <p:cond delay="indefinite"/>
+                      </p:stCondLst>
+                      <p:childTnLst>
+                        <p:par>
+                          <p:cTn id="8" fill="hold">
+                            <p:stCondLst>
+                              <p:cond delay="0"/>
+                            </p:stCondLst>
+                            <p:childTnLst>
+                              <p:par>
+                                <p:cTn id="9" presetID="1" presetClass="entr" presetSubtype="0" fill="hold" nodeType="clickEffect">
+                                  <p:stCondLst>
+                                    <p:cond delay="0"/>
+                                  </p:stCondLst>
+                                  <p:childTnLst>
+                                    <p:set>
+                                      <p:cBhvr>
+                                        <p:cTn id="10" dur="1" fill="hold">
+                                          <p:stCondLst>
+                                            <p:cond delay="0"/>
+                                          </p:stCondLst>
+                                        </p:cTn>
+                                        <p:tgtEl>
+                                          <p:spTgt spid="4098"/>
+                                        </p:tgtEl>
+                                        <p:attrNameLst>
+                                          <p:attrName>style.visibility</p:attrName>
+                                        </p:attrNameLst>
+                                      </p:cBhvr>
+                                      <p:to>
+                                        <p:strVal val="visible"/>
+                                      </p:to>
+                                    </p:set>
+                                  </p:childTnLst>
+                                </p:cTn>
+                              </p:par>
+                              <p:par>
+                                <p:cTn id="11" presetID="1" presetClass="entr" presetSubtype="0" fill="hold" nodeType="withEffect">
+                                  <p:stCondLst>
+                                    <p:cond delay="0"/>
+                                  </p:stCondLst>
+                                  <p:childTnLst>
+                                    <p:set>
+                                      <p:cBhvr>
+                                        <p:cTn id="12" dur="1" fill="hold">
+                                          <p:stCondLst>
+                                            <p:cond delay="0"/>
+                                          </p:stCondLst>
+                                        </p:cTn>
+                                        <p:tgtEl>
+                                          <p:spTgt spid="4100"/>
+                                        </p:tgtEl>
+                                        <p:attrNameLst>
+                                          <p:attrName>style.visibility</p:attrName>
+                                        </p:attrNameLst>
+                                      </p:cBhvr>
+                                      <p:to>
+                                        <p:strVal val="visible"/>
+                                      </p:to>
+                                    </p:set>
+                                  </p:childTnLst>
+                                </p:cTn>
+                              </p:par>
+                            </p:childTnLst>
+                          </p:cTn>
+                        </p:par>
+                      </p:childTnLst>
+                    </p:cTn>
+                  </p:par>
+                  <p:par>
+                    <p:cTn id="13" fill="hold">
+                      <p:stCondLst>
+                        <p:cond delay="indefinite"/>
+                      </p:stCondLst>
+                      <p:childTnLst>
+                        <p:par>
+                          <p:cTn id="14" fill="hold">
+                            <p:stCondLst>
+                              <p:cond delay="0"/>
+                            </p:stCondLst>
+                            <p:childTnLst>
+                              <p:par>
+                                <p:cTn id="15" presetID="1" presetClass="entr" presetSubtype="0" fill="hold" grpId="0" nodeType="clickEffect">
+                                  <p:stCondLst>
+                                    <p:cond delay="0"/>
+                                  </p:stCondLst>
+                                  <p:childTnLst>
+                                    <p:set>
+                                      <p:cBhvr>
+                                        <p:cTn id="16" dur="1" fill="hold">
+                                          <p:stCondLst>
+                                            <p:cond delay="0"/>
+                                          </p:stCondLst>
+                                        </p:cTn>
+                                        <p:tgtEl>
+                                          <p:spTgt spid="11"/>
+                                        </p:tgtEl>
+                                        <p:attrNameLst>
+                                          <p:attrName>style.visibility</p:attrName>
+                                        </p:attrNameLst>
+                                      </p:cBhvr>
+                                      <p:to>
+                                        <p:strVal val="visible"/>
+                                      </p:to>
+                                    </p:set>
+                                  </p:childTnLst>
+                                </p:cTn>
+                              </p:par>
+                            </p:childTnLst>
+                          </p:cTn>
+                        </p:par>
+                      </p:childTnLst>
+                    </p:cTn>
+                  </p:par>
+                </p:childTnLst>
+              </p:cTn>
+              <p:prevCondLst>
+                <p:cond evt="onPrev" delay="0">
+                  <p:tgtEl>
+                    <p:sldTgt/>
+                  </p:tgtEl>
+                </p:cond>
+              </p:prevCondLst>
+              <p:nextCondLst>
+                <p:cond evt="onNext" delay="0">
+                  <p:tgtEl>
+                    <p:sldTgt/>
+                  </p:tgtEl>
+                </p:cond>
+              </p:nextCondLst>
+            </p:seq>
+          </p:childTnLst>
+        </p:cTn>
+      </p:par>
+    </p:tnLst>
+    <p:bldLst>
+      <p:bldP spid="11" grpId="0" animBg="1"/>
+    </p:bldLst>
+  </p:timing>
 </p:sld>
 </file>
 
@@ -8676,53 +10067,6 @@
           <a:chExt cx="0" cy="0"/>
         </a:xfrm>
       </p:grpSpPr>
-      <p:pic>
-        <p:nvPicPr>
-          <p:cNvPr id="16386" name="Picture 2">
-            <a:extLst>
-              <a:ext uri="{FF2B5EF4-FFF2-40B4-BE49-F238E27FC236}">
-                <a16:creationId xmlns:a16="http://schemas.microsoft.com/office/drawing/2014/main" id="{635819FC-0CD6-0E4B-86A3-5B912B9C0C52}"/>
-              </a:ext>
-            </a:extLst>
-          </p:cNvPr>
-          <p:cNvPicPr>
-            <a:picLocks noChangeAspect="1" noChangeArrowheads="1"/>
-          </p:cNvPicPr>
-          <p:nvPr/>
-        </p:nvPicPr>
-        <p:blipFill>
-          <a:blip r:embed="rId2">
-            <a:extLst>
-              <a:ext uri="{28A0092B-C50C-407E-A947-70E740481C1C}">
-                <a14:useLocalDpi xmlns:a14="http://schemas.microsoft.com/office/drawing/2010/main" val="0"/>
-              </a:ext>
-            </a:extLst>
-          </a:blip>
-          <a:srcRect/>
-          <a:stretch>
-            <a:fillRect/>
-          </a:stretch>
-        </p:blipFill>
-        <p:spPr bwMode="auto">
-          <a:xfrm>
-            <a:off x="203296" y="3429001"/>
-            <a:ext cx="6870447" cy="2628900"/>
-          </a:xfrm>
-          <a:prstGeom prst="rect">
-            <a:avLst/>
-          </a:prstGeom>
-          <a:noFill/>
-          <a:extLst>
-            <a:ext uri="{909E8E84-426E-40DD-AFC4-6F175D3DCCD1}">
-              <a14:hiddenFill xmlns:a14="http://schemas.microsoft.com/office/drawing/2010/main">
-                <a:solidFill>
-                  <a:srgbClr val="FFFFFF"/>
-                </a:solidFill>
-              </a14:hiddenFill>
-            </a:ext>
-          </a:extLst>
-        </p:spPr>
-      </p:pic>
       <p:sp>
         <p:nvSpPr>
           <p:cNvPr id="2" name="Title 1">
@@ -8781,7 +10125,7 @@
         <p:spPr>
           <a:xfrm>
             <a:off x="852321" y="1834243"/>
-            <a:ext cx="5033221" cy="3788227"/>
+            <a:ext cx="5652083" cy="3788227"/>
           </a:xfrm>
         </p:spPr>
         <p:txBody>
@@ -8792,13 +10136,13 @@
           <a:p>
             <a:r>
               <a:rPr lang="en-CA" sz="2100" dirty="0"/>
-              <a:t>First a decision tree was created of depth = 3.</a:t>
+              <a:t>First a decision tree was created with optimized depth = 2 based on recall.</a:t>
             </a:r>
           </a:p>
           <a:p>
             <a:r>
               <a:rPr lang="en-CA" sz="2100" dirty="0"/>
-              <a:t>Cross validation was used to get the precision</a:t>
+              <a:t>Cross validation was used to get the recall and accuracy.</a:t>
             </a:r>
           </a:p>
           <a:p>
@@ -8949,7 +10293,1523 @@
           <p:nvPr/>
         </p:nvPicPr>
         <p:blipFill>
-          <a:blip r:embed="rId3">
+          <a:blip r:embed="rId2">
+            <a:extLst>
+              <a:ext uri="{28A0092B-C50C-407E-A947-70E740481C1C}">
+                <a14:useLocalDpi xmlns:a14="http://schemas.microsoft.com/office/drawing/2010/main" val="0"/>
+              </a:ext>
+            </a:extLst>
+          </a:blip>
+          <a:stretch>
+            <a:fillRect/>
+          </a:stretch>
+        </p:blipFill>
+        <p:spPr bwMode="auto">
+          <a:xfrm>
+            <a:off x="6624964" y="2865141"/>
+            <a:ext cx="1143455" cy="1143455"/>
+          </a:xfrm>
+          <a:prstGeom prst="rect">
+            <a:avLst/>
+          </a:prstGeom>
+          <a:noFill/>
+          <a:extLst>
+            <a:ext uri="{909E8E84-426E-40DD-AFC4-6F175D3DCCD1}">
+              <a14:hiddenFill xmlns:a14="http://schemas.microsoft.com/office/drawing/2010/main">
+                <a:solidFill>
+                  <a:srgbClr val="FFFFFF"/>
+                </a:solidFill>
+              </a14:hiddenFill>
+            </a:ext>
+          </a:extLst>
+        </p:spPr>
+      </p:pic>
+      <p:grpSp>
+        <p:nvGrpSpPr>
+          <p:cNvPr id="6" name="Group 5">
+            <a:extLst>
+              <a:ext uri="{FF2B5EF4-FFF2-40B4-BE49-F238E27FC236}">
+                <a16:creationId xmlns:a16="http://schemas.microsoft.com/office/drawing/2014/main" id="{0294AE28-762F-0A48-8EF3-05143B4D5AFD}"/>
+              </a:ext>
+            </a:extLst>
+          </p:cNvPr>
+          <p:cNvGrpSpPr/>
+          <p:nvPr/>
+        </p:nvGrpSpPr>
+        <p:grpSpPr>
+          <a:xfrm>
+            <a:off x="726253" y="3304673"/>
+            <a:ext cx="5833645" cy="3091266"/>
+            <a:chOff x="726253" y="3304673"/>
+            <a:chExt cx="5833645" cy="3091266"/>
+          </a:xfrm>
+        </p:grpSpPr>
+        <p:pic>
+          <p:nvPicPr>
+            <p:cNvPr id="1030" name="Picture 6">
+              <a:extLst>
+                <a:ext uri="{FF2B5EF4-FFF2-40B4-BE49-F238E27FC236}">
+                  <a16:creationId xmlns:a16="http://schemas.microsoft.com/office/drawing/2014/main" id="{A0575309-D273-2C42-B276-C1916BABCCD2}"/>
+                </a:ext>
+              </a:extLst>
+            </p:cNvPr>
+            <p:cNvPicPr>
+              <a:picLocks noChangeAspect="1" noChangeArrowheads="1"/>
+            </p:cNvPicPr>
+            <p:nvPr/>
+          </p:nvPicPr>
+          <p:blipFill>
+            <a:blip r:embed="rId3">
+              <a:extLst>
+                <a:ext uri="{28A0092B-C50C-407E-A947-70E740481C1C}">
+                  <a14:useLocalDpi xmlns:a14="http://schemas.microsoft.com/office/drawing/2010/main" val="0"/>
+                </a:ext>
+              </a:extLst>
+            </a:blip>
+            <a:srcRect/>
+            <a:stretch>
+              <a:fillRect/>
+            </a:stretch>
+          </p:blipFill>
+          <p:spPr bwMode="auto">
+            <a:xfrm>
+              <a:off x="726253" y="3391235"/>
+              <a:ext cx="5833645" cy="3004704"/>
+            </a:xfrm>
+            <a:prstGeom prst="rect">
+              <a:avLst/>
+            </a:prstGeom>
+            <a:noFill/>
+            <a:extLst>
+              <a:ext uri="{909E8E84-426E-40DD-AFC4-6F175D3DCCD1}">
+                <a14:hiddenFill xmlns:a14="http://schemas.microsoft.com/office/drawing/2010/main">
+                  <a:solidFill>
+                    <a:srgbClr val="FFFFFF"/>
+                  </a:solidFill>
+                </a14:hiddenFill>
+              </a:ext>
+            </a:extLst>
+          </p:spPr>
+        </p:pic>
+        <p:sp>
+          <p:nvSpPr>
+            <p:cNvPr id="9" name="TextBox 8">
+              <a:extLst>
+                <a:ext uri="{FF2B5EF4-FFF2-40B4-BE49-F238E27FC236}">
+                  <a16:creationId xmlns:a16="http://schemas.microsoft.com/office/drawing/2014/main" id="{B928472B-7F93-664A-951A-9B081ED330AB}"/>
+                </a:ext>
+              </a:extLst>
+            </p:cNvPr>
+            <p:cNvSpPr txBox="1"/>
+            <p:nvPr/>
+          </p:nvSpPr>
+          <p:spPr>
+            <a:xfrm>
+              <a:off x="4410905" y="3304673"/>
+              <a:ext cx="1653081" cy="646331"/>
+            </a:xfrm>
+            <a:prstGeom prst="rect">
+              <a:avLst/>
+            </a:prstGeom>
+            <a:noFill/>
+          </p:spPr>
+          <p:txBody>
+            <a:bodyPr wrap="none" rtlCol="0">
+              <a:spAutoFit/>
+            </a:bodyPr>
+            <a:lstStyle/>
+            <a:p>
+              <a:r>
+                <a:rPr lang="en-CA" dirty="0"/>
+                <a:t>Recall = 0.89</a:t>
+              </a:r>
+            </a:p>
+            <a:p>
+              <a:r>
+                <a:rPr lang="en-CA" dirty="0"/>
+                <a:t>Accuracy = 0.83</a:t>
+              </a:r>
+            </a:p>
+          </p:txBody>
+        </p:sp>
+      </p:grpSp>
+    </p:spTree>
+    <p:extLst>
+      <p:ext uri="{BB962C8B-B14F-4D97-AF65-F5344CB8AC3E}">
+        <p14:creationId xmlns:p14="http://schemas.microsoft.com/office/powerpoint/2010/main" val="3433558311"/>
+      </p:ext>
+    </p:extLst>
+  </p:cSld>
+  <p:clrMapOvr>
+    <a:masterClrMapping/>
+  </p:clrMapOvr>
+  <p:timing>
+    <p:tnLst>
+      <p:par>
+        <p:cTn id="1" dur="indefinite" restart="never" nodeType="tmRoot">
+          <p:childTnLst>
+            <p:seq concurrent="1" nextAc="seek">
+              <p:cTn id="2" dur="indefinite" nodeType="mainSeq">
+                <p:childTnLst>
+                  <p:par>
+                    <p:cTn id="3" fill="hold">
+                      <p:stCondLst>
+                        <p:cond delay="indefinite"/>
+                      </p:stCondLst>
+                      <p:childTnLst>
+                        <p:par>
+                          <p:cTn id="4" fill="hold">
+                            <p:stCondLst>
+                              <p:cond delay="0"/>
+                            </p:stCondLst>
+                            <p:childTnLst>
+                              <p:par>
+                                <p:cTn id="5" presetID="1" presetClass="entr" presetSubtype="0" fill="hold" nodeType="clickEffect">
+                                  <p:stCondLst>
+                                    <p:cond delay="0"/>
+                                  </p:stCondLst>
+                                  <p:childTnLst>
+                                    <p:set>
+                                      <p:cBhvr>
+                                        <p:cTn id="6" dur="1" fill="hold">
+                                          <p:stCondLst>
+                                            <p:cond delay="0"/>
+                                          </p:stCondLst>
+                                        </p:cTn>
+                                        <p:tgtEl>
+                                          <p:spTgt spid="3">
+                                            <p:txEl>
+                                              <p:pRg st="0" end="0"/>
+                                            </p:txEl>
+                                          </p:spTgt>
+                                        </p:tgtEl>
+                                        <p:attrNameLst>
+                                          <p:attrName>style.visibility</p:attrName>
+                                        </p:attrNameLst>
+                                      </p:cBhvr>
+                                      <p:to>
+                                        <p:strVal val="visible"/>
+                                      </p:to>
+                                    </p:set>
+                                  </p:childTnLst>
+                                </p:cTn>
+                              </p:par>
+                            </p:childTnLst>
+                          </p:cTn>
+                        </p:par>
+                      </p:childTnLst>
+                    </p:cTn>
+                  </p:par>
+                  <p:par>
+                    <p:cTn id="7" fill="hold">
+                      <p:stCondLst>
+                        <p:cond delay="indefinite"/>
+                      </p:stCondLst>
+                      <p:childTnLst>
+                        <p:par>
+                          <p:cTn id="8" fill="hold">
+                            <p:stCondLst>
+                              <p:cond delay="0"/>
+                            </p:stCondLst>
+                            <p:childTnLst>
+                              <p:par>
+                                <p:cTn id="9" presetID="1" presetClass="entr" presetSubtype="0" fill="hold" nodeType="clickEffect">
+                                  <p:stCondLst>
+                                    <p:cond delay="0"/>
+                                  </p:stCondLst>
+                                  <p:childTnLst>
+                                    <p:set>
+                                      <p:cBhvr>
+                                        <p:cTn id="10" dur="1" fill="hold">
+                                          <p:stCondLst>
+                                            <p:cond delay="0"/>
+                                          </p:stCondLst>
+                                        </p:cTn>
+                                        <p:tgtEl>
+                                          <p:spTgt spid="3">
+                                            <p:txEl>
+                                              <p:pRg st="1" end="1"/>
+                                            </p:txEl>
+                                          </p:spTgt>
+                                        </p:tgtEl>
+                                        <p:attrNameLst>
+                                          <p:attrName>style.visibility</p:attrName>
+                                        </p:attrNameLst>
+                                      </p:cBhvr>
+                                      <p:to>
+                                        <p:strVal val="visible"/>
+                                      </p:to>
+                                    </p:set>
+                                  </p:childTnLst>
+                                </p:cTn>
+                              </p:par>
+                            </p:childTnLst>
+                          </p:cTn>
+                        </p:par>
+                      </p:childTnLst>
+                    </p:cTn>
+                  </p:par>
+                  <p:par>
+                    <p:cTn id="11" fill="hold">
+                      <p:stCondLst>
+                        <p:cond delay="indefinite"/>
+                      </p:stCondLst>
+                      <p:childTnLst>
+                        <p:par>
+                          <p:cTn id="12" fill="hold">
+                            <p:stCondLst>
+                              <p:cond delay="0"/>
+                            </p:stCondLst>
+                            <p:childTnLst>
+                              <p:par>
+                                <p:cTn id="13" presetID="1" presetClass="entr" presetSubtype="0" fill="hold" nodeType="clickEffect">
+                                  <p:stCondLst>
+                                    <p:cond delay="0"/>
+                                  </p:stCondLst>
+                                  <p:childTnLst>
+                                    <p:set>
+                                      <p:cBhvr>
+                                        <p:cTn id="14" dur="1" fill="hold">
+                                          <p:stCondLst>
+                                            <p:cond delay="0"/>
+                                          </p:stCondLst>
+                                        </p:cTn>
+                                        <p:tgtEl>
+                                          <p:spTgt spid="6"/>
+                                        </p:tgtEl>
+                                        <p:attrNameLst>
+                                          <p:attrName>style.visibility</p:attrName>
+                                        </p:attrNameLst>
+                                      </p:cBhvr>
+                                      <p:to>
+                                        <p:strVal val="visible"/>
+                                      </p:to>
+                                    </p:set>
+                                  </p:childTnLst>
+                                </p:cTn>
+                              </p:par>
+                            </p:childTnLst>
+                          </p:cTn>
+                        </p:par>
+                      </p:childTnLst>
+                    </p:cTn>
+                  </p:par>
+                </p:childTnLst>
+              </p:cTn>
+              <p:prevCondLst>
+                <p:cond evt="onPrev" delay="0">
+                  <p:tgtEl>
+                    <p:sldTgt/>
+                  </p:tgtEl>
+                </p:cond>
+              </p:prevCondLst>
+              <p:nextCondLst>
+                <p:cond evt="onNext" delay="0">
+                  <p:tgtEl>
+                    <p:sldTgt/>
+                  </p:tgtEl>
+                </p:cond>
+              </p:nextCondLst>
+            </p:seq>
+          </p:childTnLst>
+        </p:cTn>
+      </p:par>
+    </p:tnLst>
+  </p:timing>
+</p:sld>
+</file>
+
+<file path=ppt/slides/slide15.xml><?xml version="1.0" encoding="utf-8"?>
+<p:sld xmlns:a="http://schemas.openxmlformats.org/drawingml/2006/main" xmlns:r="http://schemas.openxmlformats.org/officeDocument/2006/relationships" xmlns:p="http://schemas.openxmlformats.org/presentationml/2006/main">
+  <p:cSld>
+    <p:bg>
+      <p:bgPr>
+        <a:solidFill>
+          <a:schemeClr val="bg1"/>
+        </a:solidFill>
+        <a:effectLst/>
+      </p:bgPr>
+    </p:bg>
+    <p:spTree>
+      <p:nvGrpSpPr>
+        <p:cNvPr id="1" name=""/>
+        <p:cNvGrpSpPr/>
+        <p:nvPr/>
+      </p:nvGrpSpPr>
+      <p:grpSpPr>
+        <a:xfrm>
+          <a:off x="0" y="0"/>
+          <a:ext cx="0" cy="0"/>
+          <a:chOff x="0" y="0"/>
+          <a:chExt cx="0" cy="0"/>
+        </a:xfrm>
+      </p:grpSpPr>
+      <p:pic>
+        <p:nvPicPr>
+          <p:cNvPr id="17" name="Picture 6">
+            <a:extLst>
+              <a:ext uri="{FF2B5EF4-FFF2-40B4-BE49-F238E27FC236}">
+                <a16:creationId xmlns:a16="http://schemas.microsoft.com/office/drawing/2014/main" id="{CAEE143F-5683-7D49-A1FD-16D86BBE42D6}"/>
+              </a:ext>
+            </a:extLst>
+          </p:cNvPr>
+          <p:cNvPicPr>
+            <a:picLocks noChangeAspect="1" noChangeArrowheads="1"/>
+          </p:cNvPicPr>
+          <p:nvPr/>
+        </p:nvPicPr>
+        <p:blipFill>
+          <a:blip r:embed="rId2">
+            <a:extLst>
+              <a:ext uri="{28A0092B-C50C-407E-A947-70E740481C1C}">
+                <a14:useLocalDpi xmlns:a14="http://schemas.microsoft.com/office/drawing/2010/main" val="0"/>
+              </a:ext>
+            </a:extLst>
+          </a:blip>
+          <a:srcRect/>
+          <a:stretch>
+            <a:fillRect/>
+          </a:stretch>
+        </p:blipFill>
+        <p:spPr bwMode="auto">
+          <a:xfrm>
+            <a:off x="581870" y="3680003"/>
+            <a:ext cx="5833645" cy="3004704"/>
+          </a:xfrm>
+          <a:prstGeom prst="rect">
+            <a:avLst/>
+          </a:prstGeom>
+          <a:noFill/>
+          <a:extLst>
+            <a:ext uri="{909E8E84-426E-40DD-AFC4-6F175D3DCCD1}">
+              <a14:hiddenFill xmlns:a14="http://schemas.microsoft.com/office/drawing/2010/main">
+                <a:solidFill>
+                  <a:srgbClr val="FFFFFF"/>
+                </a:solidFill>
+              </a14:hiddenFill>
+            </a:ext>
+          </a:extLst>
+        </p:spPr>
+      </p:pic>
+      <p:sp>
+        <p:nvSpPr>
+          <p:cNvPr id="2" name="Title 1">
+            <a:extLst>
+              <a:ext uri="{FF2B5EF4-FFF2-40B4-BE49-F238E27FC236}">
+                <a16:creationId xmlns:a16="http://schemas.microsoft.com/office/drawing/2014/main" id="{42B131CF-5FF0-3442-AC19-3A722D035EAD}"/>
+              </a:ext>
+            </a:extLst>
+          </p:cNvPr>
+          <p:cNvSpPr>
+            <a:spLocks noGrp="1"/>
+          </p:cNvSpPr>
+          <p:nvPr>
+            <p:ph type="title"/>
+          </p:nvPr>
+        </p:nvSpPr>
+        <p:spPr>
+          <a:xfrm>
+            <a:off x="840699" y="482938"/>
+            <a:ext cx="6348736" cy="994172"/>
+          </a:xfrm>
+        </p:spPr>
+        <p:txBody>
+          <a:bodyPr>
+            <a:normAutofit/>
+          </a:bodyPr>
+          <a:lstStyle/>
+          <a:p>
+            <a:r>
+              <a:rPr lang="en-CA" sz="3000" b="1" dirty="0">
+                <a:latin typeface="Arial Black" panose="020B0604020202020204" pitchFamily="34" charset="0"/>
+                <a:cs typeface="Arial Black" panose="020B0604020202020204" pitchFamily="34" charset="0"/>
+              </a:rPr>
+              <a:t>Decision Tree</a:t>
+            </a:r>
+            <a:endParaRPr lang="en-CA" sz="3000" dirty="0"/>
+          </a:p>
+        </p:txBody>
+      </p:sp>
+      <p:sp>
+        <p:nvSpPr>
+          <p:cNvPr id="3" name="Content Placeholder 2">
+            <a:extLst>
+              <a:ext uri="{FF2B5EF4-FFF2-40B4-BE49-F238E27FC236}">
+                <a16:creationId xmlns:a16="http://schemas.microsoft.com/office/drawing/2014/main" id="{1D633086-6213-E347-85E9-EE20B3A4B105}"/>
+              </a:ext>
+            </a:extLst>
+          </p:cNvPr>
+          <p:cNvSpPr>
+            <a:spLocks noGrp="1"/>
+          </p:cNvSpPr>
+          <p:nvPr>
+            <p:ph idx="1"/>
+          </p:nvPr>
+        </p:nvSpPr>
+        <p:spPr>
+          <a:xfrm>
+            <a:off x="852321" y="1557507"/>
+            <a:ext cx="5652083" cy="3788227"/>
+          </a:xfrm>
+        </p:spPr>
+        <p:txBody>
+          <a:bodyPr anchor="t">
+            <a:normAutofit/>
+          </a:bodyPr>
+          <a:lstStyle/>
+          <a:p>
+            <a:r>
+              <a:rPr lang="en-CA" sz="2100" dirty="0"/>
+              <a:t>From the decision tree it can be seen that the following parameters are risk factors of heart disease :</a:t>
+            </a:r>
+          </a:p>
+          <a:p>
+            <a:pPr lvl="1"/>
+            <a:r>
+              <a:rPr lang="en-CA" sz="1700" dirty="0"/>
+              <a:t>thal2 : fixed defect</a:t>
+            </a:r>
+          </a:p>
+          <a:p>
+            <a:pPr lvl="1"/>
+            <a:r>
+              <a:rPr lang="en-CA" sz="1700" dirty="0"/>
+              <a:t>cp0 :  typical angina</a:t>
+            </a:r>
+          </a:p>
+          <a:p>
+            <a:pPr lvl="1"/>
+            <a:r>
+              <a:rPr lang="en-CA" sz="1700" dirty="0"/>
+              <a:t>ca  : small number of major vessels </a:t>
+            </a:r>
+          </a:p>
+          <a:p>
+            <a:pPr marL="0" indent="0">
+              <a:buNone/>
+            </a:pPr>
+            <a:r>
+              <a:rPr lang="en-CA" sz="2100" dirty="0"/>
+              <a:t> </a:t>
+            </a:r>
+          </a:p>
+          <a:p>
+            <a:endParaRPr lang="en-CA" sz="2100" dirty="0"/>
+          </a:p>
+        </p:txBody>
+      </p:sp>
+      <p:sp>
+        <p:nvSpPr>
+          <p:cNvPr id="71" name="Rectangle 70">
+            <a:extLst>
+              <a:ext uri="{FF2B5EF4-FFF2-40B4-BE49-F238E27FC236}">
+                <a16:creationId xmlns:a16="http://schemas.microsoft.com/office/drawing/2014/main" id="{59A309A7-1751-4ABE-A3C1-EEC40366AD89}"/>
+              </a:ext>
+              <a:ext uri="{C183D7F6-B498-43B3-948B-1728B52AA6E4}">
+                <adec:decorative xmlns:adec="http://schemas.microsoft.com/office/drawing/2017/decorative" val="1"/>
+              </a:ext>
+            </a:extLst>
+          </p:cNvPr>
+          <p:cNvSpPr>
+            <a:spLocks noGrp="1" noRot="1" noChangeAspect="1" noMove="1" noResize="1" noEditPoints="1" noAdjustHandles="1" noChangeArrowheads="1" noChangeShapeType="1" noTextEdit="1"/>
+          </p:cNvSpPr>
+          <p:nvPr>
+            <p:extLst>
+              <p:ext uri="{386F3935-93C4-4BCD-93E2-E3B085C9AB24}">
+                <p16:designElem xmlns:p16="http://schemas.microsoft.com/office/powerpoint/2015/main" val="1"/>
+              </p:ext>
+            </p:extLst>
+          </p:nvPr>
+        </p:nvSpPr>
+        <p:spPr>
+          <a:xfrm>
+            <a:off x="7189435" y="0"/>
+            <a:ext cx="1954565" cy="6858000"/>
+          </a:xfrm>
+          <a:prstGeom prst="rect">
+            <a:avLst/>
+          </a:prstGeom>
+          <a:solidFill>
+            <a:schemeClr val="accent1"/>
+          </a:solidFill>
+          <a:ln>
+            <a:noFill/>
+          </a:ln>
+        </p:spPr>
+        <p:style>
+          <a:lnRef idx="2">
+            <a:schemeClr val="accent1">
+              <a:shade val="50000"/>
+            </a:schemeClr>
+          </a:lnRef>
+          <a:fillRef idx="1">
+            <a:schemeClr val="accent1"/>
+          </a:fillRef>
+          <a:effectRef idx="0">
+            <a:schemeClr val="accent1"/>
+          </a:effectRef>
+          <a:fontRef idx="minor">
+            <a:schemeClr val="lt1"/>
+          </a:fontRef>
+        </p:style>
+        <p:txBody>
+          <a:bodyPr rtlCol="0" anchor="ctr"/>
+          <a:lstStyle/>
+          <a:p>
+            <a:pPr algn="ctr"/>
+            <a:endParaRPr lang="en-US" sz="1350"/>
+          </a:p>
+        </p:txBody>
+      </p:sp>
+      <p:sp>
+        <p:nvSpPr>
+          <p:cNvPr id="73" name="Oval 72">
+            <a:extLst>
+              <a:ext uri="{FF2B5EF4-FFF2-40B4-BE49-F238E27FC236}">
+                <a16:creationId xmlns:a16="http://schemas.microsoft.com/office/drawing/2014/main" id="{967D8EB6-EAE1-4F9C-B398-83321E287204}"/>
+              </a:ext>
+              <a:ext uri="{C183D7F6-B498-43B3-948B-1728B52AA6E4}">
+                <adec:decorative xmlns:adec="http://schemas.microsoft.com/office/drawing/2017/decorative" val="1"/>
+              </a:ext>
+            </a:extLst>
+          </p:cNvPr>
+          <p:cNvSpPr>
+            <a:spLocks noGrp="1" noRot="1" noChangeAspect="1" noMove="1" noResize="1" noEditPoints="1" noAdjustHandles="1" noChangeArrowheads="1" noChangeShapeType="1" noTextEdit="1"/>
+          </p:cNvSpPr>
+          <p:nvPr>
+            <p:extLst>
+              <p:ext uri="{386F3935-93C4-4BCD-93E2-E3B085C9AB24}">
+                <p16:designElem xmlns:p16="http://schemas.microsoft.com/office/powerpoint/2015/main" val="1"/>
+              </p:ext>
+            </p:extLst>
+          </p:nvPr>
+        </p:nvSpPr>
+        <p:spPr>
+          <a:xfrm>
+            <a:off x="6129567" y="2369132"/>
+            <a:ext cx="2119736" cy="2119736"/>
+          </a:xfrm>
+          <a:prstGeom prst="ellipse">
+            <a:avLst/>
+          </a:prstGeom>
+          <a:solidFill>
+            <a:srgbClr val="FFFFFF"/>
+          </a:solidFill>
+          <a:ln w="22225">
+            <a:solidFill>
+              <a:schemeClr val="accent1"/>
+            </a:solidFill>
+          </a:ln>
+        </p:spPr>
+        <p:style>
+          <a:lnRef idx="2">
+            <a:schemeClr val="accent1">
+              <a:shade val="50000"/>
+            </a:schemeClr>
+          </a:lnRef>
+          <a:fillRef idx="1">
+            <a:schemeClr val="accent1"/>
+          </a:fillRef>
+          <a:effectRef idx="0">
+            <a:schemeClr val="accent1"/>
+          </a:effectRef>
+          <a:fontRef idx="minor">
+            <a:schemeClr val="lt1"/>
+          </a:fontRef>
+        </p:style>
+        <p:txBody>
+          <a:bodyPr rtlCol="0" anchor="ctr"/>
+          <a:lstStyle/>
+          <a:p>
+            <a:pPr algn="ctr"/>
+            <a:endParaRPr lang="en-US" sz="1350"/>
+          </a:p>
+        </p:txBody>
+      </p:sp>
+      <p:sp>
+        <p:nvSpPr>
+          <p:cNvPr id="11" name="Rounded Rectangle 10">
+            <a:extLst>
+              <a:ext uri="{FF2B5EF4-FFF2-40B4-BE49-F238E27FC236}">
+                <a16:creationId xmlns:a16="http://schemas.microsoft.com/office/drawing/2014/main" id="{CD07E354-FB64-8540-9A14-C241F2A0E2B3}"/>
+              </a:ext>
+            </a:extLst>
+          </p:cNvPr>
+          <p:cNvSpPr/>
+          <p:nvPr/>
+        </p:nvSpPr>
+        <p:spPr>
+          <a:xfrm>
+            <a:off x="2737444" y="3712062"/>
+            <a:ext cx="1459115" cy="431001"/>
+          </a:xfrm>
+          <a:prstGeom prst="roundRect">
+            <a:avLst/>
+          </a:prstGeom>
+          <a:noFill/>
+          <a:ln w="57150">
+            <a:solidFill>
+              <a:srgbClr val="FF0000"/>
+            </a:solidFill>
+          </a:ln>
+        </p:spPr>
+        <p:style>
+          <a:lnRef idx="2">
+            <a:schemeClr val="accent1">
+              <a:shade val="50000"/>
+            </a:schemeClr>
+          </a:lnRef>
+          <a:fillRef idx="1">
+            <a:schemeClr val="accent1"/>
+          </a:fillRef>
+          <a:effectRef idx="0">
+            <a:schemeClr val="accent1"/>
+          </a:effectRef>
+          <a:fontRef idx="minor">
+            <a:schemeClr val="lt1"/>
+          </a:fontRef>
+        </p:style>
+        <p:txBody>
+          <a:bodyPr rtlCol="0" anchor="ctr"/>
+          <a:lstStyle/>
+          <a:p>
+            <a:pPr algn="ctr"/>
+            <a:endParaRPr lang="en-CA"/>
+          </a:p>
+        </p:txBody>
+      </p:sp>
+      <p:sp>
+        <p:nvSpPr>
+          <p:cNvPr id="12" name="Rounded Rectangle 11">
+            <a:extLst>
+              <a:ext uri="{FF2B5EF4-FFF2-40B4-BE49-F238E27FC236}">
+                <a16:creationId xmlns:a16="http://schemas.microsoft.com/office/drawing/2014/main" id="{72EA1D27-423E-7B49-86D8-2C1ECD32739C}"/>
+              </a:ext>
+            </a:extLst>
+          </p:cNvPr>
+          <p:cNvSpPr/>
+          <p:nvPr/>
+        </p:nvSpPr>
+        <p:spPr>
+          <a:xfrm>
+            <a:off x="1939349" y="4826990"/>
+            <a:ext cx="1459115" cy="431001"/>
+          </a:xfrm>
+          <a:prstGeom prst="roundRect">
+            <a:avLst/>
+          </a:prstGeom>
+          <a:noFill/>
+          <a:ln w="57150">
+            <a:solidFill>
+              <a:srgbClr val="FF0000"/>
+            </a:solidFill>
+          </a:ln>
+        </p:spPr>
+        <p:style>
+          <a:lnRef idx="2">
+            <a:schemeClr val="accent1">
+              <a:shade val="50000"/>
+            </a:schemeClr>
+          </a:lnRef>
+          <a:fillRef idx="1">
+            <a:schemeClr val="accent1"/>
+          </a:fillRef>
+          <a:effectRef idx="0">
+            <a:schemeClr val="accent1"/>
+          </a:effectRef>
+          <a:fontRef idx="minor">
+            <a:schemeClr val="lt1"/>
+          </a:fontRef>
+        </p:style>
+        <p:txBody>
+          <a:bodyPr rtlCol="0" anchor="ctr"/>
+          <a:lstStyle/>
+          <a:p>
+            <a:pPr algn="ctr"/>
+            <a:endParaRPr lang="en-CA"/>
+          </a:p>
+        </p:txBody>
+      </p:sp>
+      <p:sp>
+        <p:nvSpPr>
+          <p:cNvPr id="13" name="Rounded Rectangle 12">
+            <a:extLst>
+              <a:ext uri="{FF2B5EF4-FFF2-40B4-BE49-F238E27FC236}">
+                <a16:creationId xmlns:a16="http://schemas.microsoft.com/office/drawing/2014/main" id="{5E1E06F1-EA5E-0A4B-9046-9AB897AF2081}"/>
+              </a:ext>
+            </a:extLst>
+          </p:cNvPr>
+          <p:cNvSpPr/>
+          <p:nvPr/>
+        </p:nvSpPr>
+        <p:spPr>
+          <a:xfrm>
+            <a:off x="3487412" y="4822976"/>
+            <a:ext cx="1459115" cy="431001"/>
+          </a:xfrm>
+          <a:prstGeom prst="roundRect">
+            <a:avLst/>
+          </a:prstGeom>
+          <a:noFill/>
+          <a:ln w="57150">
+            <a:solidFill>
+              <a:srgbClr val="FF0000"/>
+            </a:solidFill>
+          </a:ln>
+        </p:spPr>
+        <p:style>
+          <a:lnRef idx="2">
+            <a:schemeClr val="accent1">
+              <a:shade val="50000"/>
+            </a:schemeClr>
+          </a:lnRef>
+          <a:fillRef idx="1">
+            <a:schemeClr val="accent1"/>
+          </a:fillRef>
+          <a:effectRef idx="0">
+            <a:schemeClr val="accent1"/>
+          </a:effectRef>
+          <a:fontRef idx="minor">
+            <a:schemeClr val="lt1"/>
+          </a:fontRef>
+        </p:style>
+        <p:txBody>
+          <a:bodyPr rtlCol="0" anchor="ctr"/>
+          <a:lstStyle/>
+          <a:p>
+            <a:pPr algn="ctr"/>
+            <a:endParaRPr lang="en-CA"/>
+          </a:p>
+        </p:txBody>
+      </p:sp>
+      <p:sp>
+        <p:nvSpPr>
+          <p:cNvPr id="14" name="Rectangle 13" descr="Head with Gears">
+            <a:extLst>
+              <a:ext uri="{FF2B5EF4-FFF2-40B4-BE49-F238E27FC236}">
+                <a16:creationId xmlns:a16="http://schemas.microsoft.com/office/drawing/2014/main" id="{72DD27DF-8C8B-434F-A574-A333F52A488E}"/>
+              </a:ext>
+            </a:extLst>
+          </p:cNvPr>
+          <p:cNvSpPr/>
+          <p:nvPr/>
+        </p:nvSpPr>
+        <p:spPr>
+          <a:xfrm>
+            <a:off x="6570597" y="2827422"/>
+            <a:ext cx="1261959" cy="1183741"/>
+          </a:xfrm>
+          <a:prstGeom prst="rect">
+            <a:avLst/>
+          </a:prstGeom>
+          <a:blipFill>
+            <a:blip r:embed="rId3">
+              <a:extLst>
+                <a:ext uri="{28A0092B-C50C-407E-A947-70E740481C1C}">
+                  <a14:useLocalDpi xmlns:a14="http://schemas.microsoft.com/office/drawing/2010/main" val="0"/>
+                </a:ext>
+                <a:ext uri="{96DAC541-7B7A-43D3-8B79-37D633B846F1}">
+                  <asvg:svgBlip xmlns:asvg="http://schemas.microsoft.com/office/drawing/2016/SVG/main" r:embed="rId4"/>
+                </a:ext>
+              </a:extLst>
+            </a:blip>
+            <a:stretch>
+              <a:fillRect/>
+            </a:stretch>
+          </a:blipFill>
+          <a:ln>
+            <a:noFill/>
+          </a:ln>
+        </p:spPr>
+        <p:style>
+          <a:lnRef idx="2">
+            <a:scrgbClr r="0" g="0" b="0"/>
+          </a:lnRef>
+          <a:fillRef idx="1">
+            <a:scrgbClr r="0" g="0" b="0"/>
+          </a:fillRef>
+          <a:effectRef idx="0">
+            <a:schemeClr val="accent5">
+              <a:hueOff val="-6758543"/>
+              <a:satOff val="-17419"/>
+              <a:lumOff val="-11765"/>
+              <a:alphaOff val="0"/>
+            </a:schemeClr>
+          </a:effectRef>
+          <a:fontRef idx="minor">
+            <a:schemeClr val="lt1"/>
+          </a:fontRef>
+        </p:style>
+      </p:sp>
+    </p:spTree>
+    <p:extLst>
+      <p:ext uri="{BB962C8B-B14F-4D97-AF65-F5344CB8AC3E}">
+        <p14:creationId xmlns:p14="http://schemas.microsoft.com/office/powerpoint/2010/main" val="3416463877"/>
+      </p:ext>
+    </p:extLst>
+  </p:cSld>
+  <p:clrMapOvr>
+    <a:masterClrMapping/>
+  </p:clrMapOvr>
+  <p:timing>
+    <p:tnLst>
+      <p:par>
+        <p:cTn id="1" dur="indefinite" restart="never" nodeType="tmRoot">
+          <p:childTnLst>
+            <p:seq concurrent="1" nextAc="seek">
+              <p:cTn id="2" dur="indefinite" nodeType="mainSeq">
+                <p:childTnLst>
+                  <p:par>
+                    <p:cTn id="3" fill="hold">
+                      <p:stCondLst>
+                        <p:cond delay="indefinite"/>
+                      </p:stCondLst>
+                      <p:childTnLst>
+                        <p:par>
+                          <p:cTn id="4" fill="hold">
+                            <p:stCondLst>
+                              <p:cond delay="0"/>
+                            </p:stCondLst>
+                            <p:childTnLst>
+                              <p:par>
+                                <p:cTn id="5" presetID="1" presetClass="entr" presetSubtype="0" fill="hold" nodeType="clickEffect">
+                                  <p:stCondLst>
+                                    <p:cond delay="0"/>
+                                  </p:stCondLst>
+                                  <p:childTnLst>
+                                    <p:set>
+                                      <p:cBhvr>
+                                        <p:cTn id="6" dur="1" fill="hold">
+                                          <p:stCondLst>
+                                            <p:cond delay="0"/>
+                                          </p:stCondLst>
+                                        </p:cTn>
+                                        <p:tgtEl>
+                                          <p:spTgt spid="3">
+                                            <p:txEl>
+                                              <p:pRg st="0" end="0"/>
+                                            </p:txEl>
+                                          </p:spTgt>
+                                        </p:tgtEl>
+                                        <p:attrNameLst>
+                                          <p:attrName>style.visibility</p:attrName>
+                                        </p:attrNameLst>
+                                      </p:cBhvr>
+                                      <p:to>
+                                        <p:strVal val="visible"/>
+                                      </p:to>
+                                    </p:set>
+                                  </p:childTnLst>
+                                </p:cTn>
+                              </p:par>
+                              <p:par>
+                                <p:cTn id="7" presetID="1" presetClass="entr" presetSubtype="0" fill="hold" nodeType="withEffect">
+                                  <p:stCondLst>
+                                    <p:cond delay="0"/>
+                                  </p:stCondLst>
+                                  <p:childTnLst>
+                                    <p:set>
+                                      <p:cBhvr>
+                                        <p:cTn id="8" dur="1" fill="hold">
+                                          <p:stCondLst>
+                                            <p:cond delay="0"/>
+                                          </p:stCondLst>
+                                        </p:cTn>
+                                        <p:tgtEl>
+                                          <p:spTgt spid="3">
+                                            <p:txEl>
+                                              <p:pRg st="1" end="1"/>
+                                            </p:txEl>
+                                          </p:spTgt>
+                                        </p:tgtEl>
+                                        <p:attrNameLst>
+                                          <p:attrName>style.visibility</p:attrName>
+                                        </p:attrNameLst>
+                                      </p:cBhvr>
+                                      <p:to>
+                                        <p:strVal val="visible"/>
+                                      </p:to>
+                                    </p:set>
+                                  </p:childTnLst>
+                                </p:cTn>
+                              </p:par>
+                              <p:par>
+                                <p:cTn id="9" presetID="1" presetClass="entr" presetSubtype="0" fill="hold" nodeType="withEffect">
+                                  <p:stCondLst>
+                                    <p:cond delay="0"/>
+                                  </p:stCondLst>
+                                  <p:childTnLst>
+                                    <p:set>
+                                      <p:cBhvr>
+                                        <p:cTn id="10" dur="1" fill="hold">
+                                          <p:stCondLst>
+                                            <p:cond delay="0"/>
+                                          </p:stCondLst>
+                                        </p:cTn>
+                                        <p:tgtEl>
+                                          <p:spTgt spid="3">
+                                            <p:txEl>
+                                              <p:pRg st="2" end="2"/>
+                                            </p:txEl>
+                                          </p:spTgt>
+                                        </p:tgtEl>
+                                        <p:attrNameLst>
+                                          <p:attrName>style.visibility</p:attrName>
+                                        </p:attrNameLst>
+                                      </p:cBhvr>
+                                      <p:to>
+                                        <p:strVal val="visible"/>
+                                      </p:to>
+                                    </p:set>
+                                  </p:childTnLst>
+                                </p:cTn>
+                              </p:par>
+                              <p:par>
+                                <p:cTn id="11" presetID="1" presetClass="entr" presetSubtype="0" fill="hold" nodeType="withEffect">
+                                  <p:stCondLst>
+                                    <p:cond delay="0"/>
+                                  </p:stCondLst>
+                                  <p:childTnLst>
+                                    <p:set>
+                                      <p:cBhvr>
+                                        <p:cTn id="12" dur="1" fill="hold">
+                                          <p:stCondLst>
+                                            <p:cond delay="0"/>
+                                          </p:stCondLst>
+                                        </p:cTn>
+                                        <p:tgtEl>
+                                          <p:spTgt spid="3">
+                                            <p:txEl>
+                                              <p:pRg st="3" end="3"/>
+                                            </p:txEl>
+                                          </p:spTgt>
+                                        </p:tgtEl>
+                                        <p:attrNameLst>
+                                          <p:attrName>style.visibility</p:attrName>
+                                        </p:attrNameLst>
+                                      </p:cBhvr>
+                                      <p:to>
+                                        <p:strVal val="visible"/>
+                                      </p:to>
+                                    </p:set>
+                                  </p:childTnLst>
+                                </p:cTn>
+                              </p:par>
+                            </p:childTnLst>
+                          </p:cTn>
+                        </p:par>
+                      </p:childTnLst>
+                    </p:cTn>
+                  </p:par>
+                  <p:par>
+                    <p:cTn id="13" fill="hold">
+                      <p:stCondLst>
+                        <p:cond delay="indefinite"/>
+                      </p:stCondLst>
+                      <p:childTnLst>
+                        <p:par>
+                          <p:cTn id="14" fill="hold">
+                            <p:stCondLst>
+                              <p:cond delay="0"/>
+                            </p:stCondLst>
+                            <p:childTnLst>
+                              <p:par>
+                                <p:cTn id="15" presetID="1" presetClass="entr" presetSubtype="0" fill="hold" nodeType="clickEffect">
+                                  <p:stCondLst>
+                                    <p:cond delay="0"/>
+                                  </p:stCondLst>
+                                  <p:childTnLst>
+                                    <p:set>
+                                      <p:cBhvr>
+                                        <p:cTn id="16" dur="1" fill="hold">
+                                          <p:stCondLst>
+                                            <p:cond delay="0"/>
+                                          </p:stCondLst>
+                                        </p:cTn>
+                                        <p:tgtEl>
+                                          <p:spTgt spid="17"/>
+                                        </p:tgtEl>
+                                        <p:attrNameLst>
+                                          <p:attrName>style.visibility</p:attrName>
+                                        </p:attrNameLst>
+                                      </p:cBhvr>
+                                      <p:to>
+                                        <p:strVal val="visible"/>
+                                      </p:to>
+                                    </p:set>
+                                  </p:childTnLst>
+                                </p:cTn>
+                              </p:par>
+                            </p:childTnLst>
+                          </p:cTn>
+                        </p:par>
+                      </p:childTnLst>
+                    </p:cTn>
+                  </p:par>
+                  <p:par>
+                    <p:cTn id="17" fill="hold">
+                      <p:stCondLst>
+                        <p:cond delay="indefinite"/>
+                      </p:stCondLst>
+                      <p:childTnLst>
+                        <p:par>
+                          <p:cTn id="18" fill="hold">
+                            <p:stCondLst>
+                              <p:cond delay="0"/>
+                            </p:stCondLst>
+                            <p:childTnLst>
+                              <p:par>
+                                <p:cTn id="19" presetID="1" presetClass="entr" presetSubtype="0" fill="hold" grpId="0" nodeType="clickEffect">
+                                  <p:stCondLst>
+                                    <p:cond delay="0"/>
+                                  </p:stCondLst>
+                                  <p:childTnLst>
+                                    <p:set>
+                                      <p:cBhvr>
+                                        <p:cTn id="20" dur="1" fill="hold">
+                                          <p:stCondLst>
+                                            <p:cond delay="0"/>
+                                          </p:stCondLst>
+                                        </p:cTn>
+                                        <p:tgtEl>
+                                          <p:spTgt spid="11"/>
+                                        </p:tgtEl>
+                                        <p:attrNameLst>
+                                          <p:attrName>style.visibility</p:attrName>
+                                        </p:attrNameLst>
+                                      </p:cBhvr>
+                                      <p:to>
+                                        <p:strVal val="visible"/>
+                                      </p:to>
+                                    </p:set>
+                                  </p:childTnLst>
+                                </p:cTn>
+                              </p:par>
+                            </p:childTnLst>
+                          </p:cTn>
+                        </p:par>
+                      </p:childTnLst>
+                    </p:cTn>
+                  </p:par>
+                  <p:par>
+                    <p:cTn id="21" fill="hold">
+                      <p:stCondLst>
+                        <p:cond delay="indefinite"/>
+                      </p:stCondLst>
+                      <p:childTnLst>
+                        <p:par>
+                          <p:cTn id="22" fill="hold">
+                            <p:stCondLst>
+                              <p:cond delay="0"/>
+                            </p:stCondLst>
+                            <p:childTnLst>
+                              <p:par>
+                                <p:cTn id="23" presetID="1" presetClass="entr" presetSubtype="0" fill="hold" grpId="0" nodeType="clickEffect">
+                                  <p:stCondLst>
+                                    <p:cond delay="0"/>
+                                  </p:stCondLst>
+                                  <p:childTnLst>
+                                    <p:set>
+                                      <p:cBhvr>
+                                        <p:cTn id="24" dur="1" fill="hold">
+                                          <p:stCondLst>
+                                            <p:cond delay="0"/>
+                                          </p:stCondLst>
+                                        </p:cTn>
+                                        <p:tgtEl>
+                                          <p:spTgt spid="12"/>
+                                        </p:tgtEl>
+                                        <p:attrNameLst>
+                                          <p:attrName>style.visibility</p:attrName>
+                                        </p:attrNameLst>
+                                      </p:cBhvr>
+                                      <p:to>
+                                        <p:strVal val="visible"/>
+                                      </p:to>
+                                    </p:set>
+                                  </p:childTnLst>
+                                </p:cTn>
+                              </p:par>
+                            </p:childTnLst>
+                          </p:cTn>
+                        </p:par>
+                      </p:childTnLst>
+                    </p:cTn>
+                  </p:par>
+                  <p:par>
+                    <p:cTn id="25" fill="hold">
+                      <p:stCondLst>
+                        <p:cond delay="indefinite"/>
+                      </p:stCondLst>
+                      <p:childTnLst>
+                        <p:par>
+                          <p:cTn id="26" fill="hold">
+                            <p:stCondLst>
+                              <p:cond delay="0"/>
+                            </p:stCondLst>
+                            <p:childTnLst>
+                              <p:par>
+                                <p:cTn id="27" presetID="1" presetClass="entr" presetSubtype="0" fill="hold" grpId="0" nodeType="clickEffect">
+                                  <p:stCondLst>
+                                    <p:cond delay="0"/>
+                                  </p:stCondLst>
+                                  <p:childTnLst>
+                                    <p:set>
+                                      <p:cBhvr>
+                                        <p:cTn id="28" dur="1" fill="hold">
+                                          <p:stCondLst>
+                                            <p:cond delay="0"/>
+                                          </p:stCondLst>
+                                        </p:cTn>
+                                        <p:tgtEl>
+                                          <p:spTgt spid="13"/>
+                                        </p:tgtEl>
+                                        <p:attrNameLst>
+                                          <p:attrName>style.visibility</p:attrName>
+                                        </p:attrNameLst>
+                                      </p:cBhvr>
+                                      <p:to>
+                                        <p:strVal val="visible"/>
+                                      </p:to>
+                                    </p:set>
+                                  </p:childTnLst>
+                                </p:cTn>
+                              </p:par>
+                            </p:childTnLst>
+                          </p:cTn>
+                        </p:par>
+                      </p:childTnLst>
+                    </p:cTn>
+                  </p:par>
+                </p:childTnLst>
+              </p:cTn>
+              <p:prevCondLst>
+                <p:cond evt="onPrev" delay="0">
+                  <p:tgtEl>
+                    <p:sldTgt/>
+                  </p:tgtEl>
+                </p:cond>
+              </p:prevCondLst>
+              <p:nextCondLst>
+                <p:cond evt="onNext" delay="0">
+                  <p:tgtEl>
+                    <p:sldTgt/>
+                  </p:tgtEl>
+                </p:cond>
+              </p:nextCondLst>
+            </p:seq>
+          </p:childTnLst>
+        </p:cTn>
+      </p:par>
+    </p:tnLst>
+    <p:bldLst>
+      <p:bldP spid="11" grpId="0" animBg="1"/>
+      <p:bldP spid="12" grpId="0" animBg="1"/>
+      <p:bldP spid="13" grpId="0" animBg="1"/>
+    </p:bldLst>
+  </p:timing>
+</p:sld>
+</file>
+
+<file path=ppt/slides/slide16.xml><?xml version="1.0" encoding="utf-8"?>
+<p:sld xmlns:a="http://schemas.openxmlformats.org/drawingml/2006/main" xmlns:r="http://schemas.openxmlformats.org/officeDocument/2006/relationships" xmlns:p="http://schemas.openxmlformats.org/presentationml/2006/main">
+  <p:cSld>
+    <p:bg>
+      <p:bgPr>
+        <a:solidFill>
+          <a:schemeClr val="bg1"/>
+        </a:solidFill>
+        <a:effectLst/>
+      </p:bgPr>
+    </p:bg>
+    <p:spTree>
+      <p:nvGrpSpPr>
+        <p:cNvPr id="1" name=""/>
+        <p:cNvGrpSpPr/>
+        <p:nvPr/>
+      </p:nvGrpSpPr>
+      <p:grpSpPr>
+        <a:xfrm>
+          <a:off x="0" y="0"/>
+          <a:ext cx="0" cy="0"/>
+          <a:chOff x="0" y="0"/>
+          <a:chExt cx="0" cy="0"/>
+        </a:xfrm>
+      </p:grpSpPr>
+      <p:sp>
+        <p:nvSpPr>
+          <p:cNvPr id="2" name="Title 1">
+            <a:extLst>
+              <a:ext uri="{FF2B5EF4-FFF2-40B4-BE49-F238E27FC236}">
+                <a16:creationId xmlns:a16="http://schemas.microsoft.com/office/drawing/2014/main" id="{D566A1A7-70FC-5542-99A5-7591E34B57D8}"/>
+              </a:ext>
+            </a:extLst>
+          </p:cNvPr>
+          <p:cNvSpPr>
+            <a:spLocks noGrp="1"/>
+          </p:cNvSpPr>
+          <p:nvPr>
+            <p:ph type="title"/>
+          </p:nvPr>
+        </p:nvSpPr>
+        <p:spPr>
+          <a:xfrm>
+            <a:off x="840699" y="687480"/>
+            <a:ext cx="5605629" cy="994172"/>
+          </a:xfrm>
+        </p:spPr>
+        <p:txBody>
+          <a:bodyPr>
+            <a:normAutofit/>
+          </a:bodyPr>
+          <a:lstStyle/>
+          <a:p>
+            <a:r>
+              <a:rPr lang="en-US" sz="3850" b="1" dirty="0">
+                <a:latin typeface="Arial Black" panose="020B0604020202020204" pitchFamily="34" charset="0"/>
+                <a:cs typeface="Arial Black" panose="020B0604020202020204" pitchFamily="34" charset="0"/>
+              </a:rPr>
+              <a:t>Conclusions</a:t>
+            </a:r>
+            <a:endParaRPr lang="en-CA" sz="3850" dirty="0"/>
+          </a:p>
+        </p:txBody>
+      </p:sp>
+      <p:sp>
+        <p:nvSpPr>
+          <p:cNvPr id="3" name="Content Placeholder 2">
+            <a:extLst>
+              <a:ext uri="{FF2B5EF4-FFF2-40B4-BE49-F238E27FC236}">
+                <a16:creationId xmlns:a16="http://schemas.microsoft.com/office/drawing/2014/main" id="{E0D7DAB2-60C0-7E4D-9F1A-669C53F6B1C8}"/>
+              </a:ext>
+            </a:extLst>
+          </p:cNvPr>
+          <p:cNvSpPr>
+            <a:spLocks noGrp="1"/>
+          </p:cNvSpPr>
+          <p:nvPr>
+            <p:ph idx="1"/>
+          </p:nvPr>
+        </p:nvSpPr>
+        <p:spPr>
+          <a:xfrm>
+            <a:off x="852321" y="2143719"/>
+            <a:ext cx="5605629" cy="3788227"/>
+          </a:xfrm>
+        </p:spPr>
+        <p:txBody>
+          <a:bodyPr anchor="t">
+            <a:normAutofit fontScale="92500" lnSpcReduction="20000"/>
+          </a:bodyPr>
+          <a:lstStyle/>
+          <a:p>
+            <a:r>
+              <a:rPr lang="en-CA" sz="2100" dirty="0"/>
+              <a:t>Both Logistic and Decision Tree models identify that the following parameters are highly associated with the risk of heart disease :</a:t>
+            </a:r>
+          </a:p>
+          <a:p>
+            <a:pPr lvl="1"/>
+            <a:r>
+              <a:rPr lang="en-CA" sz="1700" dirty="0"/>
+              <a:t>thal2 : fixed defect</a:t>
+            </a:r>
+          </a:p>
+          <a:p>
+            <a:pPr lvl="1"/>
+            <a:r>
+              <a:rPr lang="en-CA" sz="1700" dirty="0"/>
+              <a:t>cp0 :  typical angina – chest pain</a:t>
+            </a:r>
+          </a:p>
+          <a:p>
+            <a:pPr lvl="1"/>
+            <a:r>
+              <a:rPr lang="en-CA" sz="1700" dirty="0"/>
+              <a:t>ca  : small number of major vessels</a:t>
+            </a:r>
+          </a:p>
+          <a:p>
+            <a:r>
+              <a:rPr lang="en-CA" sz="2100" dirty="0"/>
+              <a:t>This is in accordance with the raw analysis of the data.</a:t>
+            </a:r>
+          </a:p>
+          <a:p>
+            <a:r>
+              <a:rPr lang="en-CA" sz="2100" dirty="0"/>
+              <a:t>It is possible to build a reliable model for the prediction of heart disease from the data (0.9)</a:t>
+            </a:r>
+          </a:p>
+          <a:p>
+            <a:r>
+              <a:rPr lang="en-CA" sz="2100" dirty="0"/>
+              <a:t>With a decision tree graph an insurance broker could easily predict the risk of heart disease from three parameters.</a:t>
+            </a:r>
+          </a:p>
+          <a:p>
+            <a:r>
+              <a:rPr lang="en-CA" sz="2100" dirty="0"/>
+              <a:t>A more advanced model could be built … but we need </a:t>
+            </a:r>
+            <a:r>
+              <a:rPr lang="en-CA" sz="2100"/>
+              <a:t>another mandate $$$</a:t>
+            </a:r>
+            <a:endParaRPr lang="en-CA" sz="2100" dirty="0"/>
+          </a:p>
+          <a:p>
+            <a:endParaRPr lang="en-CA" sz="2500" dirty="0"/>
+          </a:p>
+          <a:p>
+            <a:endParaRPr lang="en-CA" sz="2100" dirty="0"/>
+          </a:p>
+        </p:txBody>
+      </p:sp>
+      <p:sp>
+        <p:nvSpPr>
+          <p:cNvPr id="137" name="Rectangle 136">
+            <a:extLst>
+              <a:ext uri="{FF2B5EF4-FFF2-40B4-BE49-F238E27FC236}">
+                <a16:creationId xmlns:a16="http://schemas.microsoft.com/office/drawing/2014/main" id="{59A309A7-1751-4ABE-A3C1-EEC40366AD89}"/>
+              </a:ext>
+              <a:ext uri="{C183D7F6-B498-43B3-948B-1728B52AA6E4}">
+                <adec:decorative xmlns:adec="http://schemas.microsoft.com/office/drawing/2017/decorative" val="1"/>
+              </a:ext>
+            </a:extLst>
+          </p:cNvPr>
+          <p:cNvSpPr>
+            <a:spLocks noGrp="1" noRot="1" noChangeAspect="1" noMove="1" noResize="1" noEditPoints="1" noAdjustHandles="1" noChangeArrowheads="1" noChangeShapeType="1" noTextEdit="1"/>
+          </p:cNvSpPr>
+          <p:nvPr>
+            <p:extLst>
+              <p:ext uri="{386F3935-93C4-4BCD-93E2-E3B085C9AB24}">
+                <p16:designElem xmlns:p16="http://schemas.microsoft.com/office/powerpoint/2015/main" val="1"/>
+              </p:ext>
+            </p:extLst>
+          </p:nvPr>
+        </p:nvSpPr>
+        <p:spPr>
+          <a:xfrm>
+            <a:off x="7189435" y="0"/>
+            <a:ext cx="1954565" cy="6858000"/>
+          </a:xfrm>
+          <a:prstGeom prst="rect">
+            <a:avLst/>
+          </a:prstGeom>
+          <a:solidFill>
+            <a:schemeClr val="accent1"/>
+          </a:solidFill>
+          <a:ln>
+            <a:noFill/>
+          </a:ln>
+        </p:spPr>
+        <p:style>
+          <a:lnRef idx="2">
+            <a:schemeClr val="accent1">
+              <a:shade val="50000"/>
+            </a:schemeClr>
+          </a:lnRef>
+          <a:fillRef idx="1">
+            <a:schemeClr val="accent1"/>
+          </a:fillRef>
+          <a:effectRef idx="0">
+            <a:schemeClr val="accent1"/>
+          </a:effectRef>
+          <a:fontRef idx="minor">
+            <a:schemeClr val="lt1"/>
+          </a:fontRef>
+        </p:style>
+        <p:txBody>
+          <a:bodyPr rtlCol="0" anchor="ctr"/>
+          <a:lstStyle/>
+          <a:p>
+            <a:pPr algn="ctr"/>
+            <a:endParaRPr lang="en-US" sz="1350"/>
+          </a:p>
+        </p:txBody>
+      </p:sp>
+      <p:sp>
+        <p:nvSpPr>
+          <p:cNvPr id="139" name="Oval 138">
+            <a:extLst>
+              <a:ext uri="{FF2B5EF4-FFF2-40B4-BE49-F238E27FC236}">
+                <a16:creationId xmlns:a16="http://schemas.microsoft.com/office/drawing/2014/main" id="{967D8EB6-EAE1-4F9C-B398-83321E287204}"/>
+              </a:ext>
+              <a:ext uri="{C183D7F6-B498-43B3-948B-1728B52AA6E4}">
+                <adec:decorative xmlns:adec="http://schemas.microsoft.com/office/drawing/2017/decorative" val="1"/>
+              </a:ext>
+            </a:extLst>
+          </p:cNvPr>
+          <p:cNvSpPr>
+            <a:spLocks noGrp="1" noRot="1" noChangeAspect="1" noMove="1" noResize="1" noEditPoints="1" noAdjustHandles="1" noChangeArrowheads="1" noChangeShapeType="1" noTextEdit="1"/>
+          </p:cNvSpPr>
+          <p:nvPr>
+            <p:extLst>
+              <p:ext uri="{386F3935-93C4-4BCD-93E2-E3B085C9AB24}">
+                <p16:designElem xmlns:p16="http://schemas.microsoft.com/office/powerpoint/2015/main" val="1"/>
+              </p:ext>
+            </p:extLst>
+          </p:nvPr>
+        </p:nvSpPr>
+        <p:spPr>
+          <a:xfrm>
+            <a:off x="6129567" y="2369132"/>
+            <a:ext cx="2119736" cy="2119736"/>
+          </a:xfrm>
+          <a:prstGeom prst="ellipse">
+            <a:avLst/>
+          </a:prstGeom>
+          <a:solidFill>
+            <a:srgbClr val="FFFFFF"/>
+          </a:solidFill>
+          <a:ln w="22225">
+            <a:solidFill>
+              <a:schemeClr val="accent1"/>
+            </a:solidFill>
+          </a:ln>
+        </p:spPr>
+        <p:style>
+          <a:lnRef idx="2">
+            <a:schemeClr val="accent1">
+              <a:shade val="50000"/>
+            </a:schemeClr>
+          </a:lnRef>
+          <a:fillRef idx="1">
+            <a:schemeClr val="accent1"/>
+          </a:fillRef>
+          <a:effectRef idx="0">
+            <a:schemeClr val="accent1"/>
+          </a:effectRef>
+          <a:fontRef idx="minor">
+            <a:schemeClr val="lt1"/>
+          </a:fontRef>
+        </p:style>
+        <p:txBody>
+          <a:bodyPr rtlCol="0" anchor="ctr"/>
+          <a:lstStyle/>
+          <a:p>
+            <a:pPr algn="ctr"/>
+            <a:endParaRPr lang="en-US" sz="1350"/>
+          </a:p>
+        </p:txBody>
+      </p:sp>
+      <p:pic>
+        <p:nvPicPr>
+          <p:cNvPr id="5124" name="Picture 4" descr="Image result for conclusion icon png">
+            <a:extLst>
+              <a:ext uri="{FF2B5EF4-FFF2-40B4-BE49-F238E27FC236}">
+                <a16:creationId xmlns:a16="http://schemas.microsoft.com/office/drawing/2014/main" id="{58D4CFD8-63C7-8142-830B-5D1413277584}"/>
+              </a:ext>
+            </a:extLst>
+          </p:cNvPr>
+          <p:cNvPicPr>
+            <a:picLocks noChangeAspect="1" noChangeArrowheads="1"/>
+          </p:cNvPicPr>
+          <p:nvPr/>
+        </p:nvPicPr>
+        <p:blipFill>
+          <a:blip r:embed="rId2">
             <a:extLst>
               <a:ext uri="{28A0092B-C50C-407E-A947-70E740481C1C}">
                 <a14:useLocalDpi xmlns:a14="http://schemas.microsoft.com/office/drawing/2010/main" val="0"/>
@@ -8983,7 +11843,461 @@
     </p:spTree>
     <p:extLst>
       <p:ext uri="{BB962C8B-B14F-4D97-AF65-F5344CB8AC3E}">
-        <p14:creationId xmlns:p14="http://schemas.microsoft.com/office/powerpoint/2010/main" val="3433558311"/>
+        <p14:creationId xmlns:p14="http://schemas.microsoft.com/office/powerpoint/2010/main" val="2590165938"/>
+      </p:ext>
+    </p:extLst>
+  </p:cSld>
+  <p:clrMapOvr>
+    <a:masterClrMapping/>
+  </p:clrMapOvr>
+  <p:timing>
+    <p:tnLst>
+      <p:par>
+        <p:cTn id="1" dur="indefinite" restart="never" nodeType="tmRoot">
+          <p:childTnLst>
+            <p:seq concurrent="1" nextAc="seek">
+              <p:cTn id="2" dur="indefinite" nodeType="mainSeq">
+                <p:childTnLst>
+                  <p:par>
+                    <p:cTn id="3" fill="hold">
+                      <p:stCondLst>
+                        <p:cond delay="indefinite"/>
+                      </p:stCondLst>
+                      <p:childTnLst>
+                        <p:par>
+                          <p:cTn id="4" fill="hold">
+                            <p:stCondLst>
+                              <p:cond delay="0"/>
+                            </p:stCondLst>
+                            <p:childTnLst>
+                              <p:par>
+                                <p:cTn id="5" presetID="1" presetClass="entr" presetSubtype="0" fill="hold" nodeType="clickEffect">
+                                  <p:stCondLst>
+                                    <p:cond delay="0"/>
+                                  </p:stCondLst>
+                                  <p:childTnLst>
+                                    <p:set>
+                                      <p:cBhvr>
+                                        <p:cTn id="6" dur="1" fill="hold">
+                                          <p:stCondLst>
+                                            <p:cond delay="0"/>
+                                          </p:stCondLst>
+                                        </p:cTn>
+                                        <p:tgtEl>
+                                          <p:spTgt spid="3">
+                                            <p:txEl>
+                                              <p:pRg st="0" end="0"/>
+                                            </p:txEl>
+                                          </p:spTgt>
+                                        </p:tgtEl>
+                                        <p:attrNameLst>
+                                          <p:attrName>style.visibility</p:attrName>
+                                        </p:attrNameLst>
+                                      </p:cBhvr>
+                                      <p:to>
+                                        <p:strVal val="visible"/>
+                                      </p:to>
+                                    </p:set>
+                                  </p:childTnLst>
+                                </p:cTn>
+                              </p:par>
+                              <p:par>
+                                <p:cTn id="7" presetID="1" presetClass="entr" presetSubtype="0" fill="hold" nodeType="withEffect">
+                                  <p:stCondLst>
+                                    <p:cond delay="0"/>
+                                  </p:stCondLst>
+                                  <p:childTnLst>
+                                    <p:set>
+                                      <p:cBhvr>
+                                        <p:cTn id="8" dur="1" fill="hold">
+                                          <p:stCondLst>
+                                            <p:cond delay="0"/>
+                                          </p:stCondLst>
+                                        </p:cTn>
+                                        <p:tgtEl>
+                                          <p:spTgt spid="3">
+                                            <p:txEl>
+                                              <p:pRg st="1" end="1"/>
+                                            </p:txEl>
+                                          </p:spTgt>
+                                        </p:tgtEl>
+                                        <p:attrNameLst>
+                                          <p:attrName>style.visibility</p:attrName>
+                                        </p:attrNameLst>
+                                      </p:cBhvr>
+                                      <p:to>
+                                        <p:strVal val="visible"/>
+                                      </p:to>
+                                    </p:set>
+                                  </p:childTnLst>
+                                </p:cTn>
+                              </p:par>
+                              <p:par>
+                                <p:cTn id="9" presetID="1" presetClass="entr" presetSubtype="0" fill="hold" nodeType="withEffect">
+                                  <p:stCondLst>
+                                    <p:cond delay="0"/>
+                                  </p:stCondLst>
+                                  <p:childTnLst>
+                                    <p:set>
+                                      <p:cBhvr>
+                                        <p:cTn id="10" dur="1" fill="hold">
+                                          <p:stCondLst>
+                                            <p:cond delay="0"/>
+                                          </p:stCondLst>
+                                        </p:cTn>
+                                        <p:tgtEl>
+                                          <p:spTgt spid="3">
+                                            <p:txEl>
+                                              <p:pRg st="2" end="2"/>
+                                            </p:txEl>
+                                          </p:spTgt>
+                                        </p:tgtEl>
+                                        <p:attrNameLst>
+                                          <p:attrName>style.visibility</p:attrName>
+                                        </p:attrNameLst>
+                                      </p:cBhvr>
+                                      <p:to>
+                                        <p:strVal val="visible"/>
+                                      </p:to>
+                                    </p:set>
+                                  </p:childTnLst>
+                                </p:cTn>
+                              </p:par>
+                              <p:par>
+                                <p:cTn id="11" presetID="1" presetClass="entr" presetSubtype="0" fill="hold" nodeType="withEffect">
+                                  <p:stCondLst>
+                                    <p:cond delay="0"/>
+                                  </p:stCondLst>
+                                  <p:childTnLst>
+                                    <p:set>
+                                      <p:cBhvr>
+                                        <p:cTn id="12" dur="1" fill="hold">
+                                          <p:stCondLst>
+                                            <p:cond delay="0"/>
+                                          </p:stCondLst>
+                                        </p:cTn>
+                                        <p:tgtEl>
+                                          <p:spTgt spid="3">
+                                            <p:txEl>
+                                              <p:pRg st="3" end="3"/>
+                                            </p:txEl>
+                                          </p:spTgt>
+                                        </p:tgtEl>
+                                        <p:attrNameLst>
+                                          <p:attrName>style.visibility</p:attrName>
+                                        </p:attrNameLst>
+                                      </p:cBhvr>
+                                      <p:to>
+                                        <p:strVal val="visible"/>
+                                      </p:to>
+                                    </p:set>
+                                  </p:childTnLst>
+                                </p:cTn>
+                              </p:par>
+                            </p:childTnLst>
+                          </p:cTn>
+                        </p:par>
+                      </p:childTnLst>
+                    </p:cTn>
+                  </p:par>
+                  <p:par>
+                    <p:cTn id="13" fill="hold">
+                      <p:stCondLst>
+                        <p:cond delay="indefinite"/>
+                      </p:stCondLst>
+                      <p:childTnLst>
+                        <p:par>
+                          <p:cTn id="14" fill="hold">
+                            <p:stCondLst>
+                              <p:cond delay="0"/>
+                            </p:stCondLst>
+                            <p:childTnLst>
+                              <p:par>
+                                <p:cTn id="15" presetID="1" presetClass="entr" presetSubtype="0" fill="hold" nodeType="clickEffect">
+                                  <p:stCondLst>
+                                    <p:cond delay="0"/>
+                                  </p:stCondLst>
+                                  <p:childTnLst>
+                                    <p:set>
+                                      <p:cBhvr>
+                                        <p:cTn id="16" dur="1" fill="hold">
+                                          <p:stCondLst>
+                                            <p:cond delay="0"/>
+                                          </p:stCondLst>
+                                        </p:cTn>
+                                        <p:tgtEl>
+                                          <p:spTgt spid="3">
+                                            <p:txEl>
+                                              <p:pRg st="4" end="4"/>
+                                            </p:txEl>
+                                          </p:spTgt>
+                                        </p:tgtEl>
+                                        <p:attrNameLst>
+                                          <p:attrName>style.visibility</p:attrName>
+                                        </p:attrNameLst>
+                                      </p:cBhvr>
+                                      <p:to>
+                                        <p:strVal val="visible"/>
+                                      </p:to>
+                                    </p:set>
+                                  </p:childTnLst>
+                                </p:cTn>
+                              </p:par>
+                            </p:childTnLst>
+                          </p:cTn>
+                        </p:par>
+                      </p:childTnLst>
+                    </p:cTn>
+                  </p:par>
+                  <p:par>
+                    <p:cTn id="17" fill="hold">
+                      <p:stCondLst>
+                        <p:cond delay="indefinite"/>
+                      </p:stCondLst>
+                      <p:childTnLst>
+                        <p:par>
+                          <p:cTn id="18" fill="hold">
+                            <p:stCondLst>
+                              <p:cond delay="0"/>
+                            </p:stCondLst>
+                            <p:childTnLst>
+                              <p:par>
+                                <p:cTn id="19" presetID="1" presetClass="entr" presetSubtype="0" fill="hold" nodeType="clickEffect">
+                                  <p:stCondLst>
+                                    <p:cond delay="0"/>
+                                  </p:stCondLst>
+                                  <p:childTnLst>
+                                    <p:set>
+                                      <p:cBhvr>
+                                        <p:cTn id="20" dur="1" fill="hold">
+                                          <p:stCondLst>
+                                            <p:cond delay="0"/>
+                                          </p:stCondLst>
+                                        </p:cTn>
+                                        <p:tgtEl>
+                                          <p:spTgt spid="3">
+                                            <p:txEl>
+                                              <p:pRg st="5" end="5"/>
+                                            </p:txEl>
+                                          </p:spTgt>
+                                        </p:tgtEl>
+                                        <p:attrNameLst>
+                                          <p:attrName>style.visibility</p:attrName>
+                                        </p:attrNameLst>
+                                      </p:cBhvr>
+                                      <p:to>
+                                        <p:strVal val="visible"/>
+                                      </p:to>
+                                    </p:set>
+                                  </p:childTnLst>
+                                </p:cTn>
+                              </p:par>
+                            </p:childTnLst>
+                          </p:cTn>
+                        </p:par>
+                      </p:childTnLst>
+                    </p:cTn>
+                  </p:par>
+                  <p:par>
+                    <p:cTn id="21" fill="hold">
+                      <p:stCondLst>
+                        <p:cond delay="indefinite"/>
+                      </p:stCondLst>
+                      <p:childTnLst>
+                        <p:par>
+                          <p:cTn id="22" fill="hold">
+                            <p:stCondLst>
+                              <p:cond delay="0"/>
+                            </p:stCondLst>
+                            <p:childTnLst>
+                              <p:par>
+                                <p:cTn id="23" presetID="1" presetClass="entr" presetSubtype="0" fill="hold" nodeType="clickEffect">
+                                  <p:stCondLst>
+                                    <p:cond delay="0"/>
+                                  </p:stCondLst>
+                                  <p:childTnLst>
+                                    <p:set>
+                                      <p:cBhvr>
+                                        <p:cTn id="24" dur="1" fill="hold">
+                                          <p:stCondLst>
+                                            <p:cond delay="0"/>
+                                          </p:stCondLst>
+                                        </p:cTn>
+                                        <p:tgtEl>
+                                          <p:spTgt spid="3">
+                                            <p:txEl>
+                                              <p:pRg st="6" end="6"/>
+                                            </p:txEl>
+                                          </p:spTgt>
+                                        </p:tgtEl>
+                                        <p:attrNameLst>
+                                          <p:attrName>style.visibility</p:attrName>
+                                        </p:attrNameLst>
+                                      </p:cBhvr>
+                                      <p:to>
+                                        <p:strVal val="visible"/>
+                                      </p:to>
+                                    </p:set>
+                                  </p:childTnLst>
+                                </p:cTn>
+                              </p:par>
+                            </p:childTnLst>
+                          </p:cTn>
+                        </p:par>
+                      </p:childTnLst>
+                    </p:cTn>
+                  </p:par>
+                  <p:par>
+                    <p:cTn id="25" fill="hold">
+                      <p:stCondLst>
+                        <p:cond delay="indefinite"/>
+                      </p:stCondLst>
+                      <p:childTnLst>
+                        <p:par>
+                          <p:cTn id="26" fill="hold">
+                            <p:stCondLst>
+                              <p:cond delay="0"/>
+                            </p:stCondLst>
+                            <p:childTnLst>
+                              <p:par>
+                                <p:cTn id="27" presetID="1" presetClass="entr" presetSubtype="0" fill="hold" nodeType="clickEffect">
+                                  <p:stCondLst>
+                                    <p:cond delay="0"/>
+                                  </p:stCondLst>
+                                  <p:childTnLst>
+                                    <p:set>
+                                      <p:cBhvr>
+                                        <p:cTn id="28" dur="1" fill="hold">
+                                          <p:stCondLst>
+                                            <p:cond delay="0"/>
+                                          </p:stCondLst>
+                                        </p:cTn>
+                                        <p:tgtEl>
+                                          <p:spTgt spid="3">
+                                            <p:txEl>
+                                              <p:pRg st="7" end="7"/>
+                                            </p:txEl>
+                                          </p:spTgt>
+                                        </p:tgtEl>
+                                        <p:attrNameLst>
+                                          <p:attrName>style.visibility</p:attrName>
+                                        </p:attrNameLst>
+                                      </p:cBhvr>
+                                      <p:to>
+                                        <p:strVal val="visible"/>
+                                      </p:to>
+                                    </p:set>
+                                  </p:childTnLst>
+                                </p:cTn>
+                              </p:par>
+                            </p:childTnLst>
+                          </p:cTn>
+                        </p:par>
+                      </p:childTnLst>
+                    </p:cTn>
+                  </p:par>
+                </p:childTnLst>
+              </p:cTn>
+              <p:prevCondLst>
+                <p:cond evt="onPrev" delay="0">
+                  <p:tgtEl>
+                    <p:sldTgt/>
+                  </p:tgtEl>
+                </p:cond>
+              </p:prevCondLst>
+              <p:nextCondLst>
+                <p:cond evt="onNext" delay="0">
+                  <p:tgtEl>
+                    <p:sldTgt/>
+                  </p:tgtEl>
+                </p:cond>
+              </p:nextCondLst>
+            </p:seq>
+          </p:childTnLst>
+        </p:cTn>
+      </p:par>
+    </p:tnLst>
+  </p:timing>
+</p:sld>
+</file>
+
+<file path=ppt/slides/slide17.xml><?xml version="1.0" encoding="utf-8"?>
+<p:sld xmlns:a="http://schemas.openxmlformats.org/drawingml/2006/main" xmlns:r="http://schemas.openxmlformats.org/officeDocument/2006/relationships" xmlns:p="http://schemas.openxmlformats.org/presentationml/2006/main">
+  <p:cSld>
+    <p:spTree>
+      <p:nvGrpSpPr>
+        <p:cNvPr id="1" name=""/>
+        <p:cNvGrpSpPr/>
+        <p:nvPr/>
+      </p:nvGrpSpPr>
+      <p:grpSpPr>
+        <a:xfrm>
+          <a:off x="0" y="0"/>
+          <a:ext cx="0" cy="0"/>
+          <a:chOff x="0" y="0"/>
+          <a:chExt cx="0" cy="0"/>
+        </a:xfrm>
+      </p:grpSpPr>
+      <p:sp>
+        <p:nvSpPr>
+          <p:cNvPr id="2" name="Title 1">
+            <a:extLst>
+              <a:ext uri="{FF2B5EF4-FFF2-40B4-BE49-F238E27FC236}">
+                <a16:creationId xmlns:a16="http://schemas.microsoft.com/office/drawing/2014/main" id="{3AB7F98D-014A-F04B-8E17-1D435993AD2A}"/>
+              </a:ext>
+            </a:extLst>
+          </p:cNvPr>
+          <p:cNvSpPr>
+            <a:spLocks noGrp="1"/>
+          </p:cNvSpPr>
+          <p:nvPr>
+            <p:ph type="title"/>
+          </p:nvPr>
+        </p:nvSpPr>
+        <p:spPr/>
+        <p:txBody>
+          <a:bodyPr/>
+          <a:lstStyle/>
+          <a:p>
+            <a:r>
+              <a:rPr lang="en-CA" b="1" dirty="0">
+                <a:latin typeface="Arial Black" panose="020B0604020202020204" pitchFamily="34" charset="0"/>
+                <a:cs typeface="Arial Black" panose="020B0604020202020204" pitchFamily="34" charset="0"/>
+              </a:rPr>
+              <a:t>Questions</a:t>
+            </a:r>
+          </a:p>
+        </p:txBody>
+      </p:sp>
+      <p:sp>
+        <p:nvSpPr>
+          <p:cNvPr id="3" name="Content Placeholder 2">
+            <a:extLst>
+              <a:ext uri="{FF2B5EF4-FFF2-40B4-BE49-F238E27FC236}">
+                <a16:creationId xmlns:a16="http://schemas.microsoft.com/office/drawing/2014/main" id="{CEB8EBFE-28F6-8849-AC41-3E3DDFC6DF4A}"/>
+              </a:ext>
+            </a:extLst>
+          </p:cNvPr>
+          <p:cNvSpPr>
+            <a:spLocks noGrp="1"/>
+          </p:cNvSpPr>
+          <p:nvPr>
+            <p:ph idx="1"/>
+          </p:nvPr>
+        </p:nvSpPr>
+        <p:spPr/>
+        <p:txBody>
+          <a:bodyPr/>
+          <a:lstStyle/>
+          <a:p>
+            <a:endParaRPr lang="en-CA"/>
+          </a:p>
+        </p:txBody>
+      </p:sp>
+    </p:spTree>
+    <p:extLst>
+      <p:ext uri="{BB962C8B-B14F-4D97-AF65-F5344CB8AC3E}">
+        <p14:creationId xmlns:p14="http://schemas.microsoft.com/office/powerpoint/2010/main" val="2721267180"/>
       </p:ext>
     </p:extLst>
   </p:cSld>
@@ -10035,6 +13349,134 @@
   <p:clrMapOvr>
     <a:masterClrMapping/>
   </p:clrMapOvr>
+  <p:timing>
+    <p:tnLst>
+      <p:par>
+        <p:cTn id="1" dur="indefinite" restart="never" nodeType="tmRoot">
+          <p:childTnLst>
+            <p:seq concurrent="1" nextAc="seek">
+              <p:cTn id="2" dur="indefinite" nodeType="mainSeq">
+                <p:childTnLst>
+                  <p:par>
+                    <p:cTn id="3" fill="hold">
+                      <p:stCondLst>
+                        <p:cond delay="indefinite"/>
+                      </p:stCondLst>
+                      <p:childTnLst>
+                        <p:par>
+                          <p:cTn id="4" fill="hold">
+                            <p:stCondLst>
+                              <p:cond delay="0"/>
+                            </p:stCondLst>
+                            <p:childTnLst>
+                              <p:par>
+                                <p:cTn id="5" presetID="1" presetClass="entr" presetSubtype="0" fill="hold" nodeType="clickEffect">
+                                  <p:stCondLst>
+                                    <p:cond delay="0"/>
+                                  </p:stCondLst>
+                                  <p:childTnLst>
+                                    <p:set>
+                                      <p:cBhvr>
+                                        <p:cTn id="6" dur="1" fill="hold">
+                                          <p:stCondLst>
+                                            <p:cond delay="0"/>
+                                          </p:stCondLst>
+                                        </p:cTn>
+                                        <p:tgtEl>
+                                          <p:spTgt spid="3">
+                                            <p:txEl>
+                                              <p:pRg st="2" end="2"/>
+                                            </p:txEl>
+                                          </p:spTgt>
+                                        </p:tgtEl>
+                                        <p:attrNameLst>
+                                          <p:attrName>style.visibility</p:attrName>
+                                        </p:attrNameLst>
+                                      </p:cBhvr>
+                                      <p:to>
+                                        <p:strVal val="visible"/>
+                                      </p:to>
+                                    </p:set>
+                                  </p:childTnLst>
+                                </p:cTn>
+                              </p:par>
+                            </p:childTnLst>
+                          </p:cTn>
+                        </p:par>
+                      </p:childTnLst>
+                    </p:cTn>
+                  </p:par>
+                  <p:par>
+                    <p:cTn id="7" fill="hold">
+                      <p:stCondLst>
+                        <p:cond delay="indefinite"/>
+                      </p:stCondLst>
+                      <p:childTnLst>
+                        <p:par>
+                          <p:cTn id="8" fill="hold">
+                            <p:stCondLst>
+                              <p:cond delay="0"/>
+                            </p:stCondLst>
+                            <p:childTnLst>
+                              <p:par>
+                                <p:cTn id="9" presetID="1" presetClass="entr" presetSubtype="0" fill="hold" nodeType="clickEffect">
+                                  <p:stCondLst>
+                                    <p:cond delay="0"/>
+                                  </p:stCondLst>
+                                  <p:childTnLst>
+                                    <p:set>
+                                      <p:cBhvr>
+                                        <p:cTn id="10" dur="1" fill="hold">
+                                          <p:stCondLst>
+                                            <p:cond delay="0"/>
+                                          </p:stCondLst>
+                                        </p:cTn>
+                                        <p:tgtEl>
+                                          <p:spTgt spid="3">
+                                            <p:txEl>
+                                              <p:pRg st="4" end="4"/>
+                                            </p:txEl>
+                                          </p:spTgt>
+                                        </p:tgtEl>
+                                        <p:attrNameLst>
+                                          <p:attrName>style.visibility</p:attrName>
+                                        </p:attrNameLst>
+                                      </p:cBhvr>
+                                      <p:to>
+                                        <p:strVal val="visible"/>
+                                      </p:to>
+                                    </p:set>
+                                  </p:childTnLst>
+                                </p:cTn>
+                              </p:par>
+                            </p:childTnLst>
+                          </p:cTn>
+                        </p:par>
+                      </p:childTnLst>
+                    </p:cTn>
+                  </p:par>
+                </p:childTnLst>
+              </p:cTn>
+              <p:prevCondLst>
+                <p:cond evt="onPrev" delay="0">
+                  <p:tgtEl>
+                    <p:sldTgt/>
+                  </p:tgtEl>
+                </p:cond>
+              </p:prevCondLst>
+              <p:nextCondLst>
+                <p:cond evt="onNext" delay="0">
+                  <p:tgtEl>
+                    <p:sldTgt/>
+                  </p:tgtEl>
+                </p:cond>
+              </p:nextCondLst>
+            </p:seq>
+          </p:childTnLst>
+        </p:cTn>
+      </p:par>
+    </p:tnLst>
+  </p:timing>
 </p:sld>
 </file>
 
@@ -10596,7 +14038,7 @@
             <p:ph idx="1"/>
             <p:extLst>
               <p:ext uri="{D42A27DB-BD31-4B8C-83A1-F6EECF244321}">
-                <p14:modId xmlns:p14="http://schemas.microsoft.com/office/powerpoint/2010/main" val="1734275873"/>
+                <p14:modId xmlns:p14="http://schemas.microsoft.com/office/powerpoint/2010/main" val="1401315739"/>
               </p:ext>
             </p:extLst>
           </p:nvPr>
@@ -10717,7 +14159,7 @@
           <a:p>
             <a:r>
               <a:rPr lang="en-CA" sz="2700" dirty="0"/>
-              <a:t>ACME Learning Co. was provided a database of 300 insured clients containing lab results for 14 medical parameters ;</a:t>
+              <a:t>ACME Learning Co. was provided a database of 303 insured clients containing lab results for 14 medical parameters ;</a:t>
             </a:r>
           </a:p>
           <a:p>
@@ -10998,6 +14440,277 @@
   <p:clrMapOvr>
     <a:masterClrMapping/>
   </p:clrMapOvr>
+  <p:timing>
+    <p:tnLst>
+      <p:par>
+        <p:cTn id="1" dur="indefinite" restart="never" nodeType="tmRoot">
+          <p:childTnLst>
+            <p:seq concurrent="1" nextAc="seek">
+              <p:cTn id="2" dur="indefinite" nodeType="mainSeq">
+                <p:childTnLst>
+                  <p:par>
+                    <p:cTn id="3" fill="hold">
+                      <p:stCondLst>
+                        <p:cond delay="indefinite"/>
+                      </p:stCondLst>
+                      <p:childTnLst>
+                        <p:par>
+                          <p:cTn id="4" fill="hold">
+                            <p:stCondLst>
+                              <p:cond delay="0"/>
+                            </p:stCondLst>
+                            <p:childTnLst>
+                              <p:par>
+                                <p:cTn id="5" presetID="1" presetClass="entr" presetSubtype="0" fill="hold" nodeType="clickEffect">
+                                  <p:stCondLst>
+                                    <p:cond delay="0"/>
+                                  </p:stCondLst>
+                                  <p:childTnLst>
+                                    <p:set>
+                                      <p:cBhvr>
+                                        <p:cTn id="6" dur="1" fill="hold">
+                                          <p:stCondLst>
+                                            <p:cond delay="0"/>
+                                          </p:stCondLst>
+                                        </p:cTn>
+                                        <p:tgtEl>
+                                          <p:spTgt spid="3">
+                                            <p:txEl>
+                                              <p:pRg st="0" end="0"/>
+                                            </p:txEl>
+                                          </p:spTgt>
+                                        </p:tgtEl>
+                                        <p:attrNameLst>
+                                          <p:attrName>style.visibility</p:attrName>
+                                        </p:attrNameLst>
+                                      </p:cBhvr>
+                                      <p:to>
+                                        <p:strVal val="visible"/>
+                                      </p:to>
+                                    </p:set>
+                                  </p:childTnLst>
+                                </p:cTn>
+                              </p:par>
+                            </p:childTnLst>
+                          </p:cTn>
+                        </p:par>
+                      </p:childTnLst>
+                    </p:cTn>
+                  </p:par>
+                  <p:par>
+                    <p:cTn id="7" fill="hold">
+                      <p:stCondLst>
+                        <p:cond delay="indefinite"/>
+                      </p:stCondLst>
+                      <p:childTnLst>
+                        <p:par>
+                          <p:cTn id="8" fill="hold">
+                            <p:stCondLst>
+                              <p:cond delay="0"/>
+                            </p:stCondLst>
+                            <p:childTnLst>
+                              <p:par>
+                                <p:cTn id="9" presetID="1" presetClass="entr" presetSubtype="0" fill="hold" nodeType="clickEffect">
+                                  <p:stCondLst>
+                                    <p:cond delay="0"/>
+                                  </p:stCondLst>
+                                  <p:childTnLst>
+                                    <p:set>
+                                      <p:cBhvr>
+                                        <p:cTn id="10" dur="1" fill="hold">
+                                          <p:stCondLst>
+                                            <p:cond delay="0"/>
+                                          </p:stCondLst>
+                                        </p:cTn>
+                                        <p:tgtEl>
+                                          <p:spTgt spid="3">
+                                            <p:txEl>
+                                              <p:pRg st="2" end="2"/>
+                                            </p:txEl>
+                                          </p:spTgt>
+                                        </p:tgtEl>
+                                        <p:attrNameLst>
+                                          <p:attrName>style.visibility</p:attrName>
+                                        </p:attrNameLst>
+                                      </p:cBhvr>
+                                      <p:to>
+                                        <p:strVal val="visible"/>
+                                      </p:to>
+                                    </p:set>
+                                  </p:childTnLst>
+                                </p:cTn>
+                              </p:par>
+                            </p:childTnLst>
+                          </p:cTn>
+                        </p:par>
+                      </p:childTnLst>
+                    </p:cTn>
+                  </p:par>
+                  <p:par>
+                    <p:cTn id="11" fill="hold">
+                      <p:stCondLst>
+                        <p:cond delay="indefinite"/>
+                      </p:stCondLst>
+                      <p:childTnLst>
+                        <p:par>
+                          <p:cTn id="12" fill="hold">
+                            <p:stCondLst>
+                              <p:cond delay="0"/>
+                            </p:stCondLst>
+                            <p:childTnLst>
+                              <p:par>
+                                <p:cTn id="13" presetID="1" presetClass="entr" presetSubtype="0" fill="hold" nodeType="clickEffect">
+                                  <p:stCondLst>
+                                    <p:cond delay="0"/>
+                                  </p:stCondLst>
+                                  <p:childTnLst>
+                                    <p:set>
+                                      <p:cBhvr>
+                                        <p:cTn id="14" dur="1" fill="hold">
+                                          <p:stCondLst>
+                                            <p:cond delay="0"/>
+                                          </p:stCondLst>
+                                        </p:cTn>
+                                        <p:tgtEl>
+                                          <p:spTgt spid="3">
+                                            <p:txEl>
+                                              <p:pRg st="4" end="4"/>
+                                            </p:txEl>
+                                          </p:spTgt>
+                                        </p:tgtEl>
+                                        <p:attrNameLst>
+                                          <p:attrName>style.visibility</p:attrName>
+                                        </p:attrNameLst>
+                                      </p:cBhvr>
+                                      <p:to>
+                                        <p:strVal val="visible"/>
+                                      </p:to>
+                                    </p:set>
+                                  </p:childTnLst>
+                                </p:cTn>
+                              </p:par>
+                            </p:childTnLst>
+                          </p:cTn>
+                        </p:par>
+                      </p:childTnLst>
+                    </p:cTn>
+                  </p:par>
+                  <p:par>
+                    <p:cTn id="15" fill="hold">
+                      <p:stCondLst>
+                        <p:cond delay="indefinite"/>
+                      </p:stCondLst>
+                      <p:childTnLst>
+                        <p:par>
+                          <p:cTn id="16" fill="hold">
+                            <p:stCondLst>
+                              <p:cond delay="0"/>
+                            </p:stCondLst>
+                            <p:childTnLst>
+                              <p:par>
+                                <p:cTn id="17" presetID="1" presetClass="entr" presetSubtype="0" fill="hold" nodeType="clickEffect">
+                                  <p:stCondLst>
+                                    <p:cond delay="0"/>
+                                  </p:stCondLst>
+                                  <p:childTnLst>
+                                    <p:set>
+                                      <p:cBhvr>
+                                        <p:cTn id="18" dur="1" fill="hold">
+                                          <p:stCondLst>
+                                            <p:cond delay="0"/>
+                                          </p:stCondLst>
+                                        </p:cTn>
+                                        <p:tgtEl>
+                                          <p:spTgt spid="3">
+                                            <p:txEl>
+                                              <p:pRg st="6" end="6"/>
+                                            </p:txEl>
+                                          </p:spTgt>
+                                        </p:tgtEl>
+                                        <p:attrNameLst>
+                                          <p:attrName>style.visibility</p:attrName>
+                                        </p:attrNameLst>
+                                      </p:cBhvr>
+                                      <p:to>
+                                        <p:strVal val="visible"/>
+                                      </p:to>
+                                    </p:set>
+                                  </p:childTnLst>
+                                </p:cTn>
+                              </p:par>
+                            </p:childTnLst>
+                          </p:cTn>
+                        </p:par>
+                      </p:childTnLst>
+                    </p:cTn>
+                  </p:par>
+                  <p:par>
+                    <p:cTn id="19" fill="hold">
+                      <p:stCondLst>
+                        <p:cond delay="indefinite"/>
+                      </p:stCondLst>
+                      <p:childTnLst>
+                        <p:par>
+                          <p:cTn id="20" fill="hold">
+                            <p:stCondLst>
+                              <p:cond delay="0"/>
+                            </p:stCondLst>
+                            <p:childTnLst>
+                              <p:par>
+                                <p:cTn id="21" presetID="1" presetClass="entr" presetSubtype="0" fill="hold" nodeType="clickEffect">
+                                  <p:stCondLst>
+                                    <p:cond delay="0"/>
+                                  </p:stCondLst>
+                                  <p:childTnLst>
+                                    <p:set>
+                                      <p:cBhvr>
+                                        <p:cTn id="22" dur="1" fill="hold">
+                                          <p:stCondLst>
+                                            <p:cond delay="0"/>
+                                          </p:stCondLst>
+                                        </p:cTn>
+                                        <p:tgtEl>
+                                          <p:spTgt spid="7170"/>
+                                        </p:tgtEl>
+                                        <p:attrNameLst>
+                                          <p:attrName>style.visibility</p:attrName>
+                                        </p:attrNameLst>
+                                      </p:cBhvr>
+                                      <p:to>
+                                        <p:strVal val="visible"/>
+                                      </p:to>
+                                    </p:set>
+                                  </p:childTnLst>
+                                </p:cTn>
+                              </p:par>
+                            </p:childTnLst>
+                          </p:cTn>
+                        </p:par>
+                      </p:childTnLst>
+                    </p:cTn>
+                  </p:par>
+                </p:childTnLst>
+              </p:cTn>
+              <p:prevCondLst>
+                <p:cond evt="onPrev" delay="0">
+                  <p:tgtEl>
+                    <p:sldTgt/>
+                  </p:tgtEl>
+                </p:cond>
+              </p:prevCondLst>
+              <p:nextCondLst>
+                <p:cond evt="onNext" delay="0">
+                  <p:tgtEl>
+                    <p:sldTgt/>
+                  </p:tgtEl>
+                </p:cond>
+              </p:nextCondLst>
+            </p:seq>
+          </p:childTnLst>
+        </p:cTn>
+      </p:par>
+    </p:tnLst>
+  </p:timing>
 </p:sld>
 </file>
 
@@ -11478,6 +15191,285 @@
   <p:clrMapOvr>
     <a:masterClrMapping/>
   </p:clrMapOvr>
+  <p:timing>
+    <p:tnLst>
+      <p:par>
+        <p:cTn id="1" dur="indefinite" restart="never" nodeType="tmRoot">
+          <p:childTnLst>
+            <p:seq concurrent="1" nextAc="seek">
+              <p:cTn id="2" dur="indefinite" nodeType="mainSeq">
+                <p:childTnLst>
+                  <p:par>
+                    <p:cTn id="3" fill="hold">
+                      <p:stCondLst>
+                        <p:cond delay="indefinite"/>
+                      </p:stCondLst>
+                      <p:childTnLst>
+                        <p:par>
+                          <p:cTn id="4" fill="hold">
+                            <p:stCondLst>
+                              <p:cond delay="0"/>
+                            </p:stCondLst>
+                            <p:childTnLst>
+                              <p:par>
+                                <p:cTn id="5" presetID="1" presetClass="entr" presetSubtype="0" fill="hold" grpId="0" nodeType="clickEffect">
+                                  <p:stCondLst>
+                                    <p:cond delay="0"/>
+                                  </p:stCondLst>
+                                  <p:childTnLst>
+                                    <p:set>
+                                      <p:cBhvr>
+                                        <p:cTn id="6" dur="1" fill="hold">
+                                          <p:stCondLst>
+                                            <p:cond delay="0"/>
+                                          </p:stCondLst>
+                                        </p:cTn>
+                                        <p:tgtEl>
+                                          <p:spTgt spid="5"/>
+                                        </p:tgtEl>
+                                        <p:attrNameLst>
+                                          <p:attrName>style.visibility</p:attrName>
+                                        </p:attrNameLst>
+                                      </p:cBhvr>
+                                      <p:to>
+                                        <p:strVal val="visible"/>
+                                      </p:to>
+                                    </p:set>
+                                  </p:childTnLst>
+                                </p:cTn>
+                              </p:par>
+                              <p:par>
+                                <p:cTn id="7" presetID="1" presetClass="entr" presetSubtype="0" fill="hold" nodeType="withEffect">
+                                  <p:stCondLst>
+                                    <p:cond delay="0"/>
+                                  </p:stCondLst>
+                                  <p:childTnLst>
+                                    <p:set>
+                                      <p:cBhvr>
+                                        <p:cTn id="8" dur="1" fill="hold">
+                                          <p:stCondLst>
+                                            <p:cond delay="0"/>
+                                          </p:stCondLst>
+                                        </p:cTn>
+                                        <p:tgtEl>
+                                          <p:spTgt spid="8194"/>
+                                        </p:tgtEl>
+                                        <p:attrNameLst>
+                                          <p:attrName>style.visibility</p:attrName>
+                                        </p:attrNameLst>
+                                      </p:cBhvr>
+                                      <p:to>
+                                        <p:strVal val="visible"/>
+                                      </p:to>
+                                    </p:set>
+                                  </p:childTnLst>
+                                </p:cTn>
+                              </p:par>
+                            </p:childTnLst>
+                          </p:cTn>
+                        </p:par>
+                      </p:childTnLst>
+                    </p:cTn>
+                  </p:par>
+                  <p:par>
+                    <p:cTn id="9" fill="hold">
+                      <p:stCondLst>
+                        <p:cond delay="indefinite"/>
+                      </p:stCondLst>
+                      <p:childTnLst>
+                        <p:par>
+                          <p:cTn id="10" fill="hold">
+                            <p:stCondLst>
+                              <p:cond delay="0"/>
+                            </p:stCondLst>
+                            <p:childTnLst>
+                              <p:par>
+                                <p:cTn id="11" presetID="1" presetClass="entr" presetSubtype="0" fill="hold" grpId="0" nodeType="clickEffect">
+                                  <p:stCondLst>
+                                    <p:cond delay="0"/>
+                                  </p:stCondLst>
+                                  <p:childTnLst>
+                                    <p:set>
+                                      <p:cBhvr>
+                                        <p:cTn id="12" dur="1" fill="hold">
+                                          <p:stCondLst>
+                                            <p:cond delay="0"/>
+                                          </p:stCondLst>
+                                        </p:cTn>
+                                        <p:tgtEl>
+                                          <p:spTgt spid="3">
+                                            <p:txEl>
+                                              <p:pRg st="0" end="0"/>
+                                            </p:txEl>
+                                          </p:spTgt>
+                                        </p:tgtEl>
+                                        <p:attrNameLst>
+                                          <p:attrName>style.visibility</p:attrName>
+                                        </p:attrNameLst>
+                                      </p:cBhvr>
+                                      <p:to>
+                                        <p:strVal val="visible"/>
+                                      </p:to>
+                                    </p:set>
+                                  </p:childTnLst>
+                                </p:cTn>
+                              </p:par>
+                              <p:par>
+                                <p:cTn id="13" presetID="1" presetClass="entr" presetSubtype="0" fill="hold" grpId="0" nodeType="withEffect">
+                                  <p:stCondLst>
+                                    <p:cond delay="0"/>
+                                  </p:stCondLst>
+                                  <p:childTnLst>
+                                    <p:set>
+                                      <p:cBhvr>
+                                        <p:cTn id="14" dur="1" fill="hold">
+                                          <p:stCondLst>
+                                            <p:cond delay="0"/>
+                                          </p:stCondLst>
+                                        </p:cTn>
+                                        <p:tgtEl>
+                                          <p:spTgt spid="3">
+                                            <p:txEl>
+                                              <p:pRg st="1" end="1"/>
+                                            </p:txEl>
+                                          </p:spTgt>
+                                        </p:tgtEl>
+                                        <p:attrNameLst>
+                                          <p:attrName>style.visibility</p:attrName>
+                                        </p:attrNameLst>
+                                      </p:cBhvr>
+                                      <p:to>
+                                        <p:strVal val="visible"/>
+                                      </p:to>
+                                    </p:set>
+                                  </p:childTnLst>
+                                </p:cTn>
+                              </p:par>
+                              <p:par>
+                                <p:cTn id="15" presetID="1" presetClass="entr" presetSubtype="0" fill="hold" grpId="0" nodeType="withEffect">
+                                  <p:stCondLst>
+                                    <p:cond delay="0"/>
+                                  </p:stCondLst>
+                                  <p:childTnLst>
+                                    <p:set>
+                                      <p:cBhvr>
+                                        <p:cTn id="16" dur="1" fill="hold">
+                                          <p:stCondLst>
+                                            <p:cond delay="0"/>
+                                          </p:stCondLst>
+                                        </p:cTn>
+                                        <p:tgtEl>
+                                          <p:spTgt spid="3">
+                                            <p:txEl>
+                                              <p:pRg st="2" end="2"/>
+                                            </p:txEl>
+                                          </p:spTgt>
+                                        </p:tgtEl>
+                                        <p:attrNameLst>
+                                          <p:attrName>style.visibility</p:attrName>
+                                        </p:attrNameLst>
+                                      </p:cBhvr>
+                                      <p:to>
+                                        <p:strVal val="visible"/>
+                                      </p:to>
+                                    </p:set>
+                                  </p:childTnLst>
+                                </p:cTn>
+                              </p:par>
+                              <p:par>
+                                <p:cTn id="17" presetID="1" presetClass="entr" presetSubtype="0" fill="hold" grpId="0" nodeType="withEffect">
+                                  <p:stCondLst>
+                                    <p:cond delay="0"/>
+                                  </p:stCondLst>
+                                  <p:childTnLst>
+                                    <p:set>
+                                      <p:cBhvr>
+                                        <p:cTn id="18" dur="1" fill="hold">
+                                          <p:stCondLst>
+                                            <p:cond delay="0"/>
+                                          </p:stCondLst>
+                                        </p:cTn>
+                                        <p:tgtEl>
+                                          <p:spTgt spid="3">
+                                            <p:txEl>
+                                              <p:pRg st="3" end="3"/>
+                                            </p:txEl>
+                                          </p:spTgt>
+                                        </p:tgtEl>
+                                        <p:attrNameLst>
+                                          <p:attrName>style.visibility</p:attrName>
+                                        </p:attrNameLst>
+                                      </p:cBhvr>
+                                      <p:to>
+                                        <p:strVal val="visible"/>
+                                      </p:to>
+                                    </p:set>
+                                  </p:childTnLst>
+                                </p:cTn>
+                              </p:par>
+                              <p:par>
+                                <p:cTn id="19" presetID="1" presetClass="entr" presetSubtype="0" fill="hold" grpId="0" nodeType="withEffect">
+                                  <p:stCondLst>
+                                    <p:cond delay="0"/>
+                                  </p:stCondLst>
+                                  <p:childTnLst>
+                                    <p:set>
+                                      <p:cBhvr>
+                                        <p:cTn id="20" dur="1" fill="hold">
+                                          <p:stCondLst>
+                                            <p:cond delay="0"/>
+                                          </p:stCondLst>
+                                        </p:cTn>
+                                        <p:tgtEl>
+                                          <p:spTgt spid="3">
+                                            <p:txEl>
+                                              <p:pRg st="4" end="4"/>
+                                            </p:txEl>
+                                          </p:spTgt>
+                                        </p:tgtEl>
+                                        <p:attrNameLst>
+                                          <p:attrName>style.visibility</p:attrName>
+                                        </p:attrNameLst>
+                                      </p:cBhvr>
+                                      <p:to>
+                                        <p:strVal val="visible"/>
+                                      </p:to>
+                                    </p:set>
+                                  </p:childTnLst>
+                                </p:cTn>
+                              </p:par>
+                            </p:childTnLst>
+                          </p:cTn>
+                        </p:par>
+                      </p:childTnLst>
+                    </p:cTn>
+                  </p:par>
+                </p:childTnLst>
+              </p:cTn>
+              <p:prevCondLst>
+                <p:cond evt="onPrev" delay="0">
+                  <p:tgtEl>
+                    <p:sldTgt/>
+                  </p:tgtEl>
+                </p:cond>
+              </p:prevCondLst>
+              <p:nextCondLst>
+                <p:cond evt="onNext" delay="0">
+                  <p:tgtEl>
+                    <p:sldTgt/>
+                  </p:tgtEl>
+                </p:cond>
+              </p:nextCondLst>
+            </p:seq>
+          </p:childTnLst>
+        </p:cTn>
+      </p:par>
+    </p:tnLst>
+    <p:bldLst>
+      <p:bldP spid="3" grpId="0" uiExpand="1" build="p"/>
+      <p:bldP spid="5" grpId="0"/>
+    </p:bldLst>
+  </p:timing>
 </p:sld>
 </file>
 
@@ -11506,6 +15498,53 @@
           <a:chExt cx="0" cy="0"/>
         </a:xfrm>
       </p:grpSpPr>
+      <p:pic>
+        <p:nvPicPr>
+          <p:cNvPr id="6146" name="Picture 2">
+            <a:extLst>
+              <a:ext uri="{FF2B5EF4-FFF2-40B4-BE49-F238E27FC236}">
+                <a16:creationId xmlns:a16="http://schemas.microsoft.com/office/drawing/2014/main" id="{4565DE99-4826-3F4C-947D-0335AC1DFBB9}"/>
+              </a:ext>
+            </a:extLst>
+          </p:cNvPr>
+          <p:cNvPicPr>
+            <a:picLocks noChangeAspect="1" noChangeArrowheads="1"/>
+          </p:cNvPicPr>
+          <p:nvPr/>
+        </p:nvPicPr>
+        <p:blipFill>
+          <a:blip r:embed="rId2">
+            <a:extLst>
+              <a:ext uri="{28A0092B-C50C-407E-A947-70E740481C1C}">
+                <a14:useLocalDpi xmlns:a14="http://schemas.microsoft.com/office/drawing/2010/main" val="0"/>
+              </a:ext>
+            </a:extLst>
+          </a:blip>
+          <a:srcRect/>
+          <a:stretch>
+            <a:fillRect/>
+          </a:stretch>
+        </p:blipFill>
+        <p:spPr bwMode="auto">
+          <a:xfrm>
+            <a:off x="762345" y="3322087"/>
+            <a:ext cx="4839252" cy="3535912"/>
+          </a:xfrm>
+          <a:prstGeom prst="rect">
+            <a:avLst/>
+          </a:prstGeom>
+          <a:noFill/>
+          <a:extLst>
+            <a:ext uri="{909E8E84-426E-40DD-AFC4-6F175D3DCCD1}">
+              <a14:hiddenFill xmlns:a14="http://schemas.microsoft.com/office/drawing/2010/main">
+                <a:solidFill>
+                  <a:srgbClr val="FFFFFF"/>
+                </a:solidFill>
+              </a14:hiddenFill>
+            </a:ext>
+          </a:extLst>
+        </p:spPr>
+      </p:pic>
       <p:sp>
         <p:nvSpPr>
           <p:cNvPr id="2" name="Title 1">
@@ -11563,8 +15602,8 @@
         </p:nvSpPr>
         <p:spPr>
           <a:xfrm>
-            <a:off x="852321" y="1834243"/>
-            <a:ext cx="5033221" cy="3788227"/>
+            <a:off x="852320" y="1774082"/>
+            <a:ext cx="5442417" cy="3788227"/>
           </a:xfrm>
         </p:spPr>
         <p:txBody>
@@ -11576,7 +15615,14 @@
             <a:pPr algn="just"/>
             <a:r>
               <a:rPr lang="en-CA" sz="2000" dirty="0"/>
-              <a:t>The following correlation data indicates the  variables in the data set that are highly related to the risk of heart disease.</a:t>
+              <a:t>165 out of 303 candidates have a heart disease.</a:t>
+            </a:r>
+          </a:p>
+          <a:p>
+            <a:pPr algn="just"/>
+            <a:r>
+              <a:rPr lang="en-CA" sz="2000" dirty="0"/>
+              <a:t>Correlation data indicates the  variables in the data set that are highly related to the risk of heart disease are :</a:t>
             </a:r>
           </a:p>
           <a:p>
@@ -11727,7 +15773,7 @@
           <p:nvPr/>
         </p:nvPicPr>
         <p:blipFill>
-          <a:blip r:embed="rId2">
+          <a:blip r:embed="rId3">
             <a:extLst>
               <a:ext uri="{28A0092B-C50C-407E-A947-70E740481C1C}">
                 <a14:useLocalDpi xmlns:a14="http://schemas.microsoft.com/office/drawing/2010/main" val="0"/>
@@ -11758,53 +15804,6 @@
           </a:extLst>
         </p:spPr>
       </p:pic>
-      <p:pic>
-        <p:nvPicPr>
-          <p:cNvPr id="8" name="Picture 2">
-            <a:extLst>
-              <a:ext uri="{FF2B5EF4-FFF2-40B4-BE49-F238E27FC236}">
-                <a16:creationId xmlns:a16="http://schemas.microsoft.com/office/drawing/2014/main" id="{42090575-4F17-484D-A853-BF81A5A4862A}"/>
-              </a:ext>
-            </a:extLst>
-          </p:cNvPr>
-          <p:cNvPicPr>
-            <a:picLocks noChangeAspect="1" noChangeArrowheads="1"/>
-          </p:cNvPicPr>
-          <p:nvPr/>
-        </p:nvPicPr>
-        <p:blipFill>
-          <a:blip r:embed="rId3">
-            <a:extLst>
-              <a:ext uri="{28A0092B-C50C-407E-A947-70E740481C1C}">
-                <a14:useLocalDpi xmlns:a14="http://schemas.microsoft.com/office/drawing/2010/main" val="0"/>
-              </a:ext>
-            </a:extLst>
-          </a:blip>
-          <a:srcRect/>
-          <a:stretch>
-            <a:fillRect/>
-          </a:stretch>
-        </p:blipFill>
-        <p:spPr bwMode="auto">
-          <a:xfrm>
-            <a:off x="944980" y="3200401"/>
-            <a:ext cx="4449593" cy="3251199"/>
-          </a:xfrm>
-          <a:prstGeom prst="rect">
-            <a:avLst/>
-          </a:prstGeom>
-          <a:noFill/>
-          <a:extLst>
-            <a:ext uri="{909E8E84-426E-40DD-AFC4-6F175D3DCCD1}">
-              <a14:hiddenFill xmlns:a14="http://schemas.microsoft.com/office/drawing/2010/main">
-                <a:solidFill>
-                  <a:srgbClr val="FFFFFF"/>
-                </a:solidFill>
-              </a14:hiddenFill>
-            </a:ext>
-          </a:extLst>
-        </p:spPr>
-      </p:pic>
       <p:sp>
         <p:nvSpPr>
           <p:cNvPr id="9" name="Rounded Rectangle 8">
@@ -11819,7 +15818,7 @@
         </p:nvSpPr>
         <p:spPr>
           <a:xfrm>
-            <a:off x="2705100" y="3200401"/>
+            <a:off x="2705100" y="3453071"/>
             <a:ext cx="279400" cy="3251199"/>
           </a:xfrm>
           <a:prstGeom prst="roundRect">
@@ -11867,6 +15866,227 @@
   <p:clrMapOvr>
     <a:masterClrMapping/>
   </p:clrMapOvr>
+  <p:timing>
+    <p:tnLst>
+      <p:par>
+        <p:cTn id="1" dur="indefinite" restart="never" nodeType="tmRoot">
+          <p:childTnLst>
+            <p:seq concurrent="1" nextAc="seek">
+              <p:cTn id="2" dur="indefinite" nodeType="mainSeq">
+                <p:childTnLst>
+                  <p:par>
+                    <p:cTn id="3" fill="hold">
+                      <p:stCondLst>
+                        <p:cond delay="indefinite"/>
+                      </p:stCondLst>
+                      <p:childTnLst>
+                        <p:par>
+                          <p:cTn id="4" fill="hold">
+                            <p:stCondLst>
+                              <p:cond delay="0"/>
+                            </p:stCondLst>
+                            <p:childTnLst>
+                              <p:par>
+                                <p:cTn id="5" presetID="1" presetClass="entr" presetSubtype="0" fill="hold" nodeType="clickEffect">
+                                  <p:stCondLst>
+                                    <p:cond delay="0"/>
+                                  </p:stCondLst>
+                                  <p:childTnLst>
+                                    <p:set>
+                                      <p:cBhvr>
+                                        <p:cTn id="6" dur="1" fill="hold">
+                                          <p:stCondLst>
+                                            <p:cond delay="0"/>
+                                          </p:stCondLst>
+                                        </p:cTn>
+                                        <p:tgtEl>
+                                          <p:spTgt spid="3">
+                                            <p:txEl>
+                                              <p:pRg st="0" end="0"/>
+                                            </p:txEl>
+                                          </p:spTgt>
+                                        </p:tgtEl>
+                                        <p:attrNameLst>
+                                          <p:attrName>style.visibility</p:attrName>
+                                        </p:attrNameLst>
+                                      </p:cBhvr>
+                                      <p:to>
+                                        <p:strVal val="visible"/>
+                                      </p:to>
+                                    </p:set>
+                                  </p:childTnLst>
+                                </p:cTn>
+                              </p:par>
+                            </p:childTnLst>
+                          </p:cTn>
+                        </p:par>
+                      </p:childTnLst>
+                    </p:cTn>
+                  </p:par>
+                  <p:par>
+                    <p:cTn id="7" fill="hold">
+                      <p:stCondLst>
+                        <p:cond delay="indefinite"/>
+                      </p:stCondLst>
+                      <p:childTnLst>
+                        <p:par>
+                          <p:cTn id="8" fill="hold">
+                            <p:stCondLst>
+                              <p:cond delay="0"/>
+                            </p:stCondLst>
+                            <p:childTnLst>
+                              <p:par>
+                                <p:cTn id="9" presetID="1" presetClass="entr" presetSubtype="0" fill="hold" nodeType="clickEffect">
+                                  <p:stCondLst>
+                                    <p:cond delay="0"/>
+                                  </p:stCondLst>
+                                  <p:childTnLst>
+                                    <p:set>
+                                      <p:cBhvr>
+                                        <p:cTn id="10" dur="1" fill="hold">
+                                          <p:stCondLst>
+                                            <p:cond delay="0"/>
+                                          </p:stCondLst>
+                                        </p:cTn>
+                                        <p:tgtEl>
+                                          <p:spTgt spid="3">
+                                            <p:txEl>
+                                              <p:pRg st="1" end="1"/>
+                                            </p:txEl>
+                                          </p:spTgt>
+                                        </p:tgtEl>
+                                        <p:attrNameLst>
+                                          <p:attrName>style.visibility</p:attrName>
+                                        </p:attrNameLst>
+                                      </p:cBhvr>
+                                      <p:to>
+                                        <p:strVal val="visible"/>
+                                      </p:to>
+                                    </p:set>
+                                  </p:childTnLst>
+                                </p:cTn>
+                              </p:par>
+                            </p:childTnLst>
+                          </p:cTn>
+                        </p:par>
+                      </p:childTnLst>
+                    </p:cTn>
+                  </p:par>
+                  <p:par>
+                    <p:cTn id="11" fill="hold">
+                      <p:stCondLst>
+                        <p:cond delay="indefinite"/>
+                      </p:stCondLst>
+                      <p:childTnLst>
+                        <p:par>
+                          <p:cTn id="12" fill="hold">
+                            <p:stCondLst>
+                              <p:cond delay="0"/>
+                            </p:stCondLst>
+                            <p:childTnLst>
+                              <p:par>
+                                <p:cTn id="13" presetID="1" presetClass="entr" presetSubtype="0" fill="hold" nodeType="clickEffect">
+                                  <p:stCondLst>
+                                    <p:cond delay="0"/>
+                                  </p:stCondLst>
+                                  <p:childTnLst>
+                                    <p:set>
+                                      <p:cBhvr>
+                                        <p:cTn id="14" dur="1" fill="hold">
+                                          <p:stCondLst>
+                                            <p:cond delay="0"/>
+                                          </p:stCondLst>
+                                        </p:cTn>
+                                        <p:tgtEl>
+                                          <p:spTgt spid="6146"/>
+                                        </p:tgtEl>
+                                        <p:attrNameLst>
+                                          <p:attrName>style.visibility</p:attrName>
+                                        </p:attrNameLst>
+                                      </p:cBhvr>
+                                      <p:to>
+                                        <p:strVal val="visible"/>
+                                      </p:to>
+                                    </p:set>
+                                  </p:childTnLst>
+                                </p:cTn>
+                              </p:par>
+                            </p:childTnLst>
+                          </p:cTn>
+                        </p:par>
+                      </p:childTnLst>
+                    </p:cTn>
+                  </p:par>
+                  <p:par>
+                    <p:cTn id="15" fill="hold">
+                      <p:stCondLst>
+                        <p:cond delay="indefinite"/>
+                      </p:stCondLst>
+                      <p:childTnLst>
+                        <p:par>
+                          <p:cTn id="16" fill="hold">
+                            <p:stCondLst>
+                              <p:cond delay="0"/>
+                            </p:stCondLst>
+                            <p:childTnLst>
+                              <p:par>
+                                <p:cTn id="17" presetID="1" presetClass="entr" presetSubtype="0" fill="hold" grpId="0" nodeType="clickEffect">
+                                  <p:stCondLst>
+                                    <p:cond delay="0"/>
+                                  </p:stCondLst>
+                                  <p:childTnLst>
+                                    <p:set>
+                                      <p:cBhvr>
+                                        <p:cTn id="18" dur="1" fill="hold">
+                                          <p:stCondLst>
+                                            <p:cond delay="0"/>
+                                          </p:stCondLst>
+                                        </p:cTn>
+                                        <p:tgtEl>
+                                          <p:spTgt spid="9"/>
+                                        </p:tgtEl>
+                                        <p:attrNameLst>
+                                          <p:attrName>style.visibility</p:attrName>
+                                        </p:attrNameLst>
+                                      </p:cBhvr>
+                                      <p:to>
+                                        <p:strVal val="visible"/>
+                                      </p:to>
+                                    </p:set>
+                                  </p:childTnLst>
+                                </p:cTn>
+                              </p:par>
+                            </p:childTnLst>
+                          </p:cTn>
+                        </p:par>
+                      </p:childTnLst>
+                    </p:cTn>
+                  </p:par>
+                </p:childTnLst>
+              </p:cTn>
+              <p:prevCondLst>
+                <p:cond evt="onPrev" delay="0">
+                  <p:tgtEl>
+                    <p:sldTgt/>
+                  </p:tgtEl>
+                </p:cond>
+              </p:prevCondLst>
+              <p:nextCondLst>
+                <p:cond evt="onNext" delay="0">
+                  <p:tgtEl>
+                    <p:sldTgt/>
+                  </p:tgtEl>
+                </p:cond>
+              </p:nextCondLst>
+            </p:seq>
+          </p:childTnLst>
+        </p:cTn>
+      </p:par>
+    </p:tnLst>
+    <p:bldLst>
+      <p:bldP spid="9" grpId="0" animBg="1"/>
+    </p:bldLst>
+  </p:timing>
 </p:sld>
 </file>
 
@@ -11897,10 +16117,10 @@
       </p:grpSpPr>
       <p:pic>
         <p:nvPicPr>
-          <p:cNvPr id="11" name="Picture 6">
+          <p:cNvPr id="7170" name="Picture 2">
             <a:extLst>
               <a:ext uri="{FF2B5EF4-FFF2-40B4-BE49-F238E27FC236}">
-                <a16:creationId xmlns:a16="http://schemas.microsoft.com/office/drawing/2014/main" id="{F0367B01-310F-FD41-B63C-B351467E8B8E}"/>
+                <a16:creationId xmlns:a16="http://schemas.microsoft.com/office/drawing/2014/main" id="{C6BBE185-3B0E-894E-A7DA-510CACFA003E}"/>
               </a:ext>
             </a:extLst>
           </p:cNvPr>
@@ -11924,8 +16144,55 @@
         </p:blipFill>
         <p:spPr bwMode="auto">
           <a:xfrm>
-            <a:off x="2260599" y="2716907"/>
-            <a:ext cx="4714253" cy="3113186"/>
+            <a:off x="335533" y="2560636"/>
+            <a:ext cx="1602196" cy="3278178"/>
+          </a:xfrm>
+          <a:prstGeom prst="rect">
+            <a:avLst/>
+          </a:prstGeom>
+          <a:noFill/>
+          <a:extLst>
+            <a:ext uri="{909E8E84-426E-40DD-AFC4-6F175D3DCCD1}">
+              <a14:hiddenFill xmlns:a14="http://schemas.microsoft.com/office/drawing/2010/main">
+                <a:solidFill>
+                  <a:srgbClr val="FFFFFF"/>
+                </a:solidFill>
+              </a14:hiddenFill>
+            </a:ext>
+          </a:extLst>
+        </p:spPr>
+      </p:pic>
+      <p:pic>
+        <p:nvPicPr>
+          <p:cNvPr id="7172" name="Picture 4">
+            <a:extLst>
+              <a:ext uri="{FF2B5EF4-FFF2-40B4-BE49-F238E27FC236}">
+                <a16:creationId xmlns:a16="http://schemas.microsoft.com/office/drawing/2014/main" id="{C7B11BC2-A361-9648-8F9B-A5A0DE112698}"/>
+              </a:ext>
+            </a:extLst>
+          </p:cNvPr>
+          <p:cNvPicPr>
+            <a:picLocks noChangeAspect="1" noChangeArrowheads="1"/>
+          </p:cNvPicPr>
+          <p:nvPr/>
+        </p:nvPicPr>
+        <p:blipFill>
+          <a:blip r:embed="rId3">
+            <a:extLst>
+              <a:ext uri="{28A0092B-C50C-407E-A947-70E740481C1C}">
+                <a14:useLocalDpi xmlns:a14="http://schemas.microsoft.com/office/drawing/2010/main" val="0"/>
+              </a:ext>
+            </a:extLst>
+          </a:blip>
+          <a:srcRect/>
+          <a:stretch>
+            <a:fillRect/>
+          </a:stretch>
+        </p:blipFill>
+        <p:spPr bwMode="auto">
+          <a:xfrm>
+            <a:off x="2211604" y="2649350"/>
+            <a:ext cx="4583564" cy="3026882"/>
           </a:xfrm>
           <a:prstGeom prst="rect">
             <a:avLst/>
@@ -12124,7 +16391,7 @@
           <p:nvPr/>
         </p:nvPicPr>
         <p:blipFill>
-          <a:blip r:embed="rId3">
+          <a:blip r:embed="rId4">
             <a:extLst>
               <a:ext uri="{28A0092B-C50C-407E-A947-70E740481C1C}">
                 <a14:useLocalDpi xmlns:a14="http://schemas.microsoft.com/office/drawing/2010/main" val="0"/>
@@ -12155,53 +16422,6 @@
           </a:extLst>
         </p:spPr>
       </p:pic>
-      <p:pic>
-        <p:nvPicPr>
-          <p:cNvPr id="10" name="Picture 4">
-            <a:extLst>
-              <a:ext uri="{FF2B5EF4-FFF2-40B4-BE49-F238E27FC236}">
-                <a16:creationId xmlns:a16="http://schemas.microsoft.com/office/drawing/2014/main" id="{A27AD512-9C24-3E4A-BBA6-E854887B0029}"/>
-              </a:ext>
-            </a:extLst>
-          </p:cNvPr>
-          <p:cNvPicPr>
-            <a:picLocks noChangeAspect="1" noChangeArrowheads="1"/>
-          </p:cNvPicPr>
-          <p:nvPr/>
-        </p:nvPicPr>
-        <p:blipFill>
-          <a:blip r:embed="rId4">
-            <a:extLst>
-              <a:ext uri="{28A0092B-C50C-407E-A947-70E740481C1C}">
-                <a14:useLocalDpi xmlns:a14="http://schemas.microsoft.com/office/drawing/2010/main" val="0"/>
-              </a:ext>
-            </a:extLst>
-          </a:blip>
-          <a:srcRect/>
-          <a:stretch>
-            <a:fillRect/>
-          </a:stretch>
-        </p:blipFill>
-        <p:spPr bwMode="auto">
-          <a:xfrm>
-            <a:off x="418515" y="2657474"/>
-            <a:ext cx="1550605" cy="3172619"/>
-          </a:xfrm>
-          <a:prstGeom prst="rect">
-            <a:avLst/>
-          </a:prstGeom>
-          <a:noFill/>
-          <a:extLst>
-            <a:ext uri="{909E8E84-426E-40DD-AFC4-6F175D3DCCD1}">
-              <a14:hiddenFill xmlns:a14="http://schemas.microsoft.com/office/drawing/2010/main">
-                <a:solidFill>
-                  <a:srgbClr val="FFFFFF"/>
-                </a:solidFill>
-              </a14:hiddenFill>
-            </a:ext>
-          </a:extLst>
-        </p:spPr>
-      </p:pic>
       <p:sp>
         <p:nvSpPr>
           <p:cNvPr id="12" name="Rounded Rectangle 11">
@@ -12216,8 +16436,8 @@
         </p:nvSpPr>
         <p:spPr>
           <a:xfrm>
-            <a:off x="408404" y="2560637"/>
-            <a:ext cx="1459115" cy="1325564"/>
+            <a:off x="408404" y="2560636"/>
+            <a:ext cx="1459115" cy="1325563"/>
           </a:xfrm>
           <a:prstGeom prst="roundRect">
             <a:avLst/>
@@ -12264,6 +16484,84 @@
   <p:clrMapOvr>
     <a:masterClrMapping/>
   </p:clrMapOvr>
+  <p:timing>
+    <p:tnLst>
+      <p:par>
+        <p:cTn id="1" dur="indefinite" restart="never" nodeType="tmRoot">
+          <p:childTnLst>
+            <p:seq concurrent="1" nextAc="seek">
+              <p:cTn id="2" dur="indefinite" nodeType="mainSeq">
+                <p:childTnLst>
+                  <p:par>
+                    <p:cTn id="3" fill="hold">
+                      <p:stCondLst>
+                        <p:cond delay="indefinite"/>
+                      </p:stCondLst>
+                      <p:childTnLst>
+                        <p:par>
+                          <p:cTn id="4" fill="hold">
+                            <p:stCondLst>
+                              <p:cond delay="0"/>
+                            </p:stCondLst>
+                            <p:childTnLst>
+                              <p:par>
+                                <p:cTn id="5" presetID="1" presetClass="entr" presetSubtype="0" fill="hold" grpId="0" nodeType="clickEffect">
+                                  <p:stCondLst>
+                                    <p:cond delay="0"/>
+                                  </p:stCondLst>
+                                  <p:childTnLst>
+                                    <p:set>
+                                      <p:cBhvr>
+                                        <p:cTn id="6" dur="1" fill="hold">
+                                          <p:stCondLst>
+                                            <p:cond delay="0"/>
+                                          </p:stCondLst>
+                                        </p:cTn>
+                                        <p:tgtEl>
+                                          <p:spTgt spid="12"/>
+                                        </p:tgtEl>
+                                        <p:attrNameLst>
+                                          <p:attrName>style.visibility</p:attrName>
+                                        </p:attrNameLst>
+                                      </p:cBhvr>
+                                      <p:to>
+                                        <p:strVal val="visible"/>
+                                      </p:to>
+                                    </p:set>
+                                  </p:childTnLst>
+                                </p:cTn>
+                              </p:par>
+                            </p:childTnLst>
+                          </p:cTn>
+                        </p:par>
+                      </p:childTnLst>
+                    </p:cTn>
+                  </p:par>
+                </p:childTnLst>
+              </p:cTn>
+              <p:prevCondLst>
+                <p:cond evt="onPrev" delay="0">
+                  <p:tgtEl>
+                    <p:sldTgt/>
+                  </p:tgtEl>
+                </p:cond>
+              </p:prevCondLst>
+              <p:nextCondLst>
+                <p:cond evt="onNext" delay="0">
+                  <p:tgtEl>
+                    <p:sldTgt/>
+                  </p:tgtEl>
+                </p:cond>
+              </p:nextCondLst>
+            </p:seq>
+          </p:childTnLst>
+        </p:cTn>
+      </p:par>
+    </p:tnLst>
+    <p:bldLst>
+      <p:bldP spid="12" grpId="0" animBg="1"/>
+    </p:bldLst>
+  </p:timing>
 </p:sld>
 </file>
 
